--- a/docs/мой_семинар/2.0 Разбираем продукты.pptx
+++ b/docs/мой_семинар/2.0 Разбираем продукты.pptx
@@ -5,7 +5,7 @@
     <p:sldMasterId id="2147483648" r:id="rId1"/>
   </p:sldMasterIdLst>
   <p:notesMasterIdLst>
-    <p:notesMasterId r:id="rId11"/>
+    <p:notesMasterId r:id="rId16"/>
   </p:notesMasterIdLst>
   <p:sldIdLst>
     <p:sldId id="256" r:id="rId2"/>
@@ -15,8 +15,13 @@
     <p:sldId id="375" r:id="rId6"/>
     <p:sldId id="376" r:id="rId7"/>
     <p:sldId id="378" r:id="rId8"/>
-    <p:sldId id="369" r:id="rId9"/>
-    <p:sldId id="373" r:id="rId10"/>
+    <p:sldId id="379" r:id="rId9"/>
+    <p:sldId id="383" r:id="rId10"/>
+    <p:sldId id="380" r:id="rId11"/>
+    <p:sldId id="381" r:id="rId12"/>
+    <p:sldId id="382" r:id="rId13"/>
+    <p:sldId id="369" r:id="rId14"/>
+    <p:sldId id="373" r:id="rId15"/>
   </p:sldIdLst>
   <p:sldSz cx="20116800" cy="10972800"/>
   <p:notesSz cx="6858000" cy="9144000"/>
@@ -547,14 +552,793 @@
           <a:bodyPr/>
           <a:lstStyle/>
           <a:p>
-            <a:endParaRPr lang="ru-RU"/>
+            <a:endParaRPr lang="ru-RU" dirty="0"/>
           </a:p>
         </p:txBody>
       </p:sp>
     </p:spTree>
     <p:extLst>
       <p:ext uri="{BB962C8B-B14F-4D97-AF65-F5344CB8AC3E}">
-        <p14:creationId xmlns:p14="http://schemas.microsoft.com/office/powerpoint/2010/main" val="3554393528"/>
+        <p14:creationId xmlns:p14="http://schemas.microsoft.com/office/powerpoint/2010/main" val="2743302372"/>
+      </p:ext>
+    </p:extLst>
+  </p:cSld>
+  <p:clrMapOvr>
+    <a:masterClrMapping/>
+  </p:clrMapOvr>
+</p:notes>
+</file>
+
+<file path=ppt/notesSlides/notesSlide10.xml><?xml version="1.0" encoding="utf-8"?>
+<p:notes xmlns:a="http://schemas.openxmlformats.org/drawingml/2006/main" xmlns:r="http://schemas.openxmlformats.org/officeDocument/2006/relationships" xmlns:p="http://schemas.openxmlformats.org/presentationml/2006/main">
+  <p:cSld>
+    <p:spTree>
+      <p:nvGrpSpPr>
+        <p:cNvPr id="1" name=""/>
+        <p:cNvGrpSpPr/>
+        <p:nvPr/>
+      </p:nvGrpSpPr>
+      <p:grpSpPr>
+        <a:xfrm>
+          <a:off x="0" y="0"/>
+          <a:ext cx="0" cy="0"/>
+          <a:chOff x="0" y="0"/>
+          <a:chExt cx="0" cy="0"/>
+        </a:xfrm>
+      </p:grpSpPr>
+      <p:sp>
+        <p:nvSpPr>
+          <p:cNvPr id="2" name="Образ слайда 1"/>
+          <p:cNvSpPr>
+            <a:spLocks noGrp="1" noRot="1" noChangeAspect="1"/>
+          </p:cNvSpPr>
+          <p:nvPr>
+            <p:ph type="sldImg"/>
+          </p:nvPr>
+        </p:nvSpPr>
+        <p:spPr>
+          <a:xfrm>
+            <a:off x="285750" y="685800"/>
+            <a:ext cx="6286500" cy="3429000"/>
+          </a:xfrm>
+        </p:spPr>
+      </p:sp>
+      <p:sp>
+        <p:nvSpPr>
+          <p:cNvPr id="3" name="Заметки 2"/>
+          <p:cNvSpPr>
+            <a:spLocks noGrp="1"/>
+          </p:cNvSpPr>
+          <p:nvPr>
+            <p:ph type="body" idx="1"/>
+          </p:nvPr>
+        </p:nvSpPr>
+        <p:spPr/>
+        <p:txBody>
+          <a:bodyPr/>
+          <a:lstStyle/>
+          <a:p>
+            <a:r>
+              <a:rPr lang="ru-RU" b="1" dirty="0"/>
+              <a:t>Оценка рисков:</a:t>
+            </a:r>
+          </a:p>
+          <a:p>
+            <a:pPr>
+              <a:buFont typeface="+mj-lt"/>
+              <a:buAutoNum type="arabicPeriod" startAt="7"/>
+            </a:pPr>
+            <a:r>
+              <a:rPr lang="ru-RU" b="1" dirty="0"/>
+              <a:t>Каковы основные риски, связанные с проектом?</a:t>
+            </a:r>
+            <a:br>
+              <a:rPr lang="ru-RU" dirty="0"/>
+            </a:br>
+            <a:r>
+              <a:rPr lang="ru-RU" dirty="0"/>
+              <a:t>— Конкуренция, технические проблемы с масштабированием и привлечение инвестиций.</a:t>
+            </a:r>
+          </a:p>
+          <a:p>
+            <a:pPr>
+              <a:buFont typeface="+mj-lt"/>
+              <a:buAutoNum type="arabicPeriod" startAt="7"/>
+            </a:pPr>
+            <a:r>
+              <a:rPr lang="ru-RU" b="1" dirty="0"/>
+              <a:t>Как стартап планирует минимизировать или управлять этими рисками?</a:t>
+            </a:r>
+            <a:br>
+              <a:rPr lang="ru-RU" dirty="0"/>
+            </a:br>
+            <a:r>
+              <a:rPr lang="ru-RU" dirty="0"/>
+              <a:t>— Внедрение инновационных функций, резервирование средств для технической поддержки, привлечение партнёров.</a:t>
+            </a:r>
+          </a:p>
+          <a:p>
+            <a:pPr>
+              <a:buFont typeface="+mj-lt"/>
+              <a:buAutoNum type="arabicPeriod" startAt="7"/>
+            </a:pPr>
+            <a:r>
+              <a:rPr lang="ru-RU" b="1" dirty="0"/>
+              <a:t>Есть ли технологические или операционные риски?</a:t>
+            </a:r>
+            <a:br>
+              <a:rPr lang="ru-RU" dirty="0"/>
+            </a:br>
+            <a:r>
+              <a:rPr lang="ru-RU" dirty="0"/>
+              <a:t>— Да, возможны проблемы с интеграцией в существующие системы клиентов и поддержкой нагрузки.</a:t>
+            </a:r>
+          </a:p>
+          <a:p>
+            <a:pPr>
+              <a:buFont typeface="+mj-lt"/>
+              <a:buAutoNum type="arabicPeriod" startAt="7"/>
+            </a:pPr>
+            <a:r>
+              <a:rPr lang="ru-RU" b="1" dirty="0"/>
+              <a:t>Какова зависимость от внешних факторов?</a:t>
+            </a:r>
+            <a:br>
+              <a:rPr lang="ru-RU" dirty="0"/>
+            </a:br>
+            <a:r>
+              <a:rPr lang="ru-RU" dirty="0"/>
+              <a:t>— Влияние экономической нестабильности и изменения регуляций, например, в области налогов и данных.</a:t>
+            </a:r>
+          </a:p>
+          <a:p>
+            <a:pPr>
+              <a:buFont typeface="+mj-lt"/>
+              <a:buAutoNum type="arabicPeriod" startAt="7"/>
+            </a:pPr>
+            <a:r>
+              <a:rPr lang="ru-RU" b="1" dirty="0"/>
+              <a:t>Какие риски связаны с человеческими ресурсами?</a:t>
+            </a:r>
+            <a:br>
+              <a:rPr lang="ru-RU" dirty="0"/>
+            </a:br>
+            <a:r>
+              <a:rPr lang="ru-RU" dirty="0"/>
+              <a:t>— Недостаток опытных разработчиков, возможный уход ключевых сотрудников.</a:t>
+            </a:r>
+          </a:p>
+          <a:p>
+            <a:endParaRPr lang="ru-RU" dirty="0"/>
+          </a:p>
+        </p:txBody>
+      </p:sp>
+    </p:spTree>
+    <p:extLst>
+      <p:ext uri="{BB962C8B-B14F-4D97-AF65-F5344CB8AC3E}">
+        <p14:creationId xmlns:p14="http://schemas.microsoft.com/office/powerpoint/2010/main" val="2248536240"/>
+      </p:ext>
+    </p:extLst>
+  </p:cSld>
+  <p:clrMapOvr>
+    <a:masterClrMapping/>
+  </p:clrMapOvr>
+</p:notes>
+</file>
+
+<file path=ppt/notesSlides/notesSlide11.xml><?xml version="1.0" encoding="utf-8"?>
+<p:notes xmlns:a="http://schemas.openxmlformats.org/drawingml/2006/main" xmlns:r="http://schemas.openxmlformats.org/officeDocument/2006/relationships" xmlns:p="http://schemas.openxmlformats.org/presentationml/2006/main">
+  <p:cSld>
+    <p:spTree>
+      <p:nvGrpSpPr>
+        <p:cNvPr id="1" name=""/>
+        <p:cNvGrpSpPr/>
+        <p:nvPr/>
+      </p:nvGrpSpPr>
+      <p:grpSpPr>
+        <a:xfrm>
+          <a:off x="0" y="0"/>
+          <a:ext cx="0" cy="0"/>
+          <a:chOff x="0" y="0"/>
+          <a:chExt cx="0" cy="0"/>
+        </a:xfrm>
+      </p:grpSpPr>
+      <p:sp>
+        <p:nvSpPr>
+          <p:cNvPr id="2" name="Образ слайда 1"/>
+          <p:cNvSpPr>
+            <a:spLocks noGrp="1" noRot="1" noChangeAspect="1"/>
+          </p:cNvSpPr>
+          <p:nvPr>
+            <p:ph type="sldImg"/>
+          </p:nvPr>
+        </p:nvSpPr>
+        <p:spPr>
+          <a:xfrm>
+            <a:off x="285750" y="685800"/>
+            <a:ext cx="6286500" cy="3429000"/>
+          </a:xfrm>
+        </p:spPr>
+      </p:sp>
+      <p:sp>
+        <p:nvSpPr>
+          <p:cNvPr id="3" name="Заметки 2"/>
+          <p:cNvSpPr>
+            <a:spLocks noGrp="1"/>
+          </p:cNvSpPr>
+          <p:nvPr>
+            <p:ph type="body" idx="1"/>
+          </p:nvPr>
+        </p:nvSpPr>
+        <p:spPr/>
+        <p:txBody>
+          <a:bodyPr/>
+          <a:lstStyle/>
+          <a:p>
+            <a:r>
+              <a:rPr lang="ru-RU" b="1" dirty="0"/>
+              <a:t>Определение ресурсов и реализации:</a:t>
+            </a:r>
+          </a:p>
+          <a:p>
+            <a:pPr>
+              <a:buFont typeface="+mj-lt"/>
+              <a:buAutoNum type="arabicPeriod" startAt="12"/>
+            </a:pPr>
+            <a:r>
+              <a:rPr lang="ru-RU" b="1" dirty="0"/>
+              <a:t>Какие ресурсы необходимы для запуска и поддержки стартапа?</a:t>
+            </a:r>
+            <a:br>
+              <a:rPr lang="ru-RU" dirty="0"/>
+            </a:br>
+            <a:r>
+              <a:rPr lang="ru-RU" dirty="0"/>
+              <a:t>— Финансирование разработки, маркетинг, команда из 5-7 специалистов.</a:t>
+            </a:r>
+          </a:p>
+          <a:p>
+            <a:pPr>
+              <a:buFont typeface="+mj-lt"/>
+              <a:buAutoNum type="arabicPeriod" startAt="12"/>
+            </a:pPr>
+            <a:r>
+              <a:rPr lang="ru-RU" b="1" dirty="0"/>
+              <a:t>Какую сумму инвестиций нужно привлечь для запуска?</a:t>
+            </a:r>
+            <a:br>
+              <a:rPr lang="ru-RU" dirty="0"/>
+            </a:br>
+            <a:r>
+              <a:rPr lang="ru-RU" dirty="0"/>
+              <a:t>— Около $500,000 на разработку </a:t>
+            </a:r>
+            <a:r>
+              <a:rPr lang="en" dirty="0"/>
+              <a:t>MVP, </a:t>
+            </a:r>
+            <a:r>
+              <a:rPr lang="ru-RU" dirty="0"/>
+              <a:t>маркетинг и начальные операционные расходы.</a:t>
+            </a:r>
+          </a:p>
+          <a:p>
+            <a:pPr>
+              <a:buFont typeface="+mj-lt"/>
+              <a:buAutoNum type="arabicPeriod" startAt="12"/>
+            </a:pPr>
+            <a:r>
+              <a:rPr lang="ru-RU" b="1" dirty="0"/>
+              <a:t>Каков план разработки и внедрения продукта?</a:t>
+            </a:r>
+            <a:br>
+              <a:rPr lang="ru-RU" dirty="0"/>
+            </a:br>
+            <a:r>
+              <a:rPr lang="ru-RU" dirty="0"/>
+              <a:t>— Сначала создание </a:t>
+            </a:r>
+            <a:r>
+              <a:rPr lang="en" dirty="0"/>
+              <a:t>MVP, </a:t>
+            </a:r>
+            <a:r>
+              <a:rPr lang="ru-RU" dirty="0"/>
+              <a:t>затем тестирование на ранних пользователях, итерации на основе обратной связи.</a:t>
+            </a:r>
+          </a:p>
+          <a:p>
+            <a:pPr>
+              <a:buFont typeface="+mj-lt"/>
+              <a:buAutoNum type="arabicPeriod" startAt="12"/>
+            </a:pPr>
+            <a:r>
+              <a:rPr lang="ru-RU" b="1" dirty="0"/>
+              <a:t>Какие ключевые партнеры или поставщики необходимы для реализации проекта?</a:t>
+            </a:r>
+            <a:br>
+              <a:rPr lang="ru-RU" dirty="0"/>
+            </a:br>
+            <a:r>
+              <a:rPr lang="ru-RU" dirty="0"/>
+              <a:t>— Платформы облачных сервисов, технологические партнёры для интеграций.</a:t>
+            </a:r>
+          </a:p>
+          <a:p>
+            <a:pPr>
+              <a:buFont typeface="+mj-lt"/>
+              <a:buAutoNum type="arabicPeriod" startAt="12"/>
+            </a:pPr>
+            <a:r>
+              <a:rPr lang="ru-RU" b="1" dirty="0"/>
+              <a:t>Какова стратегия выхода на рынок?</a:t>
+            </a:r>
+            <a:br>
+              <a:rPr lang="ru-RU" dirty="0"/>
+            </a:br>
+            <a:r>
+              <a:rPr lang="ru-RU" dirty="0"/>
+              <a:t>— Через партнёрские программы, цифровой маркетинг и участие в отраслевых мероприятиях.</a:t>
+            </a:r>
+          </a:p>
+          <a:p>
+            <a:pPr>
+              <a:buFont typeface="+mj-lt"/>
+              <a:buAutoNum type="arabicPeriod" startAt="12"/>
+            </a:pPr>
+            <a:r>
+              <a:rPr lang="ru-RU" b="1" dirty="0"/>
+              <a:t>Какие ключевые метрики будут использоваться для оценки успеха?</a:t>
+            </a:r>
+            <a:br>
+              <a:rPr lang="ru-RU" dirty="0"/>
+            </a:br>
+            <a:r>
+              <a:rPr lang="ru-RU" dirty="0"/>
+              <a:t>— Количество пользователей, уровень удержания клиентов, выручка и рост </a:t>
+            </a:r>
+            <a:r>
+              <a:rPr lang="en" dirty="0"/>
+              <a:t>MRR (</a:t>
+            </a:r>
+            <a:r>
+              <a:rPr lang="ru-RU" dirty="0"/>
+              <a:t>ежемесячного повторяющегося дохода).</a:t>
+            </a:r>
+          </a:p>
+          <a:p>
+            <a:pPr>
+              <a:buFont typeface="+mj-lt"/>
+              <a:buAutoNum type="arabicPeriod" startAt="12"/>
+            </a:pPr>
+            <a:r>
+              <a:rPr lang="ru-RU" b="1" dirty="0"/>
+              <a:t>Каковы долгосрочные планы развития стартапа?</a:t>
+            </a:r>
+            <a:br>
+              <a:rPr lang="ru-RU" dirty="0"/>
+            </a:br>
+            <a:r>
+              <a:rPr lang="ru-RU" dirty="0"/>
+              <a:t>— Масштабирование на международные рынки и расширение функционала за счёт </a:t>
+            </a:r>
+            <a:r>
+              <a:rPr lang="en" dirty="0"/>
+              <a:t>AI.</a:t>
+            </a:r>
+          </a:p>
+          <a:p>
+            <a:endParaRPr lang="ru-RU" dirty="0"/>
+          </a:p>
+        </p:txBody>
+      </p:sp>
+    </p:spTree>
+    <p:extLst>
+      <p:ext uri="{BB962C8B-B14F-4D97-AF65-F5344CB8AC3E}">
+        <p14:creationId xmlns:p14="http://schemas.microsoft.com/office/powerpoint/2010/main" val="2461031742"/>
+      </p:ext>
+    </p:extLst>
+  </p:cSld>
+  <p:clrMapOvr>
+    <a:masterClrMapping/>
+  </p:clrMapOvr>
+</p:notes>
+</file>
+
+<file path=ppt/notesSlides/notesSlide12.xml><?xml version="1.0" encoding="utf-8"?>
+<p:notes xmlns:a="http://schemas.openxmlformats.org/drawingml/2006/main" xmlns:r="http://schemas.openxmlformats.org/officeDocument/2006/relationships" xmlns:p="http://schemas.openxmlformats.org/presentationml/2006/main">
+  <p:cSld>
+    <p:spTree>
+      <p:nvGrpSpPr>
+        <p:cNvPr id="1" name=""/>
+        <p:cNvGrpSpPr/>
+        <p:nvPr/>
+      </p:nvGrpSpPr>
+      <p:grpSpPr>
+        <a:xfrm>
+          <a:off x="0" y="0"/>
+          <a:ext cx="0" cy="0"/>
+          <a:chOff x="0" y="0"/>
+          <a:chExt cx="0" cy="0"/>
+        </a:xfrm>
+      </p:grpSpPr>
+      <p:sp>
+        <p:nvSpPr>
+          <p:cNvPr id="2" name="Образ слайда 1"/>
+          <p:cNvSpPr>
+            <a:spLocks noGrp="1" noRot="1" noChangeAspect="1"/>
+          </p:cNvSpPr>
+          <p:nvPr>
+            <p:ph type="sldImg"/>
+          </p:nvPr>
+        </p:nvSpPr>
+        <p:spPr>
+          <a:xfrm>
+            <a:off x="285750" y="685800"/>
+            <a:ext cx="6286500" cy="3429000"/>
+          </a:xfrm>
+        </p:spPr>
+      </p:sp>
+      <p:sp>
+        <p:nvSpPr>
+          <p:cNvPr id="3" name="Заметки 2"/>
+          <p:cNvSpPr>
+            <a:spLocks noGrp="1"/>
+          </p:cNvSpPr>
+          <p:nvPr>
+            <p:ph type="body" idx="1"/>
+          </p:nvPr>
+        </p:nvSpPr>
+        <p:spPr/>
+        <p:txBody>
+          <a:bodyPr/>
+          <a:lstStyle/>
+          <a:p>
+            <a:r>
+              <a:rPr lang="ru-RU" b="1" dirty="0"/>
+              <a:t>Оценка конкурентной среды:</a:t>
+            </a:r>
+          </a:p>
+          <a:p>
+            <a:pPr>
+              <a:buFont typeface="+mj-lt"/>
+              <a:buAutoNum type="arabicPeriod" startAt="19"/>
+            </a:pPr>
+            <a:r>
+              <a:rPr lang="ru-RU" b="1" dirty="0"/>
+              <a:t>Кто ваши основные конкуренты и чем они сильны?</a:t>
+            </a:r>
+            <a:br>
+              <a:rPr lang="ru-RU" dirty="0"/>
+            </a:br>
+            <a:r>
+              <a:rPr lang="ru-RU" dirty="0"/>
+              <a:t>— Крупные платформы автоматизации, сильны за счёт бренда и ресурсов.</a:t>
+            </a:r>
+          </a:p>
+          <a:p>
+            <a:pPr>
+              <a:buFont typeface="+mj-lt"/>
+              <a:buAutoNum type="arabicPeriod" startAt="19"/>
+            </a:pPr>
+            <a:r>
+              <a:rPr lang="ru-RU" b="1" dirty="0"/>
+              <a:t>Как стартап планирует выдерживать конкуренцию?</a:t>
+            </a:r>
+            <a:br>
+              <a:rPr lang="ru-RU" dirty="0"/>
+            </a:br>
+            <a:r>
+              <a:rPr lang="ru-RU" dirty="0"/>
+              <a:t>— Фокус на простоте использования, персонализации и доступности по цене.</a:t>
+            </a:r>
+          </a:p>
+          <a:p>
+            <a:endParaRPr lang="ru-RU" dirty="0"/>
+          </a:p>
+        </p:txBody>
+      </p:sp>
+    </p:spTree>
+    <p:extLst>
+      <p:ext uri="{BB962C8B-B14F-4D97-AF65-F5344CB8AC3E}">
+        <p14:creationId xmlns:p14="http://schemas.microsoft.com/office/powerpoint/2010/main" val="3355838399"/>
+      </p:ext>
+    </p:extLst>
+  </p:cSld>
+  <p:clrMapOvr>
+    <a:masterClrMapping/>
+  </p:clrMapOvr>
+</p:notes>
+</file>
+
+<file path=ppt/notesSlides/notesSlide13.xml><?xml version="1.0" encoding="utf-8"?>
+<p:notes xmlns:a="http://schemas.openxmlformats.org/drawingml/2006/main" xmlns:r="http://schemas.openxmlformats.org/officeDocument/2006/relationships" xmlns:p="http://schemas.openxmlformats.org/presentationml/2006/main">
+  <p:cSld>
+    <p:spTree>
+      <p:nvGrpSpPr>
+        <p:cNvPr id="1" name=""/>
+        <p:cNvGrpSpPr/>
+        <p:nvPr/>
+      </p:nvGrpSpPr>
+      <p:grpSpPr>
+        <a:xfrm>
+          <a:off x="0" y="0"/>
+          <a:ext cx="0" cy="0"/>
+          <a:chOff x="0" y="0"/>
+          <a:chExt cx="0" cy="0"/>
+        </a:xfrm>
+      </p:grpSpPr>
+      <p:sp>
+        <p:nvSpPr>
+          <p:cNvPr id="2" name="Образ слайда 1"/>
+          <p:cNvSpPr>
+            <a:spLocks noGrp="1" noRot="1" noChangeAspect="1"/>
+          </p:cNvSpPr>
+          <p:nvPr>
+            <p:ph type="sldImg"/>
+          </p:nvPr>
+        </p:nvSpPr>
+        <p:spPr>
+          <a:xfrm>
+            <a:off x="285750" y="685800"/>
+            <a:ext cx="6286500" cy="3429000"/>
+          </a:xfrm>
+        </p:spPr>
+      </p:sp>
+      <p:sp>
+        <p:nvSpPr>
+          <p:cNvPr id="3" name="Заметки 2"/>
+          <p:cNvSpPr>
+            <a:spLocks noGrp="1"/>
+          </p:cNvSpPr>
+          <p:nvPr>
+            <p:ph type="body" idx="1"/>
+          </p:nvPr>
+        </p:nvSpPr>
+        <p:spPr/>
+        <p:txBody>
+          <a:bodyPr/>
+          <a:lstStyle/>
+          <a:p>
+            <a:r>
+              <a:rPr lang="en" dirty="0"/>
+              <a:t>https://</a:t>
+            </a:r>
+            <a:r>
+              <a:rPr lang="en" dirty="0" err="1"/>
+              <a:t>sboard.online</a:t>
+            </a:r>
+            <a:r>
+              <a:rPr lang="en" dirty="0"/>
+              <a:t>/boards/d59eab61-5e60-4f16-a1ac-3c37548ffa16</a:t>
+            </a:r>
+            <a:br>
+              <a:rPr lang="ru-RU" dirty="0"/>
+            </a:br>
+            <a:endParaRPr lang="ru-RU" dirty="0"/>
+          </a:p>
+          <a:p>
+            <a:r>
+              <a:rPr lang="ru-RU" b="0" i="0" dirty="0">
+                <a:solidFill>
+                  <a:srgbClr val="000000"/>
+                </a:solidFill>
+                <a:effectLst/>
+                <a:latin typeface="GraphikLCG-Regular"/>
+              </a:rPr>
+              <a:t>В центре </a:t>
+            </a:r>
+            <a:r>
+              <a:rPr lang="en" b="0" i="0" dirty="0">
+                <a:solidFill>
+                  <a:srgbClr val="000000"/>
+                </a:solidFill>
+                <a:effectLst/>
+                <a:latin typeface="GraphikLCG-Regular"/>
+              </a:rPr>
+              <a:t>Business Model Canvas </a:t>
+            </a:r>
+            <a:r>
+              <a:rPr lang="ru-RU" b="0" i="0" dirty="0">
+                <a:solidFill>
+                  <a:srgbClr val="000000"/>
+                </a:solidFill>
+                <a:effectLst/>
+                <a:latin typeface="GraphikLCG-Regular"/>
+              </a:rPr>
+              <a:t>находится ценностное предложение. Разберём методику для создания сильного </a:t>
+            </a:r>
+            <a:r>
+              <a:rPr lang="en" b="0" i="0" dirty="0">
+                <a:solidFill>
+                  <a:srgbClr val="000000"/>
+                </a:solidFill>
+                <a:effectLst/>
+                <a:latin typeface="GraphikLCG-Regular"/>
+              </a:rPr>
+              <a:t>Value Proposition. </a:t>
+            </a:r>
+            <a:r>
+              <a:rPr lang="ru-RU" b="0" i="0" dirty="0">
+                <a:solidFill>
+                  <a:srgbClr val="000000"/>
+                </a:solidFill>
+                <a:effectLst/>
+                <a:latin typeface="GraphikLCG-Regular"/>
+              </a:rPr>
+              <a:t>Это </a:t>
+            </a:r>
+            <a:r>
+              <a:rPr lang="en" b="0" i="0" dirty="0">
+                <a:solidFill>
+                  <a:srgbClr val="000000"/>
+                </a:solidFill>
+                <a:effectLst/>
+                <a:latin typeface="GraphikLCG-Regular"/>
+              </a:rPr>
+              <a:t>Value Proposition Canvas </a:t>
+            </a:r>
+            <a:r>
+              <a:rPr lang="ru-RU" b="0" i="0" dirty="0">
+                <a:solidFill>
+                  <a:srgbClr val="000000"/>
+                </a:solidFill>
+                <a:effectLst/>
+                <a:latin typeface="GraphikLCG-Regular"/>
+              </a:rPr>
+              <a:t>или шаблон ценностного предложения.</a:t>
+            </a:r>
+            <a:br>
+              <a:rPr lang="ru-RU" b="0" i="0" dirty="0">
+                <a:solidFill>
+                  <a:srgbClr val="000000"/>
+                </a:solidFill>
+                <a:effectLst/>
+                <a:latin typeface="GraphikLCG-Regular"/>
+              </a:rPr>
+            </a:br>
+            <a:endParaRPr lang="en-US" b="0" i="0" dirty="0">
+              <a:solidFill>
+                <a:srgbClr val="000000"/>
+              </a:solidFill>
+              <a:effectLst/>
+              <a:latin typeface="GraphikLCG-Regular"/>
+            </a:endParaRPr>
+          </a:p>
+          <a:p>
+            <a:r>
+              <a:rPr lang="ru-RU" b="0" i="0" dirty="0">
+                <a:solidFill>
+                  <a:srgbClr val="000000"/>
+                </a:solidFill>
+                <a:effectLst/>
+                <a:latin typeface="GraphikLCG-Regular"/>
+              </a:rPr>
+              <a:t>Все, кто даже немного знаком с маркетингом, понимают, что это центральный элемент бизнеса. В этой части статьи мы разберём методику для создания сильного </a:t>
+            </a:r>
+            <a:r>
+              <a:rPr lang="en" b="0" i="0" dirty="0">
+                <a:solidFill>
+                  <a:srgbClr val="000000"/>
+                </a:solidFill>
+                <a:effectLst/>
+                <a:latin typeface="GraphikLCG-Regular"/>
+              </a:rPr>
+              <a:t>Value Proposition. </a:t>
+            </a:r>
+            <a:r>
+              <a:rPr lang="ru-RU" b="0" i="0" dirty="0">
+                <a:solidFill>
+                  <a:srgbClr val="000000"/>
+                </a:solidFill>
+                <a:effectLst/>
+                <a:latin typeface="GraphikLCG-Regular"/>
+              </a:rPr>
+              <a:t>Это </a:t>
+            </a:r>
+            <a:r>
+              <a:rPr lang="en" b="0" i="0" dirty="0">
+                <a:solidFill>
+                  <a:srgbClr val="000000"/>
+                </a:solidFill>
+                <a:effectLst/>
+                <a:latin typeface="GraphikLCG-Regular"/>
+              </a:rPr>
+              <a:t>Value Proposition Canvas </a:t>
+            </a:r>
+            <a:r>
+              <a:rPr lang="ru-RU" b="0" i="0" dirty="0">
+                <a:solidFill>
+                  <a:srgbClr val="000000"/>
+                </a:solidFill>
+                <a:effectLst/>
+                <a:latin typeface="GraphikLCG-Regular"/>
+              </a:rPr>
+              <a:t>или шаблон ценностного предложения.</a:t>
+            </a:r>
+            <a:br>
+              <a:rPr lang="ru-RU" b="0" i="0" dirty="0">
+                <a:solidFill>
+                  <a:srgbClr val="000000"/>
+                </a:solidFill>
+                <a:effectLst/>
+                <a:latin typeface="GraphikLCG-Regular"/>
+              </a:rPr>
+            </a:br>
+            <a:endParaRPr lang="ru-RU" dirty="0"/>
+          </a:p>
+        </p:txBody>
+      </p:sp>
+    </p:spTree>
+    <p:extLst>
+      <p:ext uri="{BB962C8B-B14F-4D97-AF65-F5344CB8AC3E}">
+        <p14:creationId xmlns:p14="http://schemas.microsoft.com/office/powerpoint/2010/main" val="3919431856"/>
+      </p:ext>
+    </p:extLst>
+  </p:cSld>
+  <p:clrMapOvr>
+    <a:masterClrMapping/>
+  </p:clrMapOvr>
+</p:notes>
+</file>
+
+<file path=ppt/notesSlides/notesSlide14.xml><?xml version="1.0" encoding="utf-8"?>
+<p:notes xmlns:a="http://schemas.openxmlformats.org/drawingml/2006/main" xmlns:r="http://schemas.openxmlformats.org/officeDocument/2006/relationships" xmlns:p="http://schemas.openxmlformats.org/presentationml/2006/main">
+  <p:cSld>
+    <p:spTree>
+      <p:nvGrpSpPr>
+        <p:cNvPr id="1" name=""/>
+        <p:cNvGrpSpPr/>
+        <p:nvPr/>
+      </p:nvGrpSpPr>
+      <p:grpSpPr>
+        <a:xfrm>
+          <a:off x="0" y="0"/>
+          <a:ext cx="0" cy="0"/>
+          <a:chOff x="0" y="0"/>
+          <a:chExt cx="0" cy="0"/>
+        </a:xfrm>
+      </p:grpSpPr>
+      <p:sp>
+        <p:nvSpPr>
+          <p:cNvPr id="2" name="Образ слайда 1"/>
+          <p:cNvSpPr>
+            <a:spLocks noGrp="1" noRot="1" noChangeAspect="1"/>
+          </p:cNvSpPr>
+          <p:nvPr>
+            <p:ph type="sldImg"/>
+          </p:nvPr>
+        </p:nvSpPr>
+        <p:spPr>
+          <a:xfrm>
+            <a:off x="285750" y="685800"/>
+            <a:ext cx="6286500" cy="3429000"/>
+          </a:xfrm>
+        </p:spPr>
+      </p:sp>
+      <p:sp>
+        <p:nvSpPr>
+          <p:cNvPr id="3" name="Заметки 2"/>
+          <p:cNvSpPr>
+            <a:spLocks noGrp="1"/>
+          </p:cNvSpPr>
+          <p:nvPr>
+            <p:ph type="body" idx="1"/>
+          </p:nvPr>
+        </p:nvSpPr>
+        <p:spPr/>
+        <p:txBody>
+          <a:bodyPr/>
+          <a:lstStyle/>
+          <a:p>
+            <a:endParaRPr lang="ru-RU"/>
+          </a:p>
+        </p:txBody>
+      </p:sp>
+    </p:spTree>
+    <p:extLst>
+      <p:ext uri="{BB962C8B-B14F-4D97-AF65-F5344CB8AC3E}">
+        <p14:creationId xmlns:p14="http://schemas.microsoft.com/office/powerpoint/2010/main" val="1399426557"/>
       </p:ext>
     </p:extLst>
   </p:cSld>
@@ -613,73 +1397,14 @@
           <a:bodyPr/>
           <a:lstStyle/>
           <a:p>
-            <a:pPr algn="l" rtl="0"/>
-            <a:r>
-              <a:rPr lang="ru-RU" sz="1200" b="0" i="0" dirty="0">
-                <a:solidFill>
-                  <a:schemeClr val="bg1"/>
-                </a:solidFill>
-                <a:effectLst/>
-                <a:latin typeface="var(--text-font-family)"/>
-              </a:rPr>
-              <a:t>Пользователь регистрируется в приложении, привязывает банковскую карту,</a:t>
-            </a:r>
-          </a:p>
-          <a:p>
-            <a:pPr algn="l" rtl="0"/>
-            <a:r>
-              <a:rPr lang="ru-RU" sz="1200" b="0" i="0" dirty="0">
-                <a:solidFill>
-                  <a:schemeClr val="bg1"/>
-                </a:solidFill>
-                <a:effectLst/>
-                <a:latin typeface="var(--text-font-family)"/>
-              </a:rPr>
-              <a:t>оплачивает услугу и получает зарядное устройство в ближайшем автомате компании. </a:t>
-            </a:r>
-          </a:p>
-          <a:p>
-            <a:pPr algn="l" rtl="0"/>
-            <a:r>
-              <a:rPr lang="ru-RU" sz="1200" b="0" i="0" dirty="0">
-                <a:solidFill>
-                  <a:schemeClr val="bg1"/>
-                </a:solidFill>
-                <a:effectLst/>
-                <a:latin typeface="var(--text-font-family)"/>
-              </a:rPr>
-              <a:t>Станции с пауэрбанками расположены в торговых центрах, кафе, вокзалах и аэропортах. </a:t>
-            </a:r>
-          </a:p>
-          <a:p>
-            <a:pPr algn="l" rtl="0"/>
-            <a:r>
-              <a:rPr lang="ru-RU" sz="1200" b="0" i="0" dirty="0">
-                <a:solidFill>
-                  <a:schemeClr val="bg1"/>
-                </a:solidFill>
-                <a:effectLst/>
-                <a:latin typeface="var(--text-font-family)"/>
-              </a:rPr>
-              <a:t>Вернуть зарядку можно в любом месте, где есть станция.</a:t>
-            </a:r>
-            <a:endParaRPr lang="ru-RU" sz="1200" b="0" i="0" dirty="0">
-              <a:solidFill>
-                <a:schemeClr val="bg1"/>
-              </a:solidFill>
-              <a:effectLst/>
-              <a:latin typeface="SB Sans Text"/>
-            </a:endParaRPr>
-          </a:p>
-          <a:p>
-            <a:endParaRPr lang="ru-RU" dirty="0"/>
+            <a:endParaRPr lang="ru-RU"/>
           </a:p>
         </p:txBody>
       </p:sp>
     </p:spTree>
     <p:extLst>
       <p:ext uri="{BB962C8B-B14F-4D97-AF65-F5344CB8AC3E}">
-        <p14:creationId xmlns:p14="http://schemas.microsoft.com/office/powerpoint/2010/main" val="558349311"/>
+        <p14:creationId xmlns:p14="http://schemas.microsoft.com/office/powerpoint/2010/main" val="3554393528"/>
       </p:ext>
     </p:extLst>
   </p:cSld>
@@ -747,7 +1472,7 @@
                 <a:effectLst/>
                 <a:latin typeface="var(--text-font-family)"/>
               </a:rPr>
-              <a:t>Ассистент подключается к звонку, записывает встречу, подводит итоги, формирует точный</a:t>
+              <a:t>Пользователь регистрируется в приложении, привязывает банковскую карту,</a:t>
             </a:r>
           </a:p>
           <a:p>
@@ -760,17 +1485,34 @@
                 <a:effectLst/>
                 <a:latin typeface="var(--text-font-family)"/>
               </a:rPr>
-              <a:t> транскрипт (с учетом знаков препинания, тайм-кодов, имен спикеров и англицизмов), фиксирует задачи.</a:t>
-            </a:r>
-            <a:br>
+              <a:t>оплачивает услугу и получает зарядное устройство в ближайшем автомате компании. </a:t>
+            </a:r>
+          </a:p>
+          <a:p>
+            <a:pPr algn="l" rtl="0"/>
+            <a:r>
               <a:rPr lang="ru-RU" sz="1200" b="0" i="0" dirty="0">
                 <a:solidFill>
                   <a:schemeClr val="bg1"/>
                 </a:solidFill>
                 <a:effectLst/>
-                <a:latin typeface="SB Sans Text"/>
-              </a:rPr>
-            </a:br>
+                <a:latin typeface="var(--text-font-family)"/>
+              </a:rPr>
+              <a:t>Станции с пауэрбанками расположены в торговых центрах, кафе, вокзалах и аэропортах. </a:t>
+            </a:r>
+          </a:p>
+          <a:p>
+            <a:pPr algn="l" rtl="0"/>
+            <a:r>
+              <a:rPr lang="ru-RU" sz="1200" b="0" i="0" dirty="0">
+                <a:solidFill>
+                  <a:schemeClr val="bg1"/>
+                </a:solidFill>
+                <a:effectLst/>
+                <a:latin typeface="var(--text-font-family)"/>
+              </a:rPr>
+              <a:t>Вернуть зарядку можно в любом месте, где есть станция.</a:t>
+            </a:r>
             <a:endParaRPr lang="ru-RU" sz="1200" b="0" i="0" dirty="0">
               <a:solidFill>
                 <a:schemeClr val="bg1"/>
@@ -780,52 +1522,6 @@
             </a:endParaRPr>
           </a:p>
           <a:p>
-            <a:pPr algn="l" rtl="0"/>
-            <a:r>
-              <a:rPr lang="ru-RU" sz="1200" b="0" i="0" dirty="0">
-                <a:solidFill>
-                  <a:schemeClr val="bg1"/>
-                </a:solidFill>
-                <a:effectLst/>
-                <a:latin typeface="var(--text-font-family)"/>
-              </a:rPr>
-              <a:t>Ассистента можно подключить к встрече, отправить ссылки на отдельные звонки или готовые файлы с аудио- и видеозаписями. </a:t>
-            </a:r>
-          </a:p>
-          <a:p>
-            <a:pPr algn="l" rtl="0"/>
-            <a:r>
-              <a:rPr lang="ru-RU" sz="1200" b="0" i="0" dirty="0">
-                <a:solidFill>
-                  <a:schemeClr val="bg1"/>
-                </a:solidFill>
-                <a:effectLst/>
-                <a:latin typeface="var(--text-font-family)"/>
-              </a:rPr>
-              <a:t>При использовании календаря бот автоматически отправит отчет на почту всем участникам встречи. </a:t>
-            </a:r>
-          </a:p>
-          <a:p>
-            <a:pPr algn="l" rtl="0"/>
-            <a:r>
-              <a:rPr lang="ru-RU" sz="1200" b="0" i="0" dirty="0">
-                <a:solidFill>
-                  <a:schemeClr val="bg1"/>
-                </a:solidFill>
-                <a:effectLst/>
-                <a:latin typeface="var(--text-font-family)"/>
-              </a:rPr>
-              <a:t>Пользователи могут скачать файл в любом удобном формате в личном кабинете.</a:t>
-            </a:r>
-            <a:endParaRPr lang="ru-RU" sz="1200" b="0" i="0" dirty="0">
-              <a:solidFill>
-                <a:schemeClr val="bg1"/>
-              </a:solidFill>
-              <a:effectLst/>
-              <a:latin typeface="SB Sans Text"/>
-            </a:endParaRPr>
-          </a:p>
-          <a:p>
             <a:endParaRPr lang="ru-RU" dirty="0"/>
           </a:p>
         </p:txBody>
@@ -833,7 +1529,7 @@
     </p:spTree>
     <p:extLst>
       <p:ext uri="{BB962C8B-B14F-4D97-AF65-F5344CB8AC3E}">
-        <p14:creationId xmlns:p14="http://schemas.microsoft.com/office/powerpoint/2010/main" val="2607982809"/>
+        <p14:creationId xmlns:p14="http://schemas.microsoft.com/office/powerpoint/2010/main" val="558349311"/>
       </p:ext>
     </p:extLst>
   </p:cSld>
@@ -901,7 +1597,7 @@
                 <a:effectLst/>
                 <a:latin typeface="var(--text-font-family)"/>
               </a:rPr>
-              <a:t>Компания создала наушники и головные повязки, которые анализируют психофизиологическое состояние</a:t>
+              <a:t>Ассистент подключается к звонку, записывает встречу, подводит итоги, формирует точный</a:t>
             </a:r>
           </a:p>
           <a:p>
@@ -914,18 +1610,8 @@
                 <a:effectLst/>
                 <a:latin typeface="var(--text-font-family)"/>
               </a:rPr>
-              <a:t>пользователя (усталость, концентрация, стресс, когнитивная загруженность мозга и пр.) в режиме реального времени.</a:t>
-            </a:r>
-            <a:endParaRPr lang="ru-RU" sz="1200" b="0" i="0" dirty="0">
-              <a:solidFill>
-                <a:schemeClr val="bg1"/>
-              </a:solidFill>
-              <a:effectLst/>
-              <a:latin typeface="SB Sans Text"/>
-            </a:endParaRPr>
-          </a:p>
-          <a:p>
-            <a:pPr algn="l" rtl="0"/>
+              <a:t> транскрипт (с учетом знаков препинания, тайм-кодов, имен спикеров и англицизмов), фиксирует задачи.</a:t>
+            </a:r>
             <a:br>
               <a:rPr lang="ru-RU" sz="1200" b="0" i="0" dirty="0">
                 <a:solidFill>
@@ -953,7 +1639,7 @@
                 <a:effectLst/>
                 <a:latin typeface="var(--text-font-family)"/>
               </a:rPr>
-              <a:t>Устройства используются для определения психофизиологических состояний клиентов в индустрии велнес,</a:t>
+              <a:t>Ассистента можно подключить к встрече, отправить ссылки на отдельные звонки или готовые файлы с аудио- и видеозаписями. </a:t>
             </a:r>
           </a:p>
           <a:p>
@@ -966,7 +1652,20 @@
                 <a:effectLst/>
                 <a:latin typeface="var(--text-font-family)"/>
               </a:rPr>
-              <a:t>образовании, рекомендательных сервисах, а также на производстве для предупреждения критических ошибок.</a:t>
+              <a:t>При использовании календаря бот автоматически отправит отчет на почту всем участникам встречи. </a:t>
+            </a:r>
+          </a:p>
+          <a:p>
+            <a:pPr algn="l" rtl="0"/>
+            <a:r>
+              <a:rPr lang="ru-RU" sz="1200" b="0" i="0" dirty="0">
+                <a:solidFill>
+                  <a:schemeClr val="bg1"/>
+                </a:solidFill>
+                <a:effectLst/>
+                <a:latin typeface="var(--text-font-family)"/>
+              </a:rPr>
+              <a:t>Пользователи могут скачать файл в любом удобном формате в личном кабинете.</a:t>
             </a:r>
             <a:endParaRPr lang="ru-RU" sz="1200" b="0" i="0" dirty="0">
               <a:solidFill>
@@ -977,25 +1676,6 @@
             </a:endParaRPr>
           </a:p>
           <a:p>
-            <a:pPr algn="l" rtl="0"/>
-            <a:br>
-              <a:rPr lang="ru-RU" sz="1200" b="0" i="0" dirty="0">
-                <a:solidFill>
-                  <a:schemeClr val="bg1"/>
-                </a:solidFill>
-                <a:effectLst/>
-                <a:latin typeface="SB Sans Text"/>
-              </a:rPr>
-            </a:br>
-            <a:endParaRPr lang="ru-RU" sz="1200" b="0" i="0" dirty="0">
-              <a:solidFill>
-                <a:schemeClr val="bg1"/>
-              </a:solidFill>
-              <a:effectLst/>
-              <a:latin typeface="SB Sans Text"/>
-            </a:endParaRPr>
-          </a:p>
-          <a:p>
             <a:endParaRPr lang="ru-RU" dirty="0"/>
           </a:p>
         </p:txBody>
@@ -1003,7 +1683,7 @@
     </p:spTree>
     <p:extLst>
       <p:ext uri="{BB962C8B-B14F-4D97-AF65-F5344CB8AC3E}">
-        <p14:creationId xmlns:p14="http://schemas.microsoft.com/office/powerpoint/2010/main" val="1633895743"/>
+        <p14:creationId xmlns:p14="http://schemas.microsoft.com/office/powerpoint/2010/main" val="2607982809"/>
       </p:ext>
     </p:extLst>
   </p:cSld>
@@ -1064,15 +1744,18 @@
           <a:p>
             <a:pPr algn="l" rtl="0"/>
             <a:r>
-              <a:rPr lang="ru-RU" sz="1200" b="1" i="0" dirty="0">
+              <a:rPr lang="ru-RU" sz="1200" b="0" i="0" dirty="0">
                 <a:solidFill>
                   <a:schemeClr val="bg1"/>
                 </a:solidFill>
                 <a:effectLst/>
                 <a:latin typeface="var(--text-font-family)"/>
               </a:rPr>
-              <a:t>Идея:</a:t>
-            </a:r>
+              <a:t>Компания создала наушники и головные повязки, которые анализируют психофизиологическое состояние</a:t>
+            </a:r>
+          </a:p>
+          <a:p>
+            <a:pPr algn="l" rtl="0"/>
             <a:r>
               <a:rPr lang="ru-RU" sz="1200" b="0" i="0" dirty="0">
                 <a:solidFill>
@@ -1081,66 +1764,7 @@
                 <a:effectLst/>
                 <a:latin typeface="var(--text-font-family)"/>
               </a:rPr>
-              <a:t> платформа для управления инвестиционно-строительными проектами. Включает несколько самостоятельных модулей, </a:t>
-            </a:r>
-          </a:p>
-          <a:p>
-            <a:pPr algn="l" rtl="0"/>
-            <a:r>
-              <a:rPr lang="ru-RU" sz="1200" b="0" i="0" dirty="0">
-                <a:solidFill>
-                  <a:schemeClr val="bg1"/>
-                </a:solidFill>
-                <a:effectLst/>
-                <a:latin typeface="var(--text-font-family)"/>
-              </a:rPr>
-              <a:t>которые связаны между собой: онлайн-систему для аналитики, управления и мониторинга строительства, </a:t>
-            </a:r>
-          </a:p>
-          <a:p>
-            <a:pPr algn="l" rtl="0"/>
-            <a:r>
-              <a:rPr lang="ru-RU" sz="1200" b="0" i="0" dirty="0">
-                <a:solidFill>
-                  <a:schemeClr val="bg1"/>
-                </a:solidFill>
-                <a:effectLst/>
-                <a:latin typeface="var(--text-font-family)"/>
-              </a:rPr>
-              <a:t>проектирование, управление работами и ресурсами, комплектацию, ценообразование, финансы и поиск рабочих. </a:t>
-            </a:r>
-          </a:p>
-          <a:p>
-            <a:pPr algn="l" rtl="0"/>
-            <a:r>
-              <a:rPr lang="en" sz="1200" b="0" i="0" dirty="0" err="1">
-                <a:solidFill>
-                  <a:schemeClr val="bg1"/>
-                </a:solidFill>
-                <a:effectLst/>
-                <a:latin typeface="var(--text-font-family)"/>
-              </a:rPr>
-              <a:t>Pragmacore</a:t>
-            </a:r>
-            <a:r>
-              <a:rPr lang="en" sz="1200" b="0" i="0" dirty="0">
-                <a:solidFill>
-                  <a:schemeClr val="bg1"/>
-                </a:solidFill>
-                <a:effectLst/>
-                <a:latin typeface="var(--text-font-family)"/>
-              </a:rPr>
-              <a:t> </a:t>
-            </a:r>
-            <a:r>
-              <a:rPr lang="ru-RU" sz="1200" b="0" i="0" dirty="0">
-                <a:solidFill>
-                  <a:schemeClr val="bg1"/>
-                </a:solidFill>
-                <a:effectLst/>
-                <a:latin typeface="var(--text-font-family)"/>
-              </a:rPr>
-              <a:t>использует машинное обучение и алгоритмы предиктивной аналитики, что позволяет строительным компаниям работать над проектом любого размера.</a:t>
+              <a:t>пользователя (усталость, концентрация, стресс, когнитивная загруженность мозга и пр.) в режиме реального времени.</a:t>
             </a:r>
             <a:endParaRPr lang="ru-RU" sz="1200" b="0" i="0" dirty="0">
               <a:solidFill>
@@ -1151,6 +1775,77 @@
             </a:endParaRPr>
           </a:p>
           <a:p>
+            <a:pPr algn="l" rtl="0"/>
+            <a:br>
+              <a:rPr lang="ru-RU" sz="1200" b="0" i="0" dirty="0">
+                <a:solidFill>
+                  <a:schemeClr val="bg1"/>
+                </a:solidFill>
+                <a:effectLst/>
+                <a:latin typeface="SB Sans Text"/>
+              </a:rPr>
+            </a:br>
+            <a:endParaRPr lang="ru-RU" sz="1200" b="0" i="0" dirty="0">
+              <a:solidFill>
+                <a:schemeClr val="bg1"/>
+              </a:solidFill>
+              <a:effectLst/>
+              <a:latin typeface="SB Sans Text"/>
+            </a:endParaRPr>
+          </a:p>
+          <a:p>
+            <a:pPr algn="l" rtl="0"/>
+            <a:r>
+              <a:rPr lang="ru-RU" sz="1200" b="0" i="0" dirty="0">
+                <a:solidFill>
+                  <a:schemeClr val="bg1"/>
+                </a:solidFill>
+                <a:effectLst/>
+                <a:latin typeface="var(--text-font-family)"/>
+              </a:rPr>
+              <a:t>Устройства используются для определения психофизиологических состояний клиентов в индустрии велнес,</a:t>
+            </a:r>
+          </a:p>
+          <a:p>
+            <a:pPr algn="l" rtl="0"/>
+            <a:r>
+              <a:rPr lang="ru-RU" sz="1200" b="0" i="0" dirty="0">
+                <a:solidFill>
+                  <a:schemeClr val="bg1"/>
+                </a:solidFill>
+                <a:effectLst/>
+                <a:latin typeface="var(--text-font-family)"/>
+              </a:rPr>
+              <a:t>образовании, рекомендательных сервисах, а также на производстве для предупреждения критических ошибок.</a:t>
+            </a:r>
+            <a:endParaRPr lang="ru-RU" sz="1200" b="0" i="0" dirty="0">
+              <a:solidFill>
+                <a:schemeClr val="bg1"/>
+              </a:solidFill>
+              <a:effectLst/>
+              <a:latin typeface="SB Sans Text"/>
+            </a:endParaRPr>
+          </a:p>
+          <a:p>
+            <a:pPr algn="l" rtl="0"/>
+            <a:br>
+              <a:rPr lang="ru-RU" sz="1200" b="0" i="0" dirty="0">
+                <a:solidFill>
+                  <a:schemeClr val="bg1"/>
+                </a:solidFill>
+                <a:effectLst/>
+                <a:latin typeface="SB Sans Text"/>
+              </a:rPr>
+            </a:br>
+            <a:endParaRPr lang="ru-RU" sz="1200" b="0" i="0" dirty="0">
+              <a:solidFill>
+                <a:schemeClr val="bg1"/>
+              </a:solidFill>
+              <a:effectLst/>
+              <a:latin typeface="SB Sans Text"/>
+            </a:endParaRPr>
+          </a:p>
+          <a:p>
             <a:endParaRPr lang="ru-RU" dirty="0"/>
           </a:p>
         </p:txBody>
@@ -1158,7 +1853,7 @@
     </p:spTree>
     <p:extLst>
       <p:ext uri="{BB962C8B-B14F-4D97-AF65-F5344CB8AC3E}">
-        <p14:creationId xmlns:p14="http://schemas.microsoft.com/office/powerpoint/2010/main" val="3767401484"/>
+        <p14:creationId xmlns:p14="http://schemas.microsoft.com/office/powerpoint/2010/main" val="1633895743"/>
       </p:ext>
     </p:extLst>
   </p:cSld>
@@ -1219,7 +1914,7 @@
           <a:p>
             <a:pPr algn="l" rtl="0"/>
             <a:r>
-              <a:rPr lang="ru-RU" sz="1200" b="1" i="0">
+              <a:rPr lang="ru-RU" sz="1200" b="1" i="0" dirty="0">
                 <a:solidFill>
                   <a:schemeClr val="bg1"/>
                 </a:solidFill>
@@ -1229,7 +1924,7 @@
               <a:t>Идея:</a:t>
             </a:r>
             <a:r>
-              <a:rPr lang="ru-RU" sz="1200" b="0" i="0">
+              <a:rPr lang="ru-RU" sz="1200" b="0" i="0" dirty="0">
                 <a:solidFill>
                   <a:schemeClr val="bg1"/>
                 </a:solidFill>
@@ -1242,7 +1937,7 @@
           <a:p>
             <a:pPr algn="l" rtl="0"/>
             <a:r>
-              <a:rPr lang="ru-RU" sz="1200" b="0" i="0">
+              <a:rPr lang="ru-RU" sz="1200" b="0" i="0" dirty="0">
                 <a:solidFill>
                   <a:schemeClr val="bg1"/>
                 </a:solidFill>
@@ -1255,7 +1950,7 @@
           <a:p>
             <a:pPr algn="l" rtl="0"/>
             <a:r>
-              <a:rPr lang="ru-RU" sz="1200" b="0" i="0">
+              <a:rPr lang="ru-RU" sz="1200" b="0" i="0" dirty="0">
                 <a:solidFill>
                   <a:schemeClr val="bg1"/>
                 </a:solidFill>
@@ -1268,26 +1963,36 @@
           <a:p>
             <a:pPr algn="l" rtl="0"/>
             <a:r>
-              <a:rPr lang="en" sz="1200" b="0" i="0">
+              <a:rPr lang="en" sz="1200" b="0" i="0" dirty="0" err="1">
                 <a:solidFill>
                   <a:schemeClr val="bg1"/>
                 </a:solidFill>
                 <a:effectLst/>
                 <a:latin typeface="var(--text-font-family)"/>
               </a:rPr>
-              <a:t>Pragmacore </a:t>
-            </a:r>
-            <a:r>
-              <a:rPr lang="ru-RU" sz="1200" b="0" i="0">
+              <a:t>Pragmacore</a:t>
+            </a:r>
+            <a:r>
+              <a:rPr lang="en" sz="1200" b="0" i="0" dirty="0">
                 <a:solidFill>
                   <a:schemeClr val="bg1"/>
                 </a:solidFill>
                 <a:effectLst/>
                 <a:latin typeface="var(--text-font-family)"/>
               </a:rPr>
+              <a:t> </a:t>
+            </a:r>
+            <a:r>
+              <a:rPr lang="ru-RU" sz="1200" b="0" i="0" dirty="0">
+                <a:solidFill>
+                  <a:schemeClr val="bg1"/>
+                </a:solidFill>
+                <a:effectLst/>
+                <a:latin typeface="var(--text-font-family)"/>
+              </a:rPr>
               <a:t>использует машинное обучение и алгоритмы предиктивной аналитики, что позволяет строительным компаниям работать над проектом любого размера.</a:t>
             </a:r>
-            <a:endParaRPr lang="ru-RU" sz="1200" b="0" i="0">
+            <a:endParaRPr lang="ru-RU" sz="1200" b="0" i="0" dirty="0">
               <a:solidFill>
                 <a:schemeClr val="bg1"/>
               </a:solidFill>
@@ -1303,7 +2008,7 @@
     </p:spTree>
     <p:extLst>
       <p:ext uri="{BB962C8B-B14F-4D97-AF65-F5344CB8AC3E}">
-        <p14:creationId xmlns:p14="http://schemas.microsoft.com/office/powerpoint/2010/main" val="1957868895"/>
+        <p14:creationId xmlns:p14="http://schemas.microsoft.com/office/powerpoint/2010/main" val="3767401484"/>
       </p:ext>
     </p:extLst>
   </p:cSld>
@@ -1362,112 +2067,6 @@
           <a:bodyPr/>
           <a:lstStyle/>
           <a:p>
-            <a:r>
-              <a:rPr lang="en" dirty="0"/>
-              <a:t>https://</a:t>
-            </a:r>
-            <a:r>
-              <a:rPr lang="en" dirty="0" err="1"/>
-              <a:t>sboard.online</a:t>
-            </a:r>
-            <a:r>
-              <a:rPr lang="en" dirty="0"/>
-              <a:t>/boards/d59eab61-5e60-4f16-a1ac-3c37548ffa16</a:t>
-            </a:r>
-            <a:br>
-              <a:rPr lang="ru-RU" dirty="0"/>
-            </a:br>
-            <a:endParaRPr lang="ru-RU" dirty="0"/>
-          </a:p>
-          <a:p>
-            <a:r>
-              <a:rPr lang="ru-RU" b="0" i="0" dirty="0">
-                <a:solidFill>
-                  <a:srgbClr val="000000"/>
-                </a:solidFill>
-                <a:effectLst/>
-                <a:latin typeface="GraphikLCG-Regular"/>
-              </a:rPr>
-              <a:t>В центре </a:t>
-            </a:r>
-            <a:r>
-              <a:rPr lang="en" b="0" i="0" dirty="0">
-                <a:solidFill>
-                  <a:srgbClr val="000000"/>
-                </a:solidFill>
-                <a:effectLst/>
-                <a:latin typeface="GraphikLCG-Regular"/>
-              </a:rPr>
-              <a:t>Business Model Canvas </a:t>
-            </a:r>
-            <a:r>
-              <a:rPr lang="ru-RU" b="0" i="0" dirty="0">
-                <a:solidFill>
-                  <a:srgbClr val="000000"/>
-                </a:solidFill>
-                <a:effectLst/>
-                <a:latin typeface="GraphikLCG-Regular"/>
-              </a:rPr>
-              <a:t>находится ценностное предложение. Разберём методику для создания сильного </a:t>
-            </a:r>
-            <a:r>
-              <a:rPr lang="en" b="0" i="0" dirty="0">
-                <a:solidFill>
-                  <a:srgbClr val="000000"/>
-                </a:solidFill>
-                <a:effectLst/>
-                <a:latin typeface="GraphikLCG-Regular"/>
-              </a:rPr>
-              <a:t>Value Proposition. </a:t>
-            </a:r>
-            <a:r>
-              <a:rPr lang="ru-RU" b="0" i="0" dirty="0">
-                <a:solidFill>
-                  <a:srgbClr val="000000"/>
-                </a:solidFill>
-                <a:effectLst/>
-                <a:latin typeface="GraphikLCG-Regular"/>
-              </a:rPr>
-              <a:t>Это </a:t>
-            </a:r>
-            <a:r>
-              <a:rPr lang="en" b="0" i="0" dirty="0">
-                <a:solidFill>
-                  <a:srgbClr val="000000"/>
-                </a:solidFill>
-                <a:effectLst/>
-                <a:latin typeface="GraphikLCG-Regular"/>
-              </a:rPr>
-              <a:t>Value Proposition Canvas </a:t>
-            </a:r>
-            <a:r>
-              <a:rPr lang="ru-RU" b="0" i="0" dirty="0">
-                <a:solidFill>
-                  <a:srgbClr val="000000"/>
-                </a:solidFill>
-                <a:effectLst/>
-                <a:latin typeface="GraphikLCG-Regular"/>
-              </a:rPr>
-              <a:t>или шаблон ценностного предложения.</a:t>
-            </a:r>
-            <a:br>
-              <a:rPr lang="ru-RU" b="0" i="0" dirty="0">
-                <a:solidFill>
-                  <a:srgbClr val="000000"/>
-                </a:solidFill>
-                <a:effectLst/>
-                <a:latin typeface="GraphikLCG-Regular"/>
-              </a:rPr>
-            </a:br>
-            <a:br>
-              <a:rPr lang="ru-RU" b="0" i="0" dirty="0">
-                <a:solidFill>
-                  <a:srgbClr val="000000"/>
-                </a:solidFill>
-                <a:effectLst/>
-                <a:latin typeface="GraphikLCG-Regular"/>
-              </a:rPr>
-            </a:br>
             <a:endParaRPr lang="ru-RU" dirty="0"/>
           </a:p>
         </p:txBody>
@@ -1475,7 +2074,7 @@
     </p:spTree>
     <p:extLst>
       <p:ext uri="{BB962C8B-B14F-4D97-AF65-F5344CB8AC3E}">
-        <p14:creationId xmlns:p14="http://schemas.microsoft.com/office/powerpoint/2010/main" val="3919431856"/>
+        <p14:creationId xmlns:p14="http://schemas.microsoft.com/office/powerpoint/2010/main" val="1957868895"/>
       </p:ext>
     </p:extLst>
   </p:cSld>
@@ -1534,14 +2133,188 @@
           <a:bodyPr/>
           <a:lstStyle/>
           <a:p>
-            <a:endParaRPr lang="ru-RU"/>
+            <a:endParaRPr lang="ru-RU" dirty="0"/>
           </a:p>
         </p:txBody>
       </p:sp>
     </p:spTree>
     <p:extLst>
       <p:ext uri="{BB962C8B-B14F-4D97-AF65-F5344CB8AC3E}">
-        <p14:creationId xmlns:p14="http://schemas.microsoft.com/office/powerpoint/2010/main" val="1399426557"/>
+        <p14:creationId xmlns:p14="http://schemas.microsoft.com/office/powerpoint/2010/main" val="2598412223"/>
+      </p:ext>
+    </p:extLst>
+  </p:cSld>
+  <p:clrMapOvr>
+    <a:masterClrMapping/>
+  </p:clrMapOvr>
+</p:notes>
+</file>
+
+<file path=ppt/notesSlides/notesSlide9.xml><?xml version="1.0" encoding="utf-8"?>
+<p:notes xmlns:a="http://schemas.openxmlformats.org/drawingml/2006/main" xmlns:r="http://schemas.openxmlformats.org/officeDocument/2006/relationships" xmlns:p="http://schemas.openxmlformats.org/presentationml/2006/main">
+  <p:cSld>
+    <p:spTree>
+      <p:nvGrpSpPr>
+        <p:cNvPr id="1" name=""/>
+        <p:cNvGrpSpPr/>
+        <p:nvPr/>
+      </p:nvGrpSpPr>
+      <p:grpSpPr>
+        <a:xfrm>
+          <a:off x="0" y="0"/>
+          <a:ext cx="0" cy="0"/>
+          <a:chOff x="0" y="0"/>
+          <a:chExt cx="0" cy="0"/>
+        </a:xfrm>
+      </p:grpSpPr>
+      <p:sp>
+        <p:nvSpPr>
+          <p:cNvPr id="2" name="Образ слайда 1"/>
+          <p:cNvSpPr>
+            <a:spLocks noGrp="1" noRot="1" noChangeAspect="1"/>
+          </p:cNvSpPr>
+          <p:nvPr>
+            <p:ph type="sldImg"/>
+          </p:nvPr>
+        </p:nvSpPr>
+        <p:spPr>
+          <a:xfrm>
+            <a:off x="285750" y="685800"/>
+            <a:ext cx="6286500" cy="3429000"/>
+          </a:xfrm>
+        </p:spPr>
+      </p:sp>
+      <p:sp>
+        <p:nvSpPr>
+          <p:cNvPr id="3" name="Заметки 2"/>
+          <p:cNvSpPr>
+            <a:spLocks noGrp="1"/>
+          </p:cNvSpPr>
+          <p:nvPr>
+            <p:ph type="body" idx="1"/>
+          </p:nvPr>
+        </p:nvSpPr>
+        <p:spPr/>
+        <p:txBody>
+          <a:bodyPr/>
+          <a:lstStyle/>
+          <a:p>
+            <a:r>
+              <a:rPr lang="ru-RU" b="1" dirty="0"/>
+              <a:t>Анализ успешности стартапа:</a:t>
+            </a:r>
+          </a:p>
+          <a:p>
+            <a:pPr>
+              <a:buFont typeface="+mj-lt"/>
+              <a:buAutoNum type="arabicPeriod"/>
+            </a:pPr>
+            <a:r>
+              <a:rPr lang="ru-RU" b="1" dirty="0"/>
+              <a:t>Какую проблему решает стартап?</a:t>
+            </a:r>
+            <a:br>
+              <a:rPr lang="ru-RU" dirty="0"/>
+            </a:br>
+            <a:r>
+              <a:rPr lang="ru-RU" dirty="0"/>
+              <a:t>— Стартап решает проблему отсутствия удобных инструментов для автоматизации работы малого бизнеса.</a:t>
+            </a:r>
+          </a:p>
+          <a:p>
+            <a:pPr>
+              <a:buFont typeface="+mj-lt"/>
+              <a:buAutoNum type="arabicPeriod"/>
+            </a:pPr>
+            <a:r>
+              <a:rPr lang="ru-RU" b="1" dirty="0"/>
+              <a:t>Кто является целевой аудиторией?</a:t>
+            </a:r>
+            <a:br>
+              <a:rPr lang="ru-RU" dirty="0"/>
+            </a:br>
+            <a:r>
+              <a:rPr lang="ru-RU" dirty="0"/>
+              <a:t>— Малый и средний бизнес, предприниматели, которым нужны доступные и простые инструменты для автоматизации.</a:t>
+            </a:r>
+          </a:p>
+          <a:p>
+            <a:pPr>
+              <a:buFont typeface="+mj-lt"/>
+              <a:buAutoNum type="arabicPeriod"/>
+            </a:pPr>
+            <a:r>
+              <a:rPr lang="ru-RU" b="1" dirty="0"/>
+              <a:t>Какое уникальное торговое предложение (УТП) у стартапа?</a:t>
+            </a:r>
+            <a:br>
+              <a:rPr lang="ru-RU" dirty="0"/>
+            </a:br>
+            <a:r>
+              <a:rPr lang="ru-RU" dirty="0"/>
+              <a:t>— Простой в использовании инструмент с широким функционалом, который не требует технических навыков.</a:t>
+            </a:r>
+          </a:p>
+          <a:p>
+            <a:pPr>
+              <a:buFont typeface="+mj-lt"/>
+              <a:buAutoNum type="arabicPeriod"/>
+            </a:pPr>
+            <a:r>
+              <a:rPr lang="ru-RU" b="1" dirty="0"/>
+              <a:t>Есть ли рыночный спрос на ваш продукт или услугу?</a:t>
+            </a:r>
+            <a:br>
+              <a:rPr lang="ru-RU" dirty="0"/>
+            </a:br>
+            <a:r>
+              <a:rPr lang="ru-RU" dirty="0"/>
+              <a:t>— Да, проведено тестирование рынка, показавшее высокий интерес среди малых компаний.</a:t>
+            </a:r>
+          </a:p>
+          <a:p>
+            <a:pPr>
+              <a:buFont typeface="+mj-lt"/>
+              <a:buAutoNum type="arabicPeriod"/>
+            </a:pPr>
+            <a:r>
+              <a:rPr lang="ru-RU" b="1" dirty="0"/>
+              <a:t>Как стартап собирается зарабатывать деньги?</a:t>
+            </a:r>
+            <a:br>
+              <a:rPr lang="ru-RU" dirty="0"/>
+            </a:br>
+            <a:r>
+              <a:rPr lang="ru-RU" dirty="0"/>
+              <a:t>— Модель подписки с возможностью покупки дополнительных функций.</a:t>
+            </a:r>
+          </a:p>
+          <a:p>
+            <a:pPr>
+              <a:buFont typeface="+mj-lt"/>
+              <a:buAutoNum type="arabicPeriod"/>
+            </a:pPr>
+            <a:r>
+              <a:rPr lang="ru-RU" b="1" dirty="0"/>
+              <a:t>Какую ценность проект предоставляет клиентам?</a:t>
+            </a:r>
+            <a:br>
+              <a:rPr lang="ru-RU" dirty="0"/>
+            </a:br>
+            <a:r>
+              <a:rPr lang="ru-RU" dirty="0"/>
+              <a:t>— Экономия времени и ресурсов, повышение эффективности работы и снижение операционных расходов.</a:t>
+            </a:r>
+          </a:p>
+          <a:p>
+            <a:endParaRPr lang="ru-RU" dirty="0"/>
+          </a:p>
+        </p:txBody>
+      </p:sp>
+    </p:spTree>
+    <p:extLst>
+      <p:ext uri="{BB962C8B-B14F-4D97-AF65-F5344CB8AC3E}">
+        <p14:creationId xmlns:p14="http://schemas.microsoft.com/office/powerpoint/2010/main" val="1948790176"/>
       </p:ext>
     </p:extLst>
   </p:cSld>
@@ -1665,7 +2438,7 @@
           </a:ln>
           <a:extLst>
             <a:ext uri="{C572A759-6A51-4108-AA02-DFA0A04FC94B}">
-              <ma14:wrappingTextBoxFlag xmlns:ma14="http://schemas.microsoft.com/office/mac/drawingml/2011/main" xmlns="" val="1"/>
+              <ma14:wrappingTextBoxFlag xmlns="" xmlns:ma14="http://schemas.microsoft.com/office/mac/drawingml/2011/main" val="1"/>
             </a:ext>
           </a:extLst>
         </p:spPr>
@@ -1815,7 +2588,7 @@
           </a:ln>
           <a:extLst>
             <a:ext uri="{C572A759-6A51-4108-AA02-DFA0A04FC94B}">
-              <ma14:wrappingTextBoxFlag xmlns:ma14="http://schemas.microsoft.com/office/mac/drawingml/2011/main" xmlns="" val="1"/>
+              <ma14:wrappingTextBoxFlag xmlns="" xmlns:ma14="http://schemas.microsoft.com/office/mac/drawingml/2011/main" val="1"/>
             </a:ext>
           </a:extLst>
         </p:spPr>
@@ -1944,7 +2717,7 @@
           </a:ln>
           <a:extLst>
             <a:ext uri="{C572A759-6A51-4108-AA02-DFA0A04FC94B}">
-              <ma14:wrappingTextBoxFlag xmlns:ma14="http://schemas.microsoft.com/office/mac/drawingml/2011/main" xmlns="" val="1"/>
+              <ma14:wrappingTextBoxFlag xmlns="" xmlns:ma14="http://schemas.microsoft.com/office/mac/drawingml/2011/main" val="1"/>
             </a:ext>
           </a:extLst>
         </p:spPr>
@@ -2057,7 +2830,7 @@
           </a:ln>
           <a:extLst>
             <a:ext uri="{C572A759-6A51-4108-AA02-DFA0A04FC94B}">
-              <ma14:wrappingTextBoxFlag xmlns:ma14="http://schemas.microsoft.com/office/mac/drawingml/2011/main" xmlns="" val="1"/>
+              <ma14:wrappingTextBoxFlag xmlns="" xmlns:ma14="http://schemas.microsoft.com/office/mac/drawingml/2011/main" val="1"/>
             </a:ext>
           </a:extLst>
         </p:spPr>
@@ -2207,7 +2980,7 @@
           </a:ln>
           <a:extLst>
             <a:ext uri="{C572A759-6A51-4108-AA02-DFA0A04FC94B}">
-              <ma14:wrappingTextBoxFlag xmlns:ma14="http://schemas.microsoft.com/office/mac/drawingml/2011/main" xmlns="" val="1"/>
+              <ma14:wrappingTextBoxFlag xmlns="" xmlns:ma14="http://schemas.microsoft.com/office/mac/drawingml/2011/main" val="1"/>
             </a:ext>
           </a:extLst>
         </p:spPr>
@@ -2357,7 +3130,7 @@
           </a:ln>
           <a:extLst>
             <a:ext uri="{C572A759-6A51-4108-AA02-DFA0A04FC94B}">
-              <ma14:wrappingTextBoxFlag xmlns:ma14="http://schemas.microsoft.com/office/mac/drawingml/2011/main" xmlns="" val="1"/>
+              <ma14:wrappingTextBoxFlag xmlns="" xmlns:ma14="http://schemas.microsoft.com/office/mac/drawingml/2011/main" val="1"/>
             </a:ext>
           </a:extLst>
         </p:spPr>
@@ -2507,7 +3280,7 @@
           </a:ln>
           <a:extLst>
             <a:ext uri="{C572A759-6A51-4108-AA02-DFA0A04FC94B}">
-              <ma14:wrappingTextBoxFlag xmlns:ma14="http://schemas.microsoft.com/office/mac/drawingml/2011/main" xmlns="" val="1"/>
+              <ma14:wrappingTextBoxFlag xmlns="" xmlns:ma14="http://schemas.microsoft.com/office/mac/drawingml/2011/main" val="1"/>
             </a:ext>
           </a:extLst>
         </p:spPr>
@@ -3551,7 +4324,7 @@
           </a:prstGeom>
           <a:extLst>
             <a:ext uri="{C572A759-6A51-4108-AA02-DFA0A04FC94B}">
-              <ma14:wrappingTextBoxFlag xmlns:ma14="http://schemas.microsoft.com/office/mac/drawingml/2011/main" xmlns="" val="1"/>
+              <ma14:wrappingTextBoxFlag xmlns="" xmlns:ma14="http://schemas.microsoft.com/office/mac/drawingml/2011/main" val="1"/>
             </a:ext>
           </a:extLst>
         </p:spPr>
@@ -3662,7 +4435,7 @@
           </a:ln>
           <a:extLst>
             <a:ext uri="{C572A759-6A51-4108-AA02-DFA0A04FC94B}">
-              <ma14:wrappingTextBoxFlag xmlns:ma14="http://schemas.microsoft.com/office/mac/drawingml/2011/main" xmlns="" val="1"/>
+              <ma14:wrappingTextBoxFlag xmlns="" xmlns:ma14="http://schemas.microsoft.com/office/mac/drawingml/2011/main" val="1"/>
             </a:ext>
           </a:extLst>
         </p:spPr>
@@ -3930,6 +4703,1544 @@
 </p:sld>
 </file>
 
+<file path=ppt/slides/slide10.xml><?xml version="1.0" encoding="utf-8"?>
+<p:sld xmlns:a="http://schemas.openxmlformats.org/drawingml/2006/main" xmlns:r="http://schemas.openxmlformats.org/officeDocument/2006/relationships" xmlns:p="http://schemas.openxmlformats.org/presentationml/2006/main">
+  <p:cSld>
+    <p:spTree>
+      <p:nvGrpSpPr>
+        <p:cNvPr id="1" name=""/>
+        <p:cNvGrpSpPr/>
+        <p:nvPr/>
+      </p:nvGrpSpPr>
+      <p:grpSpPr>
+        <a:xfrm>
+          <a:off x="0" y="0"/>
+          <a:ext cx="0" cy="0"/>
+          <a:chOff x="0" y="0"/>
+          <a:chExt cx="0" cy="0"/>
+        </a:xfrm>
+      </p:grpSpPr>
+      <p:sp>
+        <p:nvSpPr>
+          <p:cNvPr id="5" name="Shape 704">
+            <a:extLst>
+              <a:ext uri="{FF2B5EF4-FFF2-40B4-BE49-F238E27FC236}">
+                <a16:creationId xmlns:a16="http://schemas.microsoft.com/office/drawing/2014/main" id="{6946D338-165A-A40E-4F42-14C417543ADD}"/>
+              </a:ext>
+            </a:extLst>
+          </p:cNvPr>
+          <p:cNvSpPr/>
+          <p:nvPr/>
+        </p:nvSpPr>
+        <p:spPr>
+          <a:xfrm>
+            <a:off x="7944840" y="655009"/>
+            <a:ext cx="4227119" cy="538609"/>
+          </a:xfrm>
+          <a:prstGeom prst="rect">
+            <a:avLst/>
+          </a:prstGeom>
+          <a:ln w="12700">
+            <a:miter lim="400000"/>
+          </a:ln>
+          <a:extLst>
+            <a:ext uri="{C572A759-6A51-4108-AA02-DFA0A04FC94B}">
+              <ma14:wrappingTextBoxFlag xmlns="" xmlns:ma14="http://schemas.microsoft.com/office/mac/drawingml/2011/main" val="1"/>
+            </a:ext>
+          </a:extLst>
+        </p:spPr>
+        <p:txBody>
+          <a:bodyPr wrap="none" lIns="0" tIns="0" rIns="0" bIns="0">
+            <a:spAutoFit/>
+          </a:bodyPr>
+          <a:lstStyle/>
+          <a:p>
+            <a:pPr>
+              <a:defRPr sz="3500">
+                <a:solidFill>
+                  <a:srgbClr val="FFFFFF"/>
+                </a:solidFill>
+                <a:latin typeface="San Francisco Display Thin"/>
+                <a:ea typeface="San Francisco Display Thin"/>
+                <a:cs typeface="San Francisco Display Thin"/>
+                <a:sym typeface="San Francisco Display Thin"/>
+              </a:defRPr>
+            </a:pPr>
+            <a:r>
+              <a:rPr lang="ru-RU" b="1" dirty="0"/>
+              <a:t>Анализируем стартап</a:t>
+            </a:r>
+          </a:p>
+        </p:txBody>
+      </p:sp>
+      <p:sp>
+        <p:nvSpPr>
+          <p:cNvPr id="3" name="TextBox 2">
+            <a:extLst>
+              <a:ext uri="{FF2B5EF4-FFF2-40B4-BE49-F238E27FC236}">
+                <a16:creationId xmlns:a16="http://schemas.microsoft.com/office/drawing/2014/main" id="{48805BBE-86F2-AE09-6FD8-9E994068332C}"/>
+              </a:ext>
+            </a:extLst>
+          </p:cNvPr>
+          <p:cNvSpPr txBox="1"/>
+          <p:nvPr/>
+        </p:nvSpPr>
+        <p:spPr>
+          <a:xfrm>
+            <a:off x="1430522" y="2100998"/>
+            <a:ext cx="17858964" cy="7232747"/>
+          </a:xfrm>
+          <a:prstGeom prst="rect">
+            <a:avLst/>
+          </a:prstGeom>
+          <a:noFill/>
+          <a:ln w="12700" cap="flat">
+            <a:noFill/>
+            <a:miter lim="400000"/>
+          </a:ln>
+          <a:effectLst/>
+          <a:sp3d/>
+        </p:spPr>
+        <p:style>
+          <a:lnRef idx="0">
+            <a:scrgbClr r="0" g="0" b="0"/>
+          </a:lnRef>
+          <a:fillRef idx="0">
+            <a:scrgbClr r="0" g="0" b="0"/>
+          </a:fillRef>
+          <a:effectRef idx="0">
+            <a:scrgbClr r="0" g="0" b="0"/>
+          </a:effectRef>
+          <a:fontRef idx="none"/>
+        </p:style>
+        <p:txBody>
+          <a:bodyPr rot="0" spcFirstLastPara="1" vertOverflow="overflow" horzOverflow="overflow" vert="horz" wrap="square" lIns="45719" tIns="45719" rIns="45719" bIns="45719" numCol="1" spcCol="38100" rtlCol="0" anchor="t">
+            <a:spAutoFit/>
+          </a:bodyPr>
+          <a:lstStyle/>
+          <a:p>
+            <a:pPr algn="l"/>
+            <a:r>
+              <a:rPr lang="ru-RU" b="1" i="0" dirty="0">
+                <a:solidFill>
+                  <a:srgbClr val="BCBEC4"/>
+                </a:solidFill>
+                <a:effectLst/>
+                <a:latin typeface="Helvetica" pitchFamily="2" charset="0"/>
+              </a:rPr>
+              <a:t>Вопросы для оценки рисков:</a:t>
+            </a:r>
+          </a:p>
+          <a:p>
+            <a:pPr algn="l"/>
+            <a:endParaRPr lang="ru-RU" b="1" i="0" dirty="0">
+              <a:solidFill>
+                <a:srgbClr val="BCBEC4"/>
+              </a:solidFill>
+              <a:effectLst/>
+              <a:latin typeface="Helvetica" pitchFamily="2" charset="0"/>
+            </a:endParaRPr>
+          </a:p>
+          <a:p>
+            <a:pPr algn="l">
+              <a:buFont typeface="+mj-lt"/>
+              <a:buAutoNum type="arabicPeriod" startAt="7"/>
+            </a:pPr>
+            <a:r>
+              <a:rPr lang="ru-RU" b="1" i="0" dirty="0">
+                <a:solidFill>
+                  <a:srgbClr val="BCBEC4"/>
+                </a:solidFill>
+                <a:effectLst/>
+                <a:latin typeface="Helvetica" pitchFamily="2" charset="0"/>
+              </a:rPr>
+              <a:t>Каковы основные риски, связанные с проектом?</a:t>
+            </a:r>
+            <a:endParaRPr lang="ru-RU" b="0" i="0" dirty="0">
+              <a:solidFill>
+                <a:srgbClr val="BCBEC4"/>
+              </a:solidFill>
+              <a:effectLst/>
+              <a:latin typeface="Helvetica" pitchFamily="2" charset="0"/>
+            </a:endParaRPr>
+          </a:p>
+          <a:p>
+            <a:pPr marL="914400" lvl="1" indent="-457200" algn="l">
+              <a:buFont typeface="Arial" panose="020B0604020202020204" pitchFamily="34" charset="0"/>
+              <a:buChar char="•"/>
+            </a:pPr>
+            <a:r>
+              <a:rPr lang="ru-RU" b="0" i="0" dirty="0">
+                <a:solidFill>
+                  <a:srgbClr val="BCBEC4"/>
+                </a:solidFill>
+                <a:effectLst/>
+                <a:latin typeface="Helvetica" pitchFamily="2" charset="0"/>
+              </a:rPr>
+              <a:t>Какие потенциальные проблемы могут возникнуть? Это могут быть риски, связанные с финансированием, правовыми вопросами, конкуренцией, технологиями или кадрами.</a:t>
+            </a:r>
+          </a:p>
+          <a:p>
+            <a:pPr algn="l">
+              <a:buFont typeface="+mj-lt"/>
+              <a:buAutoNum type="arabicPeriod" startAt="7"/>
+            </a:pPr>
+            <a:r>
+              <a:rPr lang="ru-RU" b="1" i="0" dirty="0">
+                <a:solidFill>
+                  <a:srgbClr val="BCBEC4"/>
+                </a:solidFill>
+                <a:effectLst/>
+                <a:latin typeface="Helvetica" pitchFamily="2" charset="0"/>
+              </a:rPr>
+              <a:t>Как стартап планирует минимизировать или управлять этими рисками?</a:t>
+            </a:r>
+            <a:endParaRPr lang="ru-RU" b="0" i="0" dirty="0">
+              <a:solidFill>
+                <a:srgbClr val="BCBEC4"/>
+              </a:solidFill>
+              <a:effectLst/>
+              <a:latin typeface="Helvetica" pitchFamily="2" charset="0"/>
+            </a:endParaRPr>
+          </a:p>
+          <a:p>
+            <a:pPr marL="914400" lvl="1" indent="-457200" algn="l">
+              <a:buFont typeface="Arial" panose="020B0604020202020204" pitchFamily="34" charset="0"/>
+              <a:buChar char="•"/>
+            </a:pPr>
+            <a:r>
+              <a:rPr lang="ru-RU" b="0" i="0" dirty="0">
+                <a:solidFill>
+                  <a:srgbClr val="BCBEC4"/>
+                </a:solidFill>
+                <a:effectLst/>
+                <a:latin typeface="Helvetica" pitchFamily="2" charset="0"/>
+              </a:rPr>
+              <a:t>Есть ли стратегии для снижения рисков? Например, как вы будете защищаться от конкуренции или технологических сбоев?</a:t>
+            </a:r>
+          </a:p>
+          <a:p>
+            <a:pPr algn="l">
+              <a:buFont typeface="+mj-lt"/>
+              <a:buAutoNum type="arabicPeriod" startAt="7"/>
+            </a:pPr>
+            <a:r>
+              <a:rPr lang="ru-RU" b="1" i="0" dirty="0">
+                <a:solidFill>
+                  <a:srgbClr val="BCBEC4"/>
+                </a:solidFill>
+                <a:effectLst/>
+                <a:latin typeface="Helvetica" pitchFamily="2" charset="0"/>
+              </a:rPr>
+              <a:t>Есть ли технологические или операционные риски?</a:t>
+            </a:r>
+            <a:endParaRPr lang="ru-RU" b="0" i="0" dirty="0">
+              <a:solidFill>
+                <a:srgbClr val="BCBEC4"/>
+              </a:solidFill>
+              <a:effectLst/>
+              <a:latin typeface="Helvetica" pitchFamily="2" charset="0"/>
+            </a:endParaRPr>
+          </a:p>
+          <a:p>
+            <a:pPr marL="914400" lvl="1" indent="-457200" algn="l">
+              <a:buFont typeface="Arial" panose="020B0604020202020204" pitchFamily="34" charset="0"/>
+              <a:buChar char="•"/>
+            </a:pPr>
+            <a:r>
+              <a:rPr lang="ru-RU" b="0" i="0" dirty="0">
+                <a:solidFill>
+                  <a:srgbClr val="BCBEC4"/>
+                </a:solidFill>
+                <a:effectLst/>
+                <a:latin typeface="Helvetica" pitchFamily="2" charset="0"/>
+              </a:rPr>
+              <a:t>Насколько зависим ваш стартап от технологий? Какие могут быть проблемы с их реализацией?</a:t>
+            </a:r>
+          </a:p>
+          <a:p>
+            <a:pPr algn="l">
+              <a:buFont typeface="+mj-lt"/>
+              <a:buAutoNum type="arabicPeriod" startAt="7"/>
+            </a:pPr>
+            <a:r>
+              <a:rPr lang="ru-RU" b="1" i="0" dirty="0">
+                <a:solidFill>
+                  <a:srgbClr val="BCBEC4"/>
+                </a:solidFill>
+                <a:effectLst/>
+                <a:latin typeface="Helvetica" pitchFamily="2" charset="0"/>
+              </a:rPr>
+              <a:t>Какова зависимость от внешних факторов (например, экономики, регуляторной среды)?</a:t>
+            </a:r>
+            <a:endParaRPr lang="ru-RU" b="0" i="0" dirty="0">
+              <a:solidFill>
+                <a:srgbClr val="BCBEC4"/>
+              </a:solidFill>
+              <a:effectLst/>
+              <a:latin typeface="Helvetica" pitchFamily="2" charset="0"/>
+            </a:endParaRPr>
+          </a:p>
+          <a:p>
+            <a:pPr marL="914400" lvl="1" indent="-457200" algn="l">
+              <a:buFont typeface="Arial" panose="020B0604020202020204" pitchFamily="34" charset="0"/>
+              <a:buChar char="•"/>
+            </a:pPr>
+            <a:r>
+              <a:rPr lang="ru-RU" b="0" i="0" dirty="0">
+                <a:solidFill>
+                  <a:srgbClr val="BCBEC4"/>
+                </a:solidFill>
+                <a:effectLst/>
+                <a:latin typeface="Helvetica" pitchFamily="2" charset="0"/>
+              </a:rPr>
+              <a:t>Есть ли риски, связанные с изменениями в законах, экономике или политике, которые могут повлиять на стартап?</a:t>
+            </a:r>
+          </a:p>
+          <a:p>
+            <a:pPr algn="l">
+              <a:buFont typeface="+mj-lt"/>
+              <a:buAutoNum type="arabicPeriod" startAt="7"/>
+            </a:pPr>
+            <a:r>
+              <a:rPr lang="ru-RU" b="1" i="0" dirty="0">
+                <a:solidFill>
+                  <a:srgbClr val="BCBEC4"/>
+                </a:solidFill>
+                <a:effectLst/>
+                <a:latin typeface="Helvetica" pitchFamily="2" charset="0"/>
+              </a:rPr>
+              <a:t>Какие риски связаны с человеческими ресурсами?</a:t>
+            </a:r>
+            <a:endParaRPr lang="ru-RU" b="0" i="0" dirty="0">
+              <a:solidFill>
+                <a:srgbClr val="BCBEC4"/>
+              </a:solidFill>
+              <a:effectLst/>
+              <a:latin typeface="Helvetica" pitchFamily="2" charset="0"/>
+            </a:endParaRPr>
+          </a:p>
+          <a:p>
+            <a:pPr marL="914400" lvl="1" indent="-457200" algn="l">
+              <a:buFont typeface="Arial" panose="020B0604020202020204" pitchFamily="34" charset="0"/>
+              <a:buChar char="•"/>
+            </a:pPr>
+            <a:r>
+              <a:rPr lang="ru-RU" b="0" i="0" dirty="0">
+                <a:solidFill>
+                  <a:srgbClr val="BCBEC4"/>
+                </a:solidFill>
+                <a:effectLst/>
+                <a:latin typeface="Helvetica" pitchFamily="2" charset="0"/>
+              </a:rPr>
+              <a:t>Достаточно ли у вас специалистов с нужными навыками для реализации проекта? Есть ли зависимость от ключевых сотрудников?</a:t>
+            </a:r>
+          </a:p>
+        </p:txBody>
+      </p:sp>
+    </p:spTree>
+    <p:extLst>
+      <p:ext uri="{BB962C8B-B14F-4D97-AF65-F5344CB8AC3E}">
+        <p14:creationId xmlns:p14="http://schemas.microsoft.com/office/powerpoint/2010/main" val="3409230564"/>
+      </p:ext>
+    </p:extLst>
+  </p:cSld>
+  <p:clrMapOvr>
+    <a:masterClrMapping/>
+  </p:clrMapOvr>
+  <p:transition spd="slow">
+    <p:cover/>
+  </p:transition>
+</p:sld>
+</file>
+
+<file path=ppt/slides/slide11.xml><?xml version="1.0" encoding="utf-8"?>
+<p:sld xmlns:a="http://schemas.openxmlformats.org/drawingml/2006/main" xmlns:r="http://schemas.openxmlformats.org/officeDocument/2006/relationships" xmlns:p="http://schemas.openxmlformats.org/presentationml/2006/main">
+  <p:cSld>
+    <p:spTree>
+      <p:nvGrpSpPr>
+        <p:cNvPr id="1" name=""/>
+        <p:cNvGrpSpPr/>
+        <p:nvPr/>
+      </p:nvGrpSpPr>
+      <p:grpSpPr>
+        <a:xfrm>
+          <a:off x="0" y="0"/>
+          <a:ext cx="0" cy="0"/>
+          <a:chOff x="0" y="0"/>
+          <a:chExt cx="0" cy="0"/>
+        </a:xfrm>
+      </p:grpSpPr>
+      <p:sp>
+        <p:nvSpPr>
+          <p:cNvPr id="5" name="Shape 704">
+            <a:extLst>
+              <a:ext uri="{FF2B5EF4-FFF2-40B4-BE49-F238E27FC236}">
+                <a16:creationId xmlns:a16="http://schemas.microsoft.com/office/drawing/2014/main" id="{6946D338-165A-A40E-4F42-14C417543ADD}"/>
+              </a:ext>
+            </a:extLst>
+          </p:cNvPr>
+          <p:cNvSpPr/>
+          <p:nvPr/>
+        </p:nvSpPr>
+        <p:spPr>
+          <a:xfrm>
+            <a:off x="7944840" y="655009"/>
+            <a:ext cx="4227119" cy="538609"/>
+          </a:xfrm>
+          <a:prstGeom prst="rect">
+            <a:avLst/>
+          </a:prstGeom>
+          <a:ln w="12700">
+            <a:miter lim="400000"/>
+          </a:ln>
+          <a:extLst>
+            <a:ext uri="{C572A759-6A51-4108-AA02-DFA0A04FC94B}">
+              <ma14:wrappingTextBoxFlag xmlns="" xmlns:ma14="http://schemas.microsoft.com/office/mac/drawingml/2011/main" val="1"/>
+            </a:ext>
+          </a:extLst>
+        </p:spPr>
+        <p:txBody>
+          <a:bodyPr wrap="none" lIns="0" tIns="0" rIns="0" bIns="0">
+            <a:spAutoFit/>
+          </a:bodyPr>
+          <a:lstStyle/>
+          <a:p>
+            <a:pPr>
+              <a:defRPr sz="3500">
+                <a:solidFill>
+                  <a:srgbClr val="FFFFFF"/>
+                </a:solidFill>
+                <a:latin typeface="San Francisco Display Thin"/>
+                <a:ea typeface="San Francisco Display Thin"/>
+                <a:cs typeface="San Francisco Display Thin"/>
+                <a:sym typeface="San Francisco Display Thin"/>
+              </a:defRPr>
+            </a:pPr>
+            <a:r>
+              <a:rPr lang="ru-RU" b="1" dirty="0"/>
+              <a:t>Анализируем стартап</a:t>
+            </a:r>
+          </a:p>
+        </p:txBody>
+      </p:sp>
+      <p:sp>
+        <p:nvSpPr>
+          <p:cNvPr id="3" name="TextBox 2">
+            <a:extLst>
+              <a:ext uri="{FF2B5EF4-FFF2-40B4-BE49-F238E27FC236}">
+                <a16:creationId xmlns:a16="http://schemas.microsoft.com/office/drawing/2014/main" id="{48805BBE-86F2-AE09-6FD8-9E994068332C}"/>
+              </a:ext>
+            </a:extLst>
+          </p:cNvPr>
+          <p:cNvSpPr txBox="1"/>
+          <p:nvPr/>
+        </p:nvSpPr>
+        <p:spPr>
+          <a:xfrm>
+            <a:off x="1430522" y="2100998"/>
+            <a:ext cx="17858964" cy="6740305"/>
+          </a:xfrm>
+          <a:prstGeom prst="rect">
+            <a:avLst/>
+          </a:prstGeom>
+          <a:noFill/>
+          <a:ln w="12700" cap="flat">
+            <a:noFill/>
+            <a:miter lim="400000"/>
+          </a:ln>
+          <a:effectLst/>
+          <a:sp3d/>
+        </p:spPr>
+        <p:style>
+          <a:lnRef idx="0">
+            <a:scrgbClr r="0" g="0" b="0"/>
+          </a:lnRef>
+          <a:fillRef idx="0">
+            <a:scrgbClr r="0" g="0" b="0"/>
+          </a:fillRef>
+          <a:effectRef idx="0">
+            <a:scrgbClr r="0" g="0" b="0"/>
+          </a:effectRef>
+          <a:fontRef idx="none"/>
+        </p:style>
+        <p:txBody>
+          <a:bodyPr rot="0" spcFirstLastPara="1" vertOverflow="overflow" horzOverflow="overflow" vert="horz" wrap="square" lIns="45719" tIns="45719" rIns="45719" bIns="45719" numCol="1" spcCol="38100" rtlCol="0" anchor="t">
+            <a:spAutoFit/>
+          </a:bodyPr>
+          <a:lstStyle/>
+          <a:p>
+            <a:pPr algn="l"/>
+            <a:r>
+              <a:rPr lang="ru-RU" sz="2400" b="1" i="0" dirty="0">
+                <a:solidFill>
+                  <a:srgbClr val="BCBEC4"/>
+                </a:solidFill>
+                <a:effectLst/>
+                <a:latin typeface="Helvetica" pitchFamily="2" charset="0"/>
+              </a:rPr>
+              <a:t>Вопросы для определения ресурсов и реализации:</a:t>
+            </a:r>
+          </a:p>
+          <a:p>
+            <a:pPr algn="l"/>
+            <a:endParaRPr lang="ru-RU" sz="2400" b="1" i="0" dirty="0">
+              <a:solidFill>
+                <a:srgbClr val="BCBEC4"/>
+              </a:solidFill>
+              <a:effectLst/>
+              <a:latin typeface="Helvetica" pitchFamily="2" charset="0"/>
+            </a:endParaRPr>
+          </a:p>
+          <a:p>
+            <a:pPr algn="l">
+              <a:buFont typeface="+mj-lt"/>
+              <a:buAutoNum type="arabicPeriod" startAt="12"/>
+            </a:pPr>
+            <a:r>
+              <a:rPr lang="ru-RU" sz="2400" b="1" i="0" dirty="0">
+                <a:solidFill>
+                  <a:srgbClr val="BCBEC4"/>
+                </a:solidFill>
+                <a:effectLst/>
+                <a:latin typeface="Helvetica" pitchFamily="2" charset="0"/>
+              </a:rPr>
+              <a:t>Какие ресурсы необходимы для запуска и поддержки стартапа?</a:t>
+            </a:r>
+            <a:endParaRPr lang="ru-RU" sz="2400" b="0" i="0" dirty="0">
+              <a:solidFill>
+                <a:srgbClr val="BCBEC4"/>
+              </a:solidFill>
+              <a:effectLst/>
+              <a:latin typeface="Helvetica" pitchFamily="2" charset="0"/>
+            </a:endParaRPr>
+          </a:p>
+          <a:p>
+            <a:pPr marL="800100" lvl="1" indent="-342900" algn="l">
+              <a:buFont typeface="Arial" panose="020B0604020202020204" pitchFamily="34" charset="0"/>
+              <a:buChar char="•"/>
+            </a:pPr>
+            <a:r>
+              <a:rPr lang="ru-RU" sz="2400" b="0" i="0" dirty="0">
+                <a:solidFill>
+                  <a:srgbClr val="BCBEC4"/>
+                </a:solidFill>
+                <a:effectLst/>
+                <a:latin typeface="Helvetica" pitchFamily="2" charset="0"/>
+              </a:rPr>
+              <a:t>Какие финансовые, человеческие, технологические и материальные ресурсы нужны для реализации идеи?</a:t>
+            </a:r>
+          </a:p>
+          <a:p>
+            <a:pPr algn="l">
+              <a:buFont typeface="+mj-lt"/>
+              <a:buAutoNum type="arabicPeriod" startAt="12"/>
+            </a:pPr>
+            <a:r>
+              <a:rPr lang="ru-RU" sz="2400" b="1" i="0" dirty="0">
+                <a:solidFill>
+                  <a:srgbClr val="BCBEC4"/>
+                </a:solidFill>
+                <a:effectLst/>
+                <a:latin typeface="Helvetica" pitchFamily="2" charset="0"/>
+              </a:rPr>
+              <a:t>Какую сумму инвестиций нужно привлечь для запуска?</a:t>
+            </a:r>
+            <a:endParaRPr lang="ru-RU" sz="2400" b="0" i="0" dirty="0">
+              <a:solidFill>
+                <a:srgbClr val="BCBEC4"/>
+              </a:solidFill>
+              <a:effectLst/>
+              <a:latin typeface="Helvetica" pitchFamily="2" charset="0"/>
+            </a:endParaRPr>
+          </a:p>
+          <a:p>
+            <a:pPr marL="800100" lvl="1" indent="-342900" algn="l">
+              <a:buFont typeface="Arial" panose="020B0604020202020204" pitchFamily="34" charset="0"/>
+              <a:buChar char="•"/>
+            </a:pPr>
+            <a:r>
+              <a:rPr lang="ru-RU" sz="2400" b="0" i="0" dirty="0">
+                <a:solidFill>
+                  <a:srgbClr val="BCBEC4"/>
+                </a:solidFill>
+                <a:effectLst/>
+                <a:latin typeface="Helvetica" pitchFamily="2" charset="0"/>
+              </a:rPr>
+              <a:t>Сколько денег требуется на разных этапах: для разработки, маркетинга, продаж и операционной деятельности?</a:t>
+            </a:r>
+          </a:p>
+          <a:p>
+            <a:pPr algn="l">
+              <a:buFont typeface="+mj-lt"/>
+              <a:buAutoNum type="arabicPeriod" startAt="12"/>
+            </a:pPr>
+            <a:r>
+              <a:rPr lang="ru-RU" sz="2400" b="1" i="0" dirty="0">
+                <a:solidFill>
+                  <a:srgbClr val="BCBEC4"/>
+                </a:solidFill>
+                <a:effectLst/>
+                <a:latin typeface="Helvetica" pitchFamily="2" charset="0"/>
+              </a:rPr>
+              <a:t>Каков план разработки и внедрения продукта?</a:t>
+            </a:r>
+            <a:endParaRPr lang="ru-RU" sz="2400" b="0" i="0" dirty="0">
+              <a:solidFill>
+                <a:srgbClr val="BCBEC4"/>
+              </a:solidFill>
+              <a:effectLst/>
+              <a:latin typeface="Helvetica" pitchFamily="2" charset="0"/>
+            </a:endParaRPr>
+          </a:p>
+          <a:p>
+            <a:pPr marL="800100" lvl="1" indent="-342900" algn="l">
+              <a:buFont typeface="Arial" panose="020B0604020202020204" pitchFamily="34" charset="0"/>
+              <a:buChar char="•"/>
+            </a:pPr>
+            <a:r>
+              <a:rPr lang="ru-RU" sz="2400" b="0" i="0" dirty="0">
+                <a:solidFill>
+                  <a:srgbClr val="BCBEC4"/>
+                </a:solidFill>
+                <a:effectLst/>
+                <a:latin typeface="Helvetica" pitchFamily="2" charset="0"/>
+              </a:rPr>
+              <a:t>Какие этапы реализации проекта? Включает ли план создание </a:t>
+            </a:r>
+            <a:r>
+              <a:rPr lang="en" sz="2400" b="0" i="0" dirty="0">
+                <a:solidFill>
+                  <a:srgbClr val="BCBEC4"/>
+                </a:solidFill>
+                <a:effectLst/>
+                <a:latin typeface="Helvetica" pitchFamily="2" charset="0"/>
+              </a:rPr>
+              <a:t>MVP, </a:t>
+            </a:r>
+            <a:r>
+              <a:rPr lang="ru-RU" sz="2400" b="0" i="0" dirty="0">
+                <a:solidFill>
+                  <a:srgbClr val="BCBEC4"/>
+                </a:solidFill>
+                <a:effectLst/>
+                <a:latin typeface="Helvetica" pitchFamily="2" charset="0"/>
+              </a:rPr>
+              <a:t>тестирование, доработку и запуск?</a:t>
+            </a:r>
+          </a:p>
+          <a:p>
+            <a:pPr algn="l">
+              <a:buFont typeface="+mj-lt"/>
+              <a:buAutoNum type="arabicPeriod" startAt="12"/>
+            </a:pPr>
+            <a:r>
+              <a:rPr lang="ru-RU" sz="2400" b="1" i="0" dirty="0">
+                <a:solidFill>
+                  <a:srgbClr val="BCBEC4"/>
+                </a:solidFill>
+                <a:effectLst/>
+                <a:latin typeface="Helvetica" pitchFamily="2" charset="0"/>
+              </a:rPr>
+              <a:t>Какие ключевые партнеры или поставщики необходимы для реализации проекта?</a:t>
+            </a:r>
+            <a:endParaRPr lang="ru-RU" sz="2400" b="0" i="0" dirty="0">
+              <a:solidFill>
+                <a:srgbClr val="BCBEC4"/>
+              </a:solidFill>
+              <a:effectLst/>
+              <a:latin typeface="Helvetica" pitchFamily="2" charset="0"/>
+            </a:endParaRPr>
+          </a:p>
+          <a:p>
+            <a:pPr marL="800100" lvl="1" indent="-342900" algn="l">
+              <a:buFont typeface="Arial" panose="020B0604020202020204" pitchFamily="34" charset="0"/>
+              <a:buChar char="•"/>
+            </a:pPr>
+            <a:r>
+              <a:rPr lang="ru-RU" sz="2400" b="0" i="0" dirty="0">
+                <a:solidFill>
+                  <a:srgbClr val="BCBEC4"/>
+                </a:solidFill>
+                <a:effectLst/>
+                <a:latin typeface="Helvetica" pitchFamily="2" charset="0"/>
+              </a:rPr>
+              <a:t>Какие сторонние компании или специалисты помогут в реализации? Это могут быть подрядчики, платформы, поставщики материалов или технологий.</a:t>
+            </a:r>
+          </a:p>
+          <a:p>
+            <a:pPr algn="l">
+              <a:buFont typeface="+mj-lt"/>
+              <a:buAutoNum type="arabicPeriod" startAt="12"/>
+            </a:pPr>
+            <a:r>
+              <a:rPr lang="ru-RU" sz="2400" b="1" i="0" dirty="0">
+                <a:solidFill>
+                  <a:srgbClr val="BCBEC4"/>
+                </a:solidFill>
+                <a:effectLst/>
+                <a:latin typeface="Helvetica" pitchFamily="2" charset="0"/>
+              </a:rPr>
+              <a:t>Какова стратегия выхода на рынок?</a:t>
+            </a:r>
+            <a:endParaRPr lang="ru-RU" sz="2400" b="0" i="0" dirty="0">
+              <a:solidFill>
+                <a:srgbClr val="BCBEC4"/>
+              </a:solidFill>
+              <a:effectLst/>
+              <a:latin typeface="Helvetica" pitchFamily="2" charset="0"/>
+            </a:endParaRPr>
+          </a:p>
+          <a:p>
+            <a:pPr marL="800100" lvl="1" indent="-342900" algn="l">
+              <a:buFont typeface="Arial" panose="020B0604020202020204" pitchFamily="34" charset="0"/>
+              <a:buChar char="•"/>
+            </a:pPr>
+            <a:r>
+              <a:rPr lang="ru-RU" sz="2400" b="0" i="0" dirty="0">
+                <a:solidFill>
+                  <a:srgbClr val="BCBEC4"/>
+                </a:solidFill>
+                <a:effectLst/>
+                <a:latin typeface="Helvetica" pitchFamily="2" charset="0"/>
+              </a:rPr>
+              <a:t>Как вы планируете привлекать клиентов? Какие каналы продаж и маркетинга будете использовать?</a:t>
+            </a:r>
+          </a:p>
+          <a:p>
+            <a:pPr algn="l">
+              <a:buFont typeface="+mj-lt"/>
+              <a:buAutoNum type="arabicPeriod" startAt="12"/>
+            </a:pPr>
+            <a:r>
+              <a:rPr lang="ru-RU" sz="2400" b="1" i="0" dirty="0">
+                <a:solidFill>
+                  <a:srgbClr val="BCBEC4"/>
+                </a:solidFill>
+                <a:effectLst/>
+                <a:latin typeface="Helvetica" pitchFamily="2" charset="0"/>
+              </a:rPr>
+              <a:t>Какие ключевые метрики будут использоваться для оценки успеха?</a:t>
+            </a:r>
+            <a:endParaRPr lang="ru-RU" sz="2400" b="0" i="0" dirty="0">
+              <a:solidFill>
+                <a:srgbClr val="BCBEC4"/>
+              </a:solidFill>
+              <a:effectLst/>
+              <a:latin typeface="Helvetica" pitchFamily="2" charset="0"/>
+            </a:endParaRPr>
+          </a:p>
+          <a:p>
+            <a:pPr marL="800100" lvl="1" indent="-342900" algn="l">
+              <a:buFont typeface="Arial" panose="020B0604020202020204" pitchFamily="34" charset="0"/>
+              <a:buChar char="•"/>
+            </a:pPr>
+            <a:r>
+              <a:rPr lang="ru-RU" sz="2400" b="0" i="0" dirty="0">
+                <a:solidFill>
+                  <a:srgbClr val="BCBEC4"/>
+                </a:solidFill>
+                <a:effectLst/>
+                <a:latin typeface="Helvetica" pitchFamily="2" charset="0"/>
+              </a:rPr>
+              <a:t>Как вы будете измерять успех проекта? Это могут быть метрики роста пользовательской базы, доходов, возврата инвестиций (</a:t>
+            </a:r>
+            <a:r>
+              <a:rPr lang="en" sz="2400" b="0" i="0" dirty="0">
+                <a:solidFill>
+                  <a:srgbClr val="BCBEC4"/>
+                </a:solidFill>
+                <a:effectLst/>
+                <a:latin typeface="Helvetica" pitchFamily="2" charset="0"/>
+              </a:rPr>
+              <a:t>ROI) </a:t>
+            </a:r>
+            <a:r>
+              <a:rPr lang="ru-RU" sz="2400" b="0" i="0" dirty="0">
+                <a:solidFill>
+                  <a:srgbClr val="BCBEC4"/>
+                </a:solidFill>
+                <a:effectLst/>
+                <a:latin typeface="Helvetica" pitchFamily="2" charset="0"/>
+              </a:rPr>
+              <a:t>и т.д.</a:t>
+            </a:r>
+          </a:p>
+          <a:p>
+            <a:pPr algn="l">
+              <a:buFont typeface="+mj-lt"/>
+              <a:buAutoNum type="arabicPeriod" startAt="12"/>
+            </a:pPr>
+            <a:r>
+              <a:rPr lang="ru-RU" sz="2400" b="1" i="0" dirty="0">
+                <a:solidFill>
+                  <a:srgbClr val="BCBEC4"/>
+                </a:solidFill>
+                <a:effectLst/>
+                <a:latin typeface="Helvetica" pitchFamily="2" charset="0"/>
+              </a:rPr>
+              <a:t>Каковы долгосрочные планы развития стартапа?</a:t>
+            </a:r>
+            <a:endParaRPr lang="ru-RU" sz="2400" b="0" i="0" dirty="0">
+              <a:solidFill>
+                <a:srgbClr val="BCBEC4"/>
+              </a:solidFill>
+              <a:effectLst/>
+              <a:latin typeface="Helvetica" pitchFamily="2" charset="0"/>
+            </a:endParaRPr>
+          </a:p>
+          <a:p>
+            <a:pPr marL="800100" lvl="1" indent="-342900" algn="l">
+              <a:buFont typeface="Arial" panose="020B0604020202020204" pitchFamily="34" charset="0"/>
+              <a:buChar char="•"/>
+            </a:pPr>
+            <a:r>
+              <a:rPr lang="ru-RU" sz="2400" b="0" i="0" dirty="0">
+                <a:solidFill>
+                  <a:srgbClr val="BCBEC4"/>
+                </a:solidFill>
+                <a:effectLst/>
+                <a:latin typeface="Helvetica" pitchFamily="2" charset="0"/>
+              </a:rPr>
+              <a:t>Что вы планируете делать после достижения первых успехов? Как вы видите масштабирование и рост стартапа?</a:t>
+            </a:r>
+          </a:p>
+        </p:txBody>
+      </p:sp>
+    </p:spTree>
+    <p:extLst>
+      <p:ext uri="{BB962C8B-B14F-4D97-AF65-F5344CB8AC3E}">
+        <p14:creationId xmlns:p14="http://schemas.microsoft.com/office/powerpoint/2010/main" val="918439228"/>
+      </p:ext>
+    </p:extLst>
+  </p:cSld>
+  <p:clrMapOvr>
+    <a:masterClrMapping/>
+  </p:clrMapOvr>
+  <p:transition spd="slow">
+    <p:cover/>
+  </p:transition>
+</p:sld>
+</file>
+
+<file path=ppt/slides/slide12.xml><?xml version="1.0" encoding="utf-8"?>
+<p:sld xmlns:a="http://schemas.openxmlformats.org/drawingml/2006/main" xmlns:r="http://schemas.openxmlformats.org/officeDocument/2006/relationships" xmlns:p="http://schemas.openxmlformats.org/presentationml/2006/main">
+  <p:cSld>
+    <p:spTree>
+      <p:nvGrpSpPr>
+        <p:cNvPr id="1" name=""/>
+        <p:cNvGrpSpPr/>
+        <p:nvPr/>
+      </p:nvGrpSpPr>
+      <p:grpSpPr>
+        <a:xfrm>
+          <a:off x="0" y="0"/>
+          <a:ext cx="0" cy="0"/>
+          <a:chOff x="0" y="0"/>
+          <a:chExt cx="0" cy="0"/>
+        </a:xfrm>
+      </p:grpSpPr>
+      <p:sp>
+        <p:nvSpPr>
+          <p:cNvPr id="5" name="Shape 704">
+            <a:extLst>
+              <a:ext uri="{FF2B5EF4-FFF2-40B4-BE49-F238E27FC236}">
+                <a16:creationId xmlns:a16="http://schemas.microsoft.com/office/drawing/2014/main" id="{6946D338-165A-A40E-4F42-14C417543ADD}"/>
+              </a:ext>
+            </a:extLst>
+          </p:cNvPr>
+          <p:cNvSpPr/>
+          <p:nvPr/>
+        </p:nvSpPr>
+        <p:spPr>
+          <a:xfrm>
+            <a:off x="7944840" y="655009"/>
+            <a:ext cx="4227119" cy="538609"/>
+          </a:xfrm>
+          <a:prstGeom prst="rect">
+            <a:avLst/>
+          </a:prstGeom>
+          <a:ln w="12700">
+            <a:miter lim="400000"/>
+          </a:ln>
+          <a:extLst>
+            <a:ext uri="{C572A759-6A51-4108-AA02-DFA0A04FC94B}">
+              <ma14:wrappingTextBoxFlag xmlns="" xmlns:ma14="http://schemas.microsoft.com/office/mac/drawingml/2011/main" val="1"/>
+            </a:ext>
+          </a:extLst>
+        </p:spPr>
+        <p:txBody>
+          <a:bodyPr wrap="none" lIns="0" tIns="0" rIns="0" bIns="0">
+            <a:spAutoFit/>
+          </a:bodyPr>
+          <a:lstStyle/>
+          <a:p>
+            <a:pPr>
+              <a:defRPr sz="3500">
+                <a:solidFill>
+                  <a:srgbClr val="FFFFFF"/>
+                </a:solidFill>
+                <a:latin typeface="San Francisco Display Thin"/>
+                <a:ea typeface="San Francisco Display Thin"/>
+                <a:cs typeface="San Francisco Display Thin"/>
+                <a:sym typeface="San Francisco Display Thin"/>
+              </a:defRPr>
+            </a:pPr>
+            <a:r>
+              <a:rPr lang="ru-RU" b="1" dirty="0"/>
+              <a:t>Анализируем стартап</a:t>
+            </a:r>
+          </a:p>
+        </p:txBody>
+      </p:sp>
+      <p:sp>
+        <p:nvSpPr>
+          <p:cNvPr id="3" name="TextBox 2">
+            <a:extLst>
+              <a:ext uri="{FF2B5EF4-FFF2-40B4-BE49-F238E27FC236}">
+                <a16:creationId xmlns:a16="http://schemas.microsoft.com/office/drawing/2014/main" id="{48805BBE-86F2-AE09-6FD8-9E994068332C}"/>
+              </a:ext>
+            </a:extLst>
+          </p:cNvPr>
+          <p:cNvSpPr txBox="1"/>
+          <p:nvPr/>
+        </p:nvSpPr>
+        <p:spPr>
+          <a:xfrm>
+            <a:off x="1430522" y="2928312"/>
+            <a:ext cx="17858964" cy="4031871"/>
+          </a:xfrm>
+          <a:prstGeom prst="rect">
+            <a:avLst/>
+          </a:prstGeom>
+          <a:noFill/>
+          <a:ln w="12700" cap="flat">
+            <a:noFill/>
+            <a:miter lim="400000"/>
+          </a:ln>
+          <a:effectLst/>
+          <a:sp3d/>
+        </p:spPr>
+        <p:style>
+          <a:lnRef idx="0">
+            <a:scrgbClr r="0" g="0" b="0"/>
+          </a:lnRef>
+          <a:fillRef idx="0">
+            <a:scrgbClr r="0" g="0" b="0"/>
+          </a:fillRef>
+          <a:effectRef idx="0">
+            <a:scrgbClr r="0" g="0" b="0"/>
+          </a:effectRef>
+          <a:fontRef idx="none"/>
+        </p:style>
+        <p:txBody>
+          <a:bodyPr rot="0" spcFirstLastPara="1" vertOverflow="overflow" horzOverflow="overflow" vert="horz" wrap="square" lIns="45719" tIns="45719" rIns="45719" bIns="45719" numCol="1" spcCol="38100" rtlCol="0" anchor="t">
+            <a:spAutoFit/>
+          </a:bodyPr>
+          <a:lstStyle/>
+          <a:p>
+            <a:pPr algn="l"/>
+            <a:r>
+              <a:rPr lang="ru-RU" b="1" i="0" dirty="0">
+                <a:solidFill>
+                  <a:srgbClr val="BCBEC4"/>
+                </a:solidFill>
+                <a:effectLst/>
+                <a:latin typeface="Helvetica" pitchFamily="2" charset="0"/>
+              </a:rPr>
+              <a:t>Вопросы для оценки конкурентной среды:</a:t>
+            </a:r>
+          </a:p>
+          <a:p>
+            <a:pPr algn="l"/>
+            <a:endParaRPr lang="ru-RU" b="1" i="0" dirty="0">
+              <a:solidFill>
+                <a:srgbClr val="BCBEC4"/>
+              </a:solidFill>
+              <a:effectLst/>
+              <a:latin typeface="Helvetica" pitchFamily="2" charset="0"/>
+            </a:endParaRPr>
+          </a:p>
+          <a:p>
+            <a:pPr algn="l">
+              <a:buFont typeface="+mj-lt"/>
+              <a:buAutoNum type="arabicPeriod" startAt="19"/>
+            </a:pPr>
+            <a:r>
+              <a:rPr lang="ru-RU" b="1" i="0" dirty="0">
+                <a:solidFill>
+                  <a:srgbClr val="BCBEC4"/>
+                </a:solidFill>
+                <a:effectLst/>
+                <a:latin typeface="Helvetica" pitchFamily="2" charset="0"/>
+              </a:rPr>
+              <a:t>Кто ваши основные конкуренты и чем они сильны?</a:t>
+            </a:r>
+            <a:endParaRPr lang="ru-RU" b="0" i="0" dirty="0">
+              <a:solidFill>
+                <a:srgbClr val="BCBEC4"/>
+              </a:solidFill>
+              <a:effectLst/>
+              <a:latin typeface="Helvetica" pitchFamily="2" charset="0"/>
+            </a:endParaRPr>
+          </a:p>
+          <a:p>
+            <a:pPr marL="914400" lvl="1" indent="-457200" algn="l">
+              <a:buFont typeface="Arial" panose="020B0604020202020204" pitchFamily="34" charset="0"/>
+              <a:buChar char="•"/>
+            </a:pPr>
+            <a:r>
+              <a:rPr lang="ru-RU" b="0" i="0" dirty="0">
+                <a:solidFill>
+                  <a:srgbClr val="BCBEC4"/>
+                </a:solidFill>
+                <a:effectLst/>
+                <a:latin typeface="Helvetica" pitchFamily="2" charset="0"/>
+              </a:rPr>
+              <a:t>Какие продукты уже существуют на рынке? Чем ваш продукт лучше или чем он отличается?</a:t>
+            </a:r>
+          </a:p>
+          <a:p>
+            <a:pPr algn="l">
+              <a:buFont typeface="+mj-lt"/>
+              <a:buAutoNum type="arabicPeriod" startAt="19"/>
+            </a:pPr>
+            <a:r>
+              <a:rPr lang="ru-RU" b="1" i="0" dirty="0">
+                <a:solidFill>
+                  <a:srgbClr val="BCBEC4"/>
+                </a:solidFill>
+                <a:effectLst/>
+                <a:latin typeface="Helvetica" pitchFamily="2" charset="0"/>
+              </a:rPr>
+              <a:t>Как стартап планирует выдерживать конкуренцию в долгосрочной перспективе?</a:t>
+            </a:r>
+            <a:endParaRPr lang="ru-RU" b="0" i="0" dirty="0">
+              <a:solidFill>
+                <a:srgbClr val="BCBEC4"/>
+              </a:solidFill>
+              <a:effectLst/>
+              <a:latin typeface="Helvetica" pitchFamily="2" charset="0"/>
+            </a:endParaRPr>
+          </a:p>
+          <a:p>
+            <a:pPr marL="914400" lvl="1" indent="-457200" algn="l">
+              <a:buFont typeface="Arial" panose="020B0604020202020204" pitchFamily="34" charset="0"/>
+              <a:buChar char="•"/>
+            </a:pPr>
+            <a:r>
+              <a:rPr lang="ru-RU" b="0" i="0" dirty="0">
+                <a:solidFill>
+                  <a:srgbClr val="BCBEC4"/>
+                </a:solidFill>
+                <a:effectLst/>
+                <a:latin typeface="Helvetica" pitchFamily="2" charset="0"/>
+              </a:rPr>
+              <a:t>Какие стратегии для конкурентного преимущества? Например, инновации, ценовая политика или эксклюзивные партнерства.</a:t>
+            </a:r>
+          </a:p>
+          <a:p>
+            <a:br>
+              <a:rPr lang="ru-RU" dirty="0"/>
+            </a:br>
+            <a:endParaRPr lang="ru-RU" sz="2400" b="0" i="0" dirty="0">
+              <a:solidFill>
+                <a:srgbClr val="BCBEC4"/>
+              </a:solidFill>
+              <a:effectLst/>
+              <a:latin typeface="Helvetica" pitchFamily="2" charset="0"/>
+            </a:endParaRPr>
+          </a:p>
+        </p:txBody>
+      </p:sp>
+    </p:spTree>
+    <p:extLst>
+      <p:ext uri="{BB962C8B-B14F-4D97-AF65-F5344CB8AC3E}">
+        <p14:creationId xmlns:p14="http://schemas.microsoft.com/office/powerpoint/2010/main" val="93940445"/>
+      </p:ext>
+    </p:extLst>
+  </p:cSld>
+  <p:clrMapOvr>
+    <a:masterClrMapping/>
+  </p:clrMapOvr>
+  <p:transition spd="slow">
+    <p:cover/>
+  </p:transition>
+</p:sld>
+</file>
+
+<file path=ppt/slides/slide13.xml><?xml version="1.0" encoding="utf-8"?>
+<p:sld xmlns:a="http://schemas.openxmlformats.org/drawingml/2006/main" xmlns:r="http://schemas.openxmlformats.org/officeDocument/2006/relationships" xmlns:p="http://schemas.openxmlformats.org/presentationml/2006/main">
+  <p:cSld>
+    <p:spTree>
+      <p:nvGrpSpPr>
+        <p:cNvPr id="1" name=""/>
+        <p:cNvGrpSpPr/>
+        <p:nvPr/>
+      </p:nvGrpSpPr>
+      <p:grpSpPr>
+        <a:xfrm>
+          <a:off x="0" y="0"/>
+          <a:ext cx="0" cy="0"/>
+          <a:chOff x="0" y="0"/>
+          <a:chExt cx="0" cy="0"/>
+        </a:xfrm>
+      </p:grpSpPr>
+      <p:sp>
+        <p:nvSpPr>
+          <p:cNvPr id="703" name="Shape 703"/>
+          <p:cNvSpPr>
+            <a:spLocks noGrp="1"/>
+          </p:cNvSpPr>
+          <p:nvPr>
+            <p:ph type="sldNum" sz="quarter" idx="2"/>
+          </p:nvPr>
+        </p:nvSpPr>
+        <p:spPr>
+          <a:prstGeom prst="rect">
+            <a:avLst/>
+          </a:prstGeom>
+          <a:extLst>
+            <a:ext uri="{C572A759-6A51-4108-AA02-DFA0A04FC94B}">
+              <ma14:wrappingTextBoxFlag xmlns="" xmlns:ma14="http://schemas.microsoft.com/office/mac/drawingml/2011/main" val="1"/>
+            </a:ext>
+          </a:extLst>
+        </p:spPr>
+        <p:txBody>
+          <a:bodyPr/>
+          <a:lstStyle/>
+          <a:p>
+            <a:fld id="{86CB4B4D-7CA3-9044-876B-883B54F8677D}" type="slidenum">
+              <a:t>13</a:t>
+            </a:fld>
+            <a:endParaRPr/>
+          </a:p>
+        </p:txBody>
+      </p:sp>
+      <p:sp>
+        <p:nvSpPr>
+          <p:cNvPr id="4" name="Shape 704">
+            <a:extLst>
+              <a:ext uri="{FF2B5EF4-FFF2-40B4-BE49-F238E27FC236}">
+                <a16:creationId xmlns:a16="http://schemas.microsoft.com/office/drawing/2014/main" id="{DC7E5B4E-2680-0D93-E5B9-D1709528580E}"/>
+              </a:ext>
+            </a:extLst>
+          </p:cNvPr>
+          <p:cNvSpPr/>
+          <p:nvPr/>
+        </p:nvSpPr>
+        <p:spPr>
+          <a:xfrm>
+            <a:off x="7480771" y="687552"/>
+            <a:ext cx="4844275" cy="538609"/>
+          </a:xfrm>
+          <a:prstGeom prst="rect">
+            <a:avLst/>
+          </a:prstGeom>
+          <a:ln w="12700">
+            <a:miter lim="400000"/>
+          </a:ln>
+          <a:extLst>
+            <a:ext uri="{C572A759-6A51-4108-AA02-DFA0A04FC94B}">
+              <ma14:wrappingTextBoxFlag xmlns="" xmlns:ma14="http://schemas.microsoft.com/office/mac/drawingml/2011/main" val="1"/>
+            </a:ext>
+          </a:extLst>
+        </p:spPr>
+        <p:txBody>
+          <a:bodyPr wrap="none" lIns="0" tIns="0" rIns="0" bIns="0">
+            <a:spAutoFit/>
+          </a:bodyPr>
+          <a:lstStyle/>
+          <a:p>
+            <a:pPr>
+              <a:defRPr sz="3500">
+                <a:solidFill>
+                  <a:srgbClr val="FFFFFF"/>
+                </a:solidFill>
+                <a:latin typeface="San Francisco Display Thin"/>
+                <a:ea typeface="San Francisco Display Thin"/>
+                <a:cs typeface="San Francisco Display Thin"/>
+                <a:sym typeface="San Francisco Display Thin"/>
+              </a:defRPr>
+            </a:pPr>
+            <a:r>
+              <a:rPr lang="ru-RU" b="1" dirty="0"/>
+              <a:t>Разбираем свой продукт</a:t>
+            </a:r>
+          </a:p>
+        </p:txBody>
+      </p:sp>
+      <p:sp>
+        <p:nvSpPr>
+          <p:cNvPr id="2" name="TextBox 1">
+            <a:extLst>
+              <a:ext uri="{FF2B5EF4-FFF2-40B4-BE49-F238E27FC236}">
+                <a16:creationId xmlns:a16="http://schemas.microsoft.com/office/drawing/2014/main" id="{D357B1FE-4FAE-2196-B901-368FF2F0707D}"/>
+              </a:ext>
+            </a:extLst>
+          </p:cNvPr>
+          <p:cNvSpPr txBox="1"/>
+          <p:nvPr/>
+        </p:nvSpPr>
+        <p:spPr>
+          <a:xfrm>
+            <a:off x="793630" y="2225614"/>
+            <a:ext cx="7090913" cy="1877435"/>
+          </a:xfrm>
+          <a:prstGeom prst="rect">
+            <a:avLst/>
+          </a:prstGeom>
+          <a:noFill/>
+          <a:ln w="12700" cap="flat">
+            <a:noFill/>
+            <a:miter lim="400000"/>
+          </a:ln>
+          <a:effectLst/>
+          <a:sp3d/>
+        </p:spPr>
+        <p:style>
+          <a:lnRef idx="0">
+            <a:scrgbClr r="0" g="0" b="0"/>
+          </a:lnRef>
+          <a:fillRef idx="0">
+            <a:scrgbClr r="0" g="0" b="0"/>
+          </a:fillRef>
+          <a:effectRef idx="0">
+            <a:scrgbClr r="0" g="0" b="0"/>
+          </a:effectRef>
+          <a:fontRef idx="none"/>
+        </p:style>
+        <p:txBody>
+          <a:bodyPr rot="0" spcFirstLastPara="1" vertOverflow="overflow" horzOverflow="overflow" vert="horz" wrap="square" lIns="45719" tIns="45719" rIns="45719" bIns="45719" numCol="1" spcCol="38100" rtlCol="0" anchor="t">
+            <a:spAutoFit/>
+          </a:bodyPr>
+          <a:lstStyle/>
+          <a:p>
+            <a:pPr marL="457200" marR="0" indent="-457200" algn="l" defTabSz="1492300" rtl="0" fontAlgn="auto" latinLnBrk="0" hangingPunct="0">
+              <a:lnSpc>
+                <a:spcPct val="100000"/>
+              </a:lnSpc>
+              <a:spcBef>
+                <a:spcPts val="0"/>
+              </a:spcBef>
+              <a:spcAft>
+                <a:spcPts val="0"/>
+              </a:spcAft>
+              <a:buClrTx/>
+              <a:buSzTx/>
+              <a:buFont typeface="Arial" panose="020B0604020202020204" pitchFamily="34" charset="0"/>
+              <a:buChar char="•"/>
+              <a:tabLst/>
+            </a:pPr>
+            <a:r>
+              <a:rPr kumimoji="0" lang="ru-RU" sz="2900" b="0" i="0" u="none" strike="noStrike" cap="none" spc="0" normalizeH="0" baseline="0" dirty="0">
+                <a:ln>
+                  <a:noFill/>
+                </a:ln>
+                <a:solidFill>
+                  <a:schemeClr val="bg1"/>
+                </a:solidFill>
+                <a:effectLst/>
+                <a:uFillTx/>
+                <a:latin typeface="+mj-lt"/>
+                <a:ea typeface="+mj-ea"/>
+                <a:cs typeface="+mj-cs"/>
+                <a:sym typeface="Calibri"/>
+              </a:rPr>
+              <a:t>Переходим на доску</a:t>
+            </a:r>
+          </a:p>
+          <a:p>
+            <a:pPr marL="457200" marR="0" indent="-457200" algn="l" defTabSz="1492300" rtl="0" fontAlgn="auto" latinLnBrk="0" hangingPunct="0">
+              <a:lnSpc>
+                <a:spcPct val="100000"/>
+              </a:lnSpc>
+              <a:spcBef>
+                <a:spcPts val="0"/>
+              </a:spcBef>
+              <a:spcAft>
+                <a:spcPts val="0"/>
+              </a:spcAft>
+              <a:buClrTx/>
+              <a:buSzTx/>
+              <a:buFont typeface="Arial" panose="020B0604020202020204" pitchFamily="34" charset="0"/>
+              <a:buChar char="•"/>
+              <a:tabLst/>
+            </a:pPr>
+            <a:r>
+              <a:rPr lang="ru-RU" dirty="0">
+                <a:solidFill>
+                  <a:schemeClr val="bg1"/>
+                </a:solidFill>
+              </a:rPr>
+              <a:t>Добавляем свою Канву бизнес модели</a:t>
+            </a:r>
+          </a:p>
+          <a:p>
+            <a:pPr marL="457200" indent="-457200">
+              <a:buFont typeface="Arial" panose="020B0604020202020204" pitchFamily="34" charset="0"/>
+              <a:buChar char="•"/>
+            </a:pPr>
+            <a:r>
+              <a:rPr lang="ru-RU" b="1" i="0" u="none" strike="noStrike" dirty="0">
+                <a:solidFill>
+                  <a:schemeClr val="bg1"/>
+                </a:solidFill>
+                <a:effectLst/>
+                <a:latin typeface="var(--stk-f_family)"/>
+              </a:rPr>
+              <a:t>Отвечаем на вопрос: «Что и для кого мы делаем?»</a:t>
+            </a:r>
+          </a:p>
+        </p:txBody>
+      </p:sp>
+      <p:pic>
+        <p:nvPicPr>
+          <p:cNvPr id="15" name="Рисунок 14">
+            <a:extLst>
+              <a:ext uri="{FF2B5EF4-FFF2-40B4-BE49-F238E27FC236}">
+                <a16:creationId xmlns:a16="http://schemas.microsoft.com/office/drawing/2014/main" id="{99BED703-DEA0-61DF-6FF3-3C28834C9519}"/>
+              </a:ext>
+            </a:extLst>
+          </p:cNvPr>
+          <p:cNvPicPr>
+            <a:picLocks noChangeAspect="1"/>
+          </p:cNvPicPr>
+          <p:nvPr/>
+        </p:nvPicPr>
+        <p:blipFill>
+          <a:blip r:embed="rId3"/>
+          <a:stretch>
+            <a:fillRect/>
+          </a:stretch>
+        </p:blipFill>
+        <p:spPr>
+          <a:xfrm>
+            <a:off x="8032861" y="1945946"/>
+            <a:ext cx="11552326" cy="8339302"/>
+          </a:xfrm>
+          <a:prstGeom prst="rect">
+            <a:avLst/>
+          </a:prstGeom>
+        </p:spPr>
+      </p:pic>
+      <p:sp>
+        <p:nvSpPr>
+          <p:cNvPr id="3" name="TextBox 2">
+            <a:extLst>
+              <a:ext uri="{FF2B5EF4-FFF2-40B4-BE49-F238E27FC236}">
+                <a16:creationId xmlns:a16="http://schemas.microsoft.com/office/drawing/2014/main" id="{752D2F64-0658-F1D7-25FF-E0D7E08E95D7}"/>
+              </a:ext>
+            </a:extLst>
+          </p:cNvPr>
+          <p:cNvSpPr txBox="1"/>
+          <p:nvPr/>
+        </p:nvSpPr>
+        <p:spPr>
+          <a:xfrm>
+            <a:off x="1133372" y="7585330"/>
+            <a:ext cx="6347399" cy="2323711"/>
+          </a:xfrm>
+          <a:prstGeom prst="rect">
+            <a:avLst/>
+          </a:prstGeom>
+          <a:noFill/>
+          <a:ln w="12700" cap="flat">
+            <a:noFill/>
+            <a:miter lim="400000"/>
+          </a:ln>
+          <a:effectLst/>
+          <a:sp3d/>
+        </p:spPr>
+        <p:style>
+          <a:lnRef idx="0">
+            <a:scrgbClr r="0" g="0" b="0"/>
+          </a:lnRef>
+          <a:fillRef idx="0">
+            <a:scrgbClr r="0" g="0" b="0"/>
+          </a:fillRef>
+          <a:effectRef idx="0">
+            <a:scrgbClr r="0" g="0" b="0"/>
+          </a:effectRef>
+          <a:fontRef idx="none"/>
+        </p:style>
+        <p:txBody>
+          <a:bodyPr rot="0" spcFirstLastPara="1" vertOverflow="overflow" horzOverflow="overflow" vert="horz" wrap="square" lIns="45719" tIns="45719" rIns="45719" bIns="45719" numCol="1" spcCol="38100" rtlCol="0" anchor="t">
+            <a:spAutoFit/>
+          </a:bodyPr>
+          <a:lstStyle/>
+          <a:p>
+            <a:pPr marL="0" marR="0" indent="0" algn="l" defTabSz="1492300" rtl="0" fontAlgn="auto" latinLnBrk="0" hangingPunct="0">
+              <a:lnSpc>
+                <a:spcPct val="100000"/>
+              </a:lnSpc>
+              <a:spcBef>
+                <a:spcPts val="0"/>
+              </a:spcBef>
+              <a:spcAft>
+                <a:spcPts val="0"/>
+              </a:spcAft>
+              <a:buClrTx/>
+              <a:buSzTx/>
+              <a:buFontTx/>
+              <a:buNone/>
+              <a:tabLst/>
+            </a:pPr>
+            <a:r>
+              <a:rPr lang="ru-RU" b="0" i="0" dirty="0">
+                <a:solidFill>
+                  <a:schemeClr val="bg1"/>
+                </a:solidFill>
+                <a:effectLst/>
+                <a:latin typeface="GraphikLCG-Regular"/>
+              </a:rPr>
+              <a:t>Следуйте принципу: продукт может быть или лекарством, или витаминами. Лекарства избавляют от болезни и боли сейчас, витамины защищают от проблем в будущем.</a:t>
+            </a:r>
+            <a:endParaRPr kumimoji="0" lang="ru-RU" sz="2900" b="0" i="0" u="none" strike="noStrike" cap="none" spc="0" normalizeH="0" baseline="0" dirty="0">
+              <a:ln>
+                <a:noFill/>
+              </a:ln>
+              <a:solidFill>
+                <a:schemeClr val="bg1"/>
+              </a:solidFill>
+              <a:effectLst/>
+              <a:uFillTx/>
+              <a:latin typeface="+mj-lt"/>
+              <a:ea typeface="+mj-ea"/>
+              <a:cs typeface="+mj-cs"/>
+              <a:sym typeface="Calibri"/>
+            </a:endParaRPr>
+          </a:p>
+        </p:txBody>
+      </p:sp>
+    </p:spTree>
+    <p:extLst>
+      <p:ext uri="{BB962C8B-B14F-4D97-AF65-F5344CB8AC3E}">
+        <p14:creationId xmlns:p14="http://schemas.microsoft.com/office/powerpoint/2010/main" val="919311911"/>
+      </p:ext>
+    </p:extLst>
+  </p:cSld>
+  <p:clrMapOvr>
+    <a:masterClrMapping/>
+  </p:clrMapOvr>
+  <p:transition spd="slow">
+    <p:cover/>
+  </p:transition>
+</p:sld>
+</file>
+
+<file path=ppt/slides/slide14.xml><?xml version="1.0" encoding="utf-8"?>
+<p:sld xmlns:a="http://schemas.openxmlformats.org/drawingml/2006/main" xmlns:r="http://schemas.openxmlformats.org/officeDocument/2006/relationships" xmlns:p="http://schemas.openxmlformats.org/presentationml/2006/main">
+  <p:cSld>
+    <p:spTree>
+      <p:nvGrpSpPr>
+        <p:cNvPr id="1" name=""/>
+        <p:cNvGrpSpPr/>
+        <p:nvPr/>
+      </p:nvGrpSpPr>
+      <p:grpSpPr>
+        <a:xfrm>
+          <a:off x="0" y="0"/>
+          <a:ext cx="0" cy="0"/>
+          <a:chOff x="0" y="0"/>
+          <a:chExt cx="0" cy="0"/>
+        </a:xfrm>
+      </p:grpSpPr>
+      <p:sp>
+        <p:nvSpPr>
+          <p:cNvPr id="703" name="Shape 703"/>
+          <p:cNvSpPr>
+            <a:spLocks noGrp="1"/>
+          </p:cNvSpPr>
+          <p:nvPr>
+            <p:ph type="sldNum" sz="quarter" idx="2"/>
+          </p:nvPr>
+        </p:nvSpPr>
+        <p:spPr>
+          <a:prstGeom prst="rect">
+            <a:avLst/>
+          </a:prstGeom>
+          <a:extLst>
+            <a:ext uri="{C572A759-6A51-4108-AA02-DFA0A04FC94B}">
+              <ma14:wrappingTextBoxFlag xmlns="" xmlns:ma14="http://schemas.microsoft.com/office/mac/drawingml/2011/main" val="1"/>
+            </a:ext>
+          </a:extLst>
+        </p:spPr>
+        <p:txBody>
+          <a:bodyPr/>
+          <a:lstStyle/>
+          <a:p>
+            <a:fld id="{86CB4B4D-7CA3-9044-876B-883B54F8677D}" type="slidenum">
+              <a:t>14</a:t>
+            </a:fld>
+            <a:endParaRPr/>
+          </a:p>
+        </p:txBody>
+      </p:sp>
+      <p:sp>
+        <p:nvSpPr>
+          <p:cNvPr id="704" name="Shape 704"/>
+          <p:cNvSpPr/>
+          <p:nvPr/>
+        </p:nvSpPr>
+        <p:spPr>
+          <a:xfrm>
+            <a:off x="9048508" y="4947791"/>
+            <a:ext cx="2019784" cy="538609"/>
+          </a:xfrm>
+          <a:prstGeom prst="rect">
+            <a:avLst/>
+          </a:prstGeom>
+          <a:ln w="12700">
+            <a:miter lim="400000"/>
+          </a:ln>
+          <a:extLst>
+            <a:ext uri="{C572A759-6A51-4108-AA02-DFA0A04FC94B}">
+              <ma14:wrappingTextBoxFlag xmlns="" xmlns:ma14="http://schemas.microsoft.com/office/mac/drawingml/2011/main" val="1"/>
+            </a:ext>
+          </a:extLst>
+        </p:spPr>
+        <p:txBody>
+          <a:bodyPr wrap="none" lIns="0" tIns="0" rIns="0" bIns="0">
+            <a:spAutoFit/>
+          </a:bodyPr>
+          <a:lstStyle/>
+          <a:p>
+            <a:pPr>
+              <a:defRPr sz="3500">
+                <a:solidFill>
+                  <a:srgbClr val="FFFFFF"/>
+                </a:solidFill>
+                <a:latin typeface="San Francisco Display Thin"/>
+                <a:ea typeface="San Francisco Display Thin"/>
+                <a:cs typeface="San Francisco Display Thin"/>
+                <a:sym typeface="San Francisco Display Thin"/>
+              </a:defRPr>
+            </a:pPr>
+            <a:r>
+              <a:rPr lang="en-US" dirty="0"/>
+              <a:t>QA Session</a:t>
+            </a:r>
+            <a:endParaRPr dirty="0"/>
+          </a:p>
+        </p:txBody>
+      </p:sp>
+    </p:spTree>
+    <p:extLst>
+      <p:ext uri="{BB962C8B-B14F-4D97-AF65-F5344CB8AC3E}">
+        <p14:creationId xmlns:p14="http://schemas.microsoft.com/office/powerpoint/2010/main" val="3562253664"/>
+      </p:ext>
+    </p:extLst>
+  </p:cSld>
+  <p:clrMapOvr>
+    <a:masterClrMapping/>
+  </p:clrMapOvr>
+  <p:transition spd="slow">
+    <p:cover/>
+  </p:transition>
+</p:sld>
+</file>
+
 <file path=ppt/slides/slide2.xml><?xml version="1.0" encoding="utf-8"?>
 <p:sld xmlns:a="http://schemas.openxmlformats.org/drawingml/2006/main" xmlns:r="http://schemas.openxmlformats.org/officeDocument/2006/relationships" xmlns:p="http://schemas.openxmlformats.org/presentationml/2006/main">
   <p:cSld>
@@ -3963,7 +6274,7 @@
           </a:prstGeom>
           <a:extLst>
             <a:ext uri="{C572A759-6A51-4108-AA02-DFA0A04FC94B}">
-              <ma14:wrappingTextBoxFlag xmlns:ma14="http://schemas.microsoft.com/office/mac/drawingml/2011/main" xmlns="" val="1"/>
+              <ma14:wrappingTextBoxFlag xmlns="" xmlns:ma14="http://schemas.microsoft.com/office/mac/drawingml/2011/main" val="1"/>
             </a:ext>
           </a:extLst>
         </p:spPr>
@@ -3997,7 +6308,7 @@
           </a:ln>
           <a:extLst>
             <a:ext uri="{C572A759-6A51-4108-AA02-DFA0A04FC94B}">
-              <ma14:wrappingTextBoxFlag xmlns:ma14="http://schemas.microsoft.com/office/mac/drawingml/2011/main" xmlns="" val="1"/>
+              <ma14:wrappingTextBoxFlag xmlns="" xmlns:ma14="http://schemas.microsoft.com/office/mac/drawingml/2011/main" val="1"/>
             </a:ext>
           </a:extLst>
         </p:spPr>
@@ -4050,7 +6361,7 @@
           </a:ln>
           <a:extLst>
             <a:ext uri="{C572A759-6A51-4108-AA02-DFA0A04FC94B}">
-              <ma14:wrappingTextBoxFlag xmlns:ma14="http://schemas.microsoft.com/office/mac/drawingml/2011/main" xmlns="" val="1"/>
+              <ma14:wrappingTextBoxFlag xmlns="" xmlns:ma14="http://schemas.microsoft.com/office/mac/drawingml/2011/main" val="1"/>
             </a:ext>
           </a:extLst>
         </p:spPr>
@@ -4104,7 +6415,7 @@
           </a:ln>
           <a:extLst>
             <a:ext uri="{C572A759-6A51-4108-AA02-DFA0A04FC94B}">
-              <ma14:wrappingTextBoxFlag xmlns:ma14="http://schemas.microsoft.com/office/mac/drawingml/2011/main" xmlns="" val="1"/>
+              <ma14:wrappingTextBoxFlag xmlns="" xmlns:ma14="http://schemas.microsoft.com/office/mac/drawingml/2011/main" val="1"/>
             </a:ext>
           </a:extLst>
         </p:spPr>
@@ -4128,6 +6439,60 @@
             <a:r>
               <a:rPr lang="ru-RU" dirty="0"/>
               <a:t>Разберем свой продукты</a:t>
+            </a:r>
+            <a:endParaRPr dirty="0"/>
+          </a:p>
+        </p:txBody>
+      </p:sp>
+      <p:sp>
+        <p:nvSpPr>
+          <p:cNvPr id="2" name="Shape 704">
+            <a:extLst>
+              <a:ext uri="{FF2B5EF4-FFF2-40B4-BE49-F238E27FC236}">
+                <a16:creationId xmlns:a16="http://schemas.microsoft.com/office/drawing/2014/main" id="{C8B1FB65-529B-960B-E1C6-DCA618C37F33}"/>
+              </a:ext>
+            </a:extLst>
+          </p:cNvPr>
+          <p:cNvSpPr/>
+          <p:nvPr/>
+        </p:nvSpPr>
+        <p:spPr>
+          <a:xfrm>
+            <a:off x="7690797" y="6595833"/>
+            <a:ext cx="5934282" cy="538609"/>
+          </a:xfrm>
+          <a:prstGeom prst="rect">
+            <a:avLst/>
+          </a:prstGeom>
+          <a:ln w="12700">
+            <a:miter lim="400000"/>
+          </a:ln>
+          <a:extLst>
+            <a:ext uri="{C572A759-6A51-4108-AA02-DFA0A04FC94B}">
+              <ma14:wrappingTextBoxFlag xmlns="" xmlns:ma14="http://schemas.microsoft.com/office/mac/drawingml/2011/main" val="1"/>
+            </a:ext>
+          </a:extLst>
+        </p:spPr>
+        <p:txBody>
+          <a:bodyPr wrap="square" lIns="0" tIns="0" rIns="0" bIns="0">
+            <a:spAutoFit/>
+          </a:bodyPr>
+          <a:lstStyle/>
+          <a:p>
+            <a:pPr>
+              <a:defRPr sz="3500">
+                <a:solidFill>
+                  <a:srgbClr val="FFFFFF"/>
+                </a:solidFill>
+                <a:latin typeface="San Francisco Display Thin"/>
+                <a:ea typeface="San Francisco Display Thin"/>
+                <a:cs typeface="San Francisco Display Thin"/>
+                <a:sym typeface="San Francisco Display Thin"/>
+              </a:defRPr>
+            </a:pPr>
+            <a:r>
+              <a:rPr lang="ru-RU" dirty="0"/>
+              <a:t>Сделаем анализ стартапа</a:t>
             </a:r>
             <a:endParaRPr dirty="0"/>
           </a:p>
@@ -4191,7 +6556,7 @@
           </a:ln>
           <a:extLst>
             <a:ext uri="{C572A759-6A51-4108-AA02-DFA0A04FC94B}">
-              <ma14:wrappingTextBoxFlag xmlns:ma14="http://schemas.microsoft.com/office/mac/drawingml/2011/main" xmlns="" val="1"/>
+              <ma14:wrappingTextBoxFlag xmlns="" xmlns:ma14="http://schemas.microsoft.com/office/mac/drawingml/2011/main" val="1"/>
             </a:ext>
           </a:extLst>
         </p:spPr>
@@ -4725,7 +7090,7 @@
           </a:ln>
           <a:extLst>
             <a:ext uri="{C572A759-6A51-4108-AA02-DFA0A04FC94B}">
-              <ma14:wrappingTextBoxFlag xmlns:ma14="http://schemas.microsoft.com/office/mac/drawingml/2011/main" xmlns="" val="1"/>
+              <ma14:wrappingTextBoxFlag xmlns="" xmlns:ma14="http://schemas.microsoft.com/office/mac/drawingml/2011/main" val="1"/>
             </a:ext>
           </a:extLst>
         </p:spPr>
@@ -5362,7 +7727,7 @@
           </a:ln>
           <a:extLst>
             <a:ext uri="{C572A759-6A51-4108-AA02-DFA0A04FC94B}">
-              <ma14:wrappingTextBoxFlag xmlns:ma14="http://schemas.microsoft.com/office/mac/drawingml/2011/main" xmlns="" val="1"/>
+              <ma14:wrappingTextBoxFlag xmlns="" xmlns:ma14="http://schemas.microsoft.com/office/mac/drawingml/2011/main" val="1"/>
             </a:ext>
           </a:extLst>
         </p:spPr>
@@ -5882,7 +8247,7 @@
           </a:ln>
           <a:extLst>
             <a:ext uri="{C572A759-6A51-4108-AA02-DFA0A04FC94B}">
-              <ma14:wrappingTextBoxFlag xmlns:ma14="http://schemas.microsoft.com/office/mac/drawingml/2011/main" xmlns="" val="1"/>
+              <ma14:wrappingTextBoxFlag xmlns="" xmlns:ma14="http://schemas.microsoft.com/office/mac/drawingml/2011/main" val="1"/>
             </a:ext>
           </a:extLst>
         </p:spPr>
@@ -6414,7 +8779,7 @@
           </a:ln>
           <a:extLst>
             <a:ext uri="{C572A759-6A51-4108-AA02-DFA0A04FC94B}">
-              <ma14:wrappingTextBoxFlag xmlns:ma14="http://schemas.microsoft.com/office/mac/drawingml/2011/main" xmlns="" val="1"/>
+              <ma14:wrappingTextBoxFlag xmlns="" xmlns:ma14="http://schemas.microsoft.com/office/mac/drawingml/2011/main" val="1"/>
             </a:ext>
           </a:extLst>
         </p:spPr>
@@ -6950,41 +9315,10 @@
       </p:grpSpPr>
       <p:sp>
         <p:nvSpPr>
-          <p:cNvPr id="703" name="Shape 703"/>
-          <p:cNvSpPr>
-            <a:spLocks noGrp="1"/>
-          </p:cNvSpPr>
-          <p:nvPr>
-            <p:ph type="sldNum" sz="quarter" idx="2"/>
-          </p:nvPr>
-        </p:nvSpPr>
-        <p:spPr>
-          <a:prstGeom prst="rect">
-            <a:avLst/>
-          </a:prstGeom>
-          <a:extLst>
-            <a:ext uri="{C572A759-6A51-4108-AA02-DFA0A04FC94B}">
-              <ma14:wrappingTextBoxFlag xmlns:ma14="http://schemas.microsoft.com/office/mac/drawingml/2011/main" xmlns="" val="1"/>
-            </a:ext>
-          </a:extLst>
-        </p:spPr>
-        <p:txBody>
-          <a:bodyPr/>
-          <a:lstStyle/>
-          <a:p>
-            <a:fld id="{86CB4B4D-7CA3-9044-876B-883B54F8677D}" type="slidenum">
-              <a:t>8</a:t>
-            </a:fld>
-            <a:endParaRPr/>
-          </a:p>
-        </p:txBody>
-      </p:sp>
-      <p:sp>
-        <p:nvSpPr>
-          <p:cNvPr id="4" name="Shape 704">
+          <p:cNvPr id="5" name="Shape 704">
             <a:extLst>
               <a:ext uri="{FF2B5EF4-FFF2-40B4-BE49-F238E27FC236}">
-                <a16:creationId xmlns:a16="http://schemas.microsoft.com/office/drawing/2014/main" id="{DC7E5B4E-2680-0D93-E5B9-D1709528580E}"/>
+                <a16:creationId xmlns:a16="http://schemas.microsoft.com/office/drawing/2014/main" id="{6946D338-165A-A40E-4F42-14C417543ADD}"/>
               </a:ext>
             </a:extLst>
           </p:cNvPr>
@@ -6993,8 +9327,8 @@
         </p:nvSpPr>
         <p:spPr>
           <a:xfrm>
-            <a:off x="7480771" y="687552"/>
-            <a:ext cx="4844275" cy="538609"/>
+            <a:off x="7944840" y="3855409"/>
+            <a:ext cx="4227119" cy="538609"/>
           </a:xfrm>
           <a:prstGeom prst="rect">
             <a:avLst/>
@@ -7004,7 +9338,7 @@
           </a:ln>
           <a:extLst>
             <a:ext uri="{C572A759-6A51-4108-AA02-DFA0A04FC94B}">
-              <ma14:wrappingTextBoxFlag xmlns:ma14="http://schemas.microsoft.com/office/mac/drawingml/2011/main" xmlns="" val="1"/>
+              <ma14:wrappingTextBoxFlag xmlns="" xmlns:ma14="http://schemas.microsoft.com/office/mac/drawingml/2011/main" val="1"/>
             </a:ext>
           </a:extLst>
         </p:spPr>
@@ -7027,17 +9361,17 @@
             </a:pPr>
             <a:r>
               <a:rPr lang="ru-RU" b="1" dirty="0"/>
-              <a:t>Разбираем свой продукт</a:t>
+              <a:t>Анализируем стартап</a:t>
             </a:r>
           </a:p>
         </p:txBody>
       </p:sp>
       <p:sp>
         <p:nvSpPr>
-          <p:cNvPr id="2" name="TextBox 1">
+          <p:cNvPr id="6" name="TextBox 5">
             <a:extLst>
               <a:ext uri="{FF2B5EF4-FFF2-40B4-BE49-F238E27FC236}">
-                <a16:creationId xmlns:a16="http://schemas.microsoft.com/office/drawing/2014/main" id="{D357B1FE-4FAE-2196-B901-368FF2F0707D}"/>
+                <a16:creationId xmlns:a16="http://schemas.microsoft.com/office/drawing/2014/main" id="{9A61D441-5B17-AEA9-C2DB-295615E6C28E}"/>
               </a:ext>
             </a:extLst>
           </p:cNvPr>
@@ -7046,8 +9380,8 @@
         </p:nvSpPr>
         <p:spPr>
           <a:xfrm>
-            <a:off x="793630" y="2225614"/>
-            <a:ext cx="7090913" cy="1877435"/>
+            <a:off x="4463143" y="5147624"/>
+            <a:ext cx="12366172" cy="984883"/>
           </a:xfrm>
           <a:prstGeom prst="rect">
             <a:avLst/>
@@ -7078,7 +9412,7 @@
           </a:bodyPr>
           <a:lstStyle/>
           <a:p>
-            <a:pPr marL="457200" marR="0" indent="-457200" algn="l" defTabSz="1492300" rtl="0" fontAlgn="auto" latinLnBrk="0" hangingPunct="0">
+            <a:pPr marL="0" marR="0" indent="0" algn="l" defTabSz="1492300" rtl="0" fontAlgn="auto" latinLnBrk="0" hangingPunct="0">
               <a:lnSpc>
                 <a:spcPct val="100000"/>
               </a:lnSpc>
@@ -7090,106 +9424,39 @@
               </a:spcAft>
               <a:buClrTx/>
               <a:buSzTx/>
-              <a:buFont typeface="Arial" panose="020B0604020202020204" pitchFamily="34" charset="0"/>
-              <a:buChar char="•"/>
+              <a:buFontTx/>
+              <a:buNone/>
               <a:tabLst/>
             </a:pPr>
             <a:r>
-              <a:rPr kumimoji="0" lang="ru-RU" sz="2900" b="0" i="0" u="none" strike="noStrike" cap="none" spc="0" normalizeH="0" baseline="0" dirty="0">
-                <a:ln>
-                  <a:noFill/>
-                </a:ln>
-                <a:solidFill>
-                  <a:schemeClr val="bg1"/>
-                </a:solidFill>
-                <a:effectLst/>
-                <a:uFillTx/>
-                <a:latin typeface="+mj-lt"/>
-                <a:ea typeface="+mj-ea"/>
-                <a:cs typeface="+mj-cs"/>
-                <a:sym typeface="Calibri"/>
-              </a:rPr>
-              <a:t>Переходим на доску</a:t>
-            </a:r>
-          </a:p>
-          <a:p>
-            <a:pPr marL="457200" marR="0" indent="-457200" algn="l" defTabSz="1492300" rtl="0" fontAlgn="auto" latinLnBrk="0" hangingPunct="0">
-              <a:lnSpc>
-                <a:spcPct val="100000"/>
-              </a:lnSpc>
-              <a:spcBef>
-                <a:spcPts val="0"/>
-              </a:spcBef>
-              <a:spcAft>
-                <a:spcPts val="0"/>
-              </a:spcAft>
-              <a:buClrTx/>
-              <a:buSzTx/>
-              <a:buFont typeface="Arial" panose="020B0604020202020204" pitchFamily="34" charset="0"/>
-              <a:buChar char="•"/>
-              <a:tabLst/>
-            </a:pPr>
-            <a:r>
               <a:rPr lang="ru-RU" dirty="0">
                 <a:solidFill>
                   <a:schemeClr val="bg1"/>
                 </a:solidFill>
               </a:rPr>
-              <a:t>Добавляем свою Канву бизнес модели</a:t>
-            </a:r>
-          </a:p>
-          <a:p>
-            <a:pPr marL="457200" indent="-457200">
-              <a:buFont typeface="Arial" panose="020B0604020202020204" pitchFamily="34" charset="0"/>
-              <a:buChar char="•"/>
-            </a:pPr>
-            <a:r>
-              <a:rPr lang="ru-RU" b="1" i="0" u="none" strike="noStrike" dirty="0">
-                <a:solidFill>
-                  <a:schemeClr val="bg1"/>
-                </a:solidFill>
-                <a:effectLst/>
-                <a:latin typeface="var(--stk-f_family)"/>
-              </a:rPr>
-              <a:t>Отвечаем на вопрос: «Что и для кого мы делаем?»</a:t>
-            </a:r>
+              <a:t>Для того чтобы проанализировать стартап на успешность, оценить риски и определить необходимые ресурсы для его реализации..</a:t>
+            </a:r>
+            <a:endParaRPr kumimoji="0" lang="ru-RU" sz="2900" b="0" i="0" u="none" strike="noStrike" cap="none" spc="0" normalizeH="0" baseline="0" dirty="0">
+              <a:ln>
+                <a:noFill/>
+              </a:ln>
+              <a:solidFill>
+                <a:schemeClr val="bg1"/>
+              </a:solidFill>
+              <a:effectLst/>
+              <a:uFillTx/>
+              <a:latin typeface="+mj-lt"/>
+              <a:ea typeface="+mj-ea"/>
+              <a:cs typeface="+mj-cs"/>
+              <a:sym typeface="Calibri"/>
+            </a:endParaRPr>
           </a:p>
         </p:txBody>
       </p:sp>
-      <p:pic>
-        <p:nvPicPr>
-          <p:cNvPr id="15" name="Рисунок 14">
-            <a:extLst>
-              <a:ext uri="{FF2B5EF4-FFF2-40B4-BE49-F238E27FC236}">
-                <a16:creationId xmlns:a16="http://schemas.microsoft.com/office/drawing/2014/main" id="{99BED703-DEA0-61DF-6FF3-3C28834C9519}"/>
-              </a:ext>
-            </a:extLst>
-          </p:cNvPr>
-          <p:cNvPicPr>
-            <a:picLocks noChangeAspect="1"/>
-          </p:cNvPicPr>
-          <p:nvPr/>
-        </p:nvPicPr>
-        <p:blipFill>
-          <a:blip r:embed="rId3"/>
-          <a:stretch>
-            <a:fillRect/>
-          </a:stretch>
-        </p:blipFill>
-        <p:spPr>
-          <a:xfrm>
-            <a:off x="8032861" y="1945946"/>
-            <a:ext cx="11552326" cy="8339302"/>
-          </a:xfrm>
-          <a:prstGeom prst="rect">
-            <a:avLst/>
-          </a:prstGeom>
-        </p:spPr>
-      </p:pic>
     </p:spTree>
     <p:extLst>
       <p:ext uri="{BB962C8B-B14F-4D97-AF65-F5344CB8AC3E}">
-        <p14:creationId xmlns:p14="http://schemas.microsoft.com/office/powerpoint/2010/main" val="919311911"/>
+        <p14:creationId xmlns:p14="http://schemas.microsoft.com/office/powerpoint/2010/main" val="1665371981"/>
       </p:ext>
     </p:extLst>
   </p:cSld>
@@ -7221,45 +9488,20 @@
       </p:grpSpPr>
       <p:sp>
         <p:nvSpPr>
-          <p:cNvPr id="703" name="Shape 703"/>
-          <p:cNvSpPr>
-            <a:spLocks noGrp="1"/>
-          </p:cNvSpPr>
-          <p:nvPr>
-            <p:ph type="sldNum" sz="quarter" idx="2"/>
-          </p:nvPr>
-        </p:nvSpPr>
-        <p:spPr>
-          <a:prstGeom prst="rect">
-            <a:avLst/>
-          </a:prstGeom>
-          <a:extLst>
-            <a:ext uri="{C572A759-6A51-4108-AA02-DFA0A04FC94B}">
-              <ma14:wrappingTextBoxFlag xmlns:ma14="http://schemas.microsoft.com/office/mac/drawingml/2011/main" xmlns="" val="1"/>
-            </a:ext>
-          </a:extLst>
-        </p:spPr>
-        <p:txBody>
-          <a:bodyPr/>
-          <a:lstStyle/>
-          <a:p>
-            <a:fld id="{86CB4B4D-7CA3-9044-876B-883B54F8677D}" type="slidenum">
-              <a:t>9</a:t>
-            </a:fld>
-            <a:endParaRPr/>
-          </a:p>
-        </p:txBody>
-      </p:sp>
-      <p:sp>
-        <p:nvSpPr>
-          <p:cNvPr id="704" name="Shape 704"/>
+          <p:cNvPr id="5" name="Shape 704">
+            <a:extLst>
+              <a:ext uri="{FF2B5EF4-FFF2-40B4-BE49-F238E27FC236}">
+                <a16:creationId xmlns:a16="http://schemas.microsoft.com/office/drawing/2014/main" id="{6946D338-165A-A40E-4F42-14C417543ADD}"/>
+              </a:ext>
+            </a:extLst>
+          </p:cNvPr>
           <p:cNvSpPr/>
           <p:nvPr/>
         </p:nvSpPr>
         <p:spPr>
           <a:xfrm>
-            <a:off x="9048508" y="4947791"/>
-            <a:ext cx="2019784" cy="538609"/>
+            <a:off x="7944840" y="655009"/>
+            <a:ext cx="4227119" cy="538609"/>
           </a:xfrm>
           <a:prstGeom prst="rect">
             <a:avLst/>
@@ -7269,7 +9511,7 @@
           </a:ln>
           <a:extLst>
             <a:ext uri="{C572A759-6A51-4108-AA02-DFA0A04FC94B}">
-              <ma14:wrappingTextBoxFlag xmlns:ma14="http://schemas.microsoft.com/office/mac/drawingml/2011/main" xmlns="" val="1"/>
+              <ma14:wrappingTextBoxFlag xmlns="" xmlns:ma14="http://schemas.microsoft.com/office/mac/drawingml/2011/main" val="1"/>
             </a:ext>
           </a:extLst>
         </p:spPr>
@@ -7291,17 +9533,278 @@
               </a:defRPr>
             </a:pPr>
             <a:r>
-              <a:rPr lang="en-US" dirty="0"/>
-              <a:t>QA Session</a:t>
-            </a:r>
-            <a:endParaRPr dirty="0"/>
+              <a:rPr lang="ru-RU" b="1" dirty="0"/>
+              <a:t>Анализируем стартап</a:t>
+            </a:r>
+          </a:p>
+        </p:txBody>
+      </p:sp>
+      <p:sp>
+        <p:nvSpPr>
+          <p:cNvPr id="3" name="TextBox 2">
+            <a:extLst>
+              <a:ext uri="{FF2B5EF4-FFF2-40B4-BE49-F238E27FC236}">
+                <a16:creationId xmlns:a16="http://schemas.microsoft.com/office/drawing/2014/main" id="{48805BBE-86F2-AE09-6FD8-9E994068332C}"/>
+              </a:ext>
+            </a:extLst>
+          </p:cNvPr>
+          <p:cNvSpPr txBox="1"/>
+          <p:nvPr/>
+        </p:nvSpPr>
+        <p:spPr>
+          <a:xfrm>
+            <a:off x="1278122" y="2427569"/>
+            <a:ext cx="17858964" cy="6786471"/>
+          </a:xfrm>
+          <a:prstGeom prst="rect">
+            <a:avLst/>
+          </a:prstGeom>
+          <a:noFill/>
+          <a:ln w="12700" cap="flat">
+            <a:noFill/>
+            <a:miter lim="400000"/>
+          </a:ln>
+          <a:effectLst/>
+          <a:sp3d/>
+        </p:spPr>
+        <p:style>
+          <a:lnRef idx="0">
+            <a:scrgbClr r="0" g="0" b="0"/>
+          </a:lnRef>
+          <a:fillRef idx="0">
+            <a:scrgbClr r="0" g="0" b="0"/>
+          </a:fillRef>
+          <a:effectRef idx="0">
+            <a:scrgbClr r="0" g="0" b="0"/>
+          </a:effectRef>
+          <a:fontRef idx="none"/>
+        </p:style>
+        <p:txBody>
+          <a:bodyPr rot="0" spcFirstLastPara="1" vertOverflow="overflow" horzOverflow="overflow" vert="horz" wrap="square" lIns="45719" tIns="45719" rIns="45719" bIns="45719" numCol="1" spcCol="38100" rtlCol="0" anchor="t">
+            <a:spAutoFit/>
+          </a:bodyPr>
+          <a:lstStyle/>
+          <a:p>
+            <a:r>
+              <a:rPr lang="ru-RU" b="1" dirty="0">
+                <a:solidFill>
+                  <a:schemeClr val="bg1"/>
+                </a:solidFill>
+              </a:rPr>
+              <a:t>Вопросы для анализа успешности стартапа:</a:t>
+            </a:r>
+          </a:p>
+          <a:p>
+            <a:endParaRPr lang="ru-RU" b="1" dirty="0">
+              <a:solidFill>
+                <a:schemeClr val="bg1"/>
+              </a:solidFill>
+            </a:endParaRPr>
+          </a:p>
+          <a:p>
+            <a:pPr>
+              <a:buFont typeface="+mj-lt"/>
+              <a:buAutoNum type="arabicPeriod"/>
+            </a:pPr>
+            <a:r>
+              <a:rPr lang="ru-RU" b="1" dirty="0">
+                <a:solidFill>
+                  <a:schemeClr val="bg1"/>
+                </a:solidFill>
+              </a:rPr>
+              <a:t>Какую проблему решает стартап?</a:t>
+            </a:r>
+            <a:endParaRPr lang="ru-RU" dirty="0">
+              <a:solidFill>
+                <a:schemeClr val="bg1"/>
+              </a:solidFill>
+            </a:endParaRPr>
+          </a:p>
+          <a:p>
+            <a:pPr marL="914400" lvl="1" indent="-457200">
+              <a:buFont typeface="Arial" panose="020B0604020202020204" pitchFamily="34" charset="0"/>
+              <a:buChar char="•"/>
+            </a:pPr>
+            <a:r>
+              <a:rPr lang="ru-RU" dirty="0">
+                <a:solidFill>
+                  <a:schemeClr val="bg1"/>
+                </a:solidFill>
+              </a:rPr>
+              <a:t>Насколько значима эта проблема для целевой аудитории? Есть ли альтернатива?</a:t>
+            </a:r>
+          </a:p>
+          <a:p>
+            <a:pPr>
+              <a:buFont typeface="+mj-lt"/>
+              <a:buAutoNum type="arabicPeriod"/>
+            </a:pPr>
+            <a:r>
+              <a:rPr lang="ru-RU" b="1" dirty="0">
+                <a:solidFill>
+                  <a:schemeClr val="bg1"/>
+                </a:solidFill>
+              </a:rPr>
+              <a:t>Кто является целевой аудиторией?</a:t>
+            </a:r>
+            <a:endParaRPr lang="ru-RU" dirty="0">
+              <a:solidFill>
+                <a:schemeClr val="bg1"/>
+              </a:solidFill>
+            </a:endParaRPr>
+          </a:p>
+          <a:p>
+            <a:pPr marL="914400" lvl="1" indent="-457200">
+              <a:buFont typeface="Arial" panose="020B0604020202020204" pitchFamily="34" charset="0"/>
+              <a:buChar char="•"/>
+            </a:pPr>
+            <a:r>
+              <a:rPr lang="ru-RU" dirty="0">
+                <a:solidFill>
+                  <a:schemeClr val="bg1"/>
+                </a:solidFill>
+              </a:rPr>
+              <a:t>Кто ваши клиенты? Насколько велика эта аудитория? Какие у них потребности и боли?</a:t>
+            </a:r>
+          </a:p>
+          <a:p>
+            <a:pPr>
+              <a:buFont typeface="+mj-lt"/>
+              <a:buAutoNum type="arabicPeriod"/>
+            </a:pPr>
+            <a:r>
+              <a:rPr lang="ru-RU" b="1" dirty="0">
+                <a:solidFill>
+                  <a:schemeClr val="bg1"/>
+                </a:solidFill>
+              </a:rPr>
+              <a:t>Какое уникальное торговое предложение (УТП) у стартапа?</a:t>
+            </a:r>
+            <a:endParaRPr lang="ru-RU" dirty="0">
+              <a:solidFill>
+                <a:schemeClr val="bg1"/>
+              </a:solidFill>
+            </a:endParaRPr>
+          </a:p>
+          <a:p>
+            <a:pPr marL="914400" lvl="1" indent="-457200">
+              <a:buFont typeface="Arial" panose="020B0604020202020204" pitchFamily="34" charset="0"/>
+              <a:buChar char="•"/>
+            </a:pPr>
+            <a:r>
+              <a:rPr lang="ru-RU" dirty="0">
+                <a:solidFill>
+                  <a:schemeClr val="bg1"/>
+                </a:solidFill>
+              </a:rPr>
+              <a:t>В чем уникальность вашего продукта по сравнению с конкурентами? Почему клиенты выберут именно вас?</a:t>
+            </a:r>
+          </a:p>
+          <a:p>
+            <a:pPr>
+              <a:buFont typeface="+mj-lt"/>
+              <a:buAutoNum type="arabicPeriod"/>
+            </a:pPr>
+            <a:r>
+              <a:rPr lang="ru-RU" b="1" dirty="0">
+                <a:solidFill>
+                  <a:schemeClr val="bg1"/>
+                </a:solidFill>
+              </a:rPr>
+              <a:t>Есть ли рыночный спрос на ваш продукт или услугу?</a:t>
+            </a:r>
+            <a:endParaRPr lang="ru-RU" dirty="0">
+              <a:solidFill>
+                <a:schemeClr val="bg1"/>
+              </a:solidFill>
+            </a:endParaRPr>
+          </a:p>
+          <a:p>
+            <a:pPr marL="914400" lvl="1" indent="-457200">
+              <a:buFont typeface="Arial" panose="020B0604020202020204" pitchFamily="34" charset="0"/>
+              <a:buChar char="•"/>
+            </a:pPr>
+            <a:r>
+              <a:rPr lang="ru-RU" dirty="0">
+                <a:solidFill>
+                  <a:schemeClr val="bg1"/>
+                </a:solidFill>
+              </a:rPr>
+              <a:t>Как вы проверили наличие спроса? Проводились ли исследования, опросы или тестирование рынка?</a:t>
+            </a:r>
+          </a:p>
+          <a:p>
+            <a:pPr>
+              <a:buFont typeface="+mj-lt"/>
+              <a:buAutoNum type="arabicPeriod"/>
+            </a:pPr>
+            <a:r>
+              <a:rPr lang="ru-RU" b="1" dirty="0">
+                <a:solidFill>
+                  <a:schemeClr val="bg1"/>
+                </a:solidFill>
+              </a:rPr>
+              <a:t>Как стартап собирается зарабатывать деньги?</a:t>
+            </a:r>
+            <a:endParaRPr lang="ru-RU" dirty="0">
+              <a:solidFill>
+                <a:schemeClr val="bg1"/>
+              </a:solidFill>
+            </a:endParaRPr>
+          </a:p>
+          <a:p>
+            <a:pPr marL="914400" lvl="1" indent="-457200">
+              <a:buFont typeface="Arial" panose="020B0604020202020204" pitchFamily="34" charset="0"/>
+              <a:buChar char="•"/>
+            </a:pPr>
+            <a:r>
+              <a:rPr lang="ru-RU" dirty="0">
+                <a:solidFill>
+                  <a:schemeClr val="bg1"/>
+                </a:solidFill>
+              </a:rPr>
+              <a:t>Какова модель монетизации? Это будет продажа продукта, подписка, реклама или что-то другое?</a:t>
+            </a:r>
+          </a:p>
+          <a:p>
+            <a:pPr>
+              <a:buFont typeface="+mj-lt"/>
+              <a:buAutoNum type="arabicPeriod"/>
+            </a:pPr>
+            <a:r>
+              <a:rPr lang="ru-RU" b="1" dirty="0">
+                <a:solidFill>
+                  <a:schemeClr val="bg1"/>
+                </a:solidFill>
+              </a:rPr>
+              <a:t>Какую ценность проект предоставляет клиентам?</a:t>
+            </a:r>
+            <a:endParaRPr lang="ru-RU" dirty="0">
+              <a:solidFill>
+                <a:schemeClr val="bg1"/>
+              </a:solidFill>
+            </a:endParaRPr>
+          </a:p>
+          <a:p>
+            <a:pPr marL="914400" lvl="1" indent="-457200">
+              <a:buFont typeface="Arial" panose="020B0604020202020204" pitchFamily="34" charset="0"/>
+              <a:buChar char="•"/>
+            </a:pPr>
+            <a:r>
+              <a:rPr lang="ru-RU" dirty="0">
+                <a:solidFill>
+                  <a:schemeClr val="bg1"/>
+                </a:solidFill>
+              </a:rPr>
+              <a:t>Как использование вашего продукта улучшает жизнь или бизнес клиента?</a:t>
+            </a:r>
           </a:p>
         </p:txBody>
       </p:sp>
     </p:spTree>
     <p:extLst>
       <p:ext uri="{BB962C8B-B14F-4D97-AF65-F5344CB8AC3E}">
-        <p14:creationId xmlns:p14="http://schemas.microsoft.com/office/powerpoint/2010/main" val="3562253664"/>
+        <p14:creationId xmlns:p14="http://schemas.microsoft.com/office/powerpoint/2010/main" val="2739373664"/>
       </p:ext>
     </p:extLst>
   </p:cSld>

--- a/docs/мой_семинар/2.0 Разбираем продукты.pptx
+++ b/docs/мой_семинар/2.0 Разбираем продукты.pptx
@@ -5,7 +5,7 @@
     <p:sldMasterId id="2147483648" r:id="rId1"/>
   </p:sldMasterIdLst>
   <p:notesMasterIdLst>
-    <p:notesMasterId r:id="rId16"/>
+    <p:notesMasterId r:id="rId18"/>
   </p:notesMasterIdLst>
   <p:sldIdLst>
     <p:sldId id="256" r:id="rId2"/>
@@ -22,6 +22,8 @@
     <p:sldId id="382" r:id="rId13"/>
     <p:sldId id="369" r:id="rId14"/>
     <p:sldId id="373" r:id="rId15"/>
+    <p:sldId id="385" r:id="rId16"/>
+    <p:sldId id="384" r:id="rId17"/>
   </p:sldIdLst>
   <p:sldSz cx="20116800" cy="10972800"/>
   <p:notesSz cx="6858000" cy="9144000"/>
@@ -1206,6 +1208,7 @@
             </a:endParaRPr>
           </a:p>
           <a:p>
+            <a:pPr algn="l" fontAlgn="base" latinLnBrk="0"/>
             <a:r>
               <a:rPr lang="ru-RU" b="0" i="0" dirty="0">
                 <a:solidFill>
@@ -1265,6 +1268,288 @@
                 <a:latin typeface="GraphikLCG-Regular"/>
               </a:rPr>
             </a:br>
+            <a:br>
+              <a:rPr lang="ru-RU" b="0" i="0" dirty="0">
+                <a:solidFill>
+                  <a:srgbClr val="000000"/>
+                </a:solidFill>
+                <a:effectLst/>
+                <a:latin typeface="GraphikLCG-Regular"/>
+              </a:rPr>
+            </a:br>
+            <a:br>
+              <a:rPr lang="ru-RU" b="0" i="0" dirty="0">
+                <a:solidFill>
+                  <a:srgbClr val="000000"/>
+                </a:solidFill>
+                <a:effectLst/>
+                <a:latin typeface="GraphikLCG-Regular"/>
+              </a:rPr>
+            </a:br>
+            <a:r>
+              <a:rPr lang="ru-RU" b="0" i="0" u="none" strike="noStrike" dirty="0">
+                <a:solidFill>
+                  <a:srgbClr val="000000"/>
+                </a:solidFill>
+                <a:effectLst/>
+                <a:latin typeface="var(--stk-f_family)"/>
+              </a:rPr>
+              <a:t>Правая часть шаблона описывает целевую аудиторию, с которой мы работаем. Диаграмма делится на три части: </a:t>
+            </a:r>
+            <a:r>
+              <a:rPr lang="en" b="0" i="0" u="none" strike="noStrike" dirty="0">
+                <a:solidFill>
+                  <a:srgbClr val="000000"/>
+                </a:solidFill>
+                <a:effectLst/>
+                <a:latin typeface="var(--stk-f_family)"/>
+              </a:rPr>
+              <a:t>jobs, pains </a:t>
+            </a:r>
+            <a:r>
+              <a:rPr lang="ru-RU" b="0" i="0" u="none" strike="noStrike" dirty="0">
+                <a:solidFill>
+                  <a:srgbClr val="000000"/>
+                </a:solidFill>
+                <a:effectLst/>
+                <a:latin typeface="var(--stk-f_family)"/>
+              </a:rPr>
+              <a:t>и </a:t>
+            </a:r>
+            <a:r>
+              <a:rPr lang="en" b="0" i="0" u="none" strike="noStrike" dirty="0">
+                <a:solidFill>
+                  <a:srgbClr val="000000"/>
+                </a:solidFill>
+                <a:effectLst/>
+                <a:latin typeface="var(--stk-f_family)"/>
+              </a:rPr>
+              <a:t>gains. </a:t>
+            </a:r>
+            <a:r>
+              <a:rPr lang="ru-RU" b="0" i="0" u="none" strike="noStrike" dirty="0">
+                <a:solidFill>
+                  <a:srgbClr val="000000"/>
+                </a:solidFill>
+                <a:effectLst/>
+                <a:latin typeface="var(--stk-f_family)"/>
+              </a:rPr>
+              <a:t>Это свойства целевой аудитории.</a:t>
+            </a:r>
+          </a:p>
+          <a:p>
+            <a:pPr algn="l" fontAlgn="base" latinLnBrk="0"/>
+            <a:r>
+              <a:rPr lang="ru-RU" b="0" i="0" u="none" strike="noStrike" dirty="0">
+                <a:solidFill>
+                  <a:srgbClr val="000000"/>
+                </a:solidFill>
+                <a:effectLst/>
+                <a:latin typeface="var(--stk-f_family)"/>
+              </a:rPr>
+              <a:t>Например, клиент каждый день ездит на работу в офис — это его </a:t>
+            </a:r>
+            <a:r>
+              <a:rPr lang="en" b="0" i="0" u="none" strike="noStrike" dirty="0">
+                <a:solidFill>
+                  <a:srgbClr val="000000"/>
+                </a:solidFill>
+                <a:effectLst/>
+                <a:latin typeface="var(--stk-f_family)"/>
+              </a:rPr>
+              <a:t>jobs. </a:t>
+            </a:r>
+            <a:r>
+              <a:rPr lang="ru-RU" b="0" i="0" u="none" strike="noStrike" dirty="0">
+                <a:solidFill>
+                  <a:srgbClr val="000000"/>
+                </a:solidFill>
+                <a:effectLst/>
+                <a:latin typeface="var(--stk-f_family)"/>
+              </a:rPr>
+              <a:t>Он едет в метро, где душно и некомфортно. Кроме того, это долго. Но на такси будет безумно дорого, а на своём автомобиле придется стоять в пробках. Это </a:t>
+            </a:r>
+            <a:r>
+              <a:rPr lang="en" b="0" i="0" u="none" strike="noStrike" dirty="0">
+                <a:solidFill>
+                  <a:srgbClr val="000000"/>
+                </a:solidFill>
+                <a:effectLst/>
+                <a:latin typeface="var(--stk-f_family)"/>
+              </a:rPr>
+              <a:t>pains. </a:t>
+            </a:r>
+            <a:r>
+              <a:rPr lang="ru-RU" b="0" i="0" u="none" strike="noStrike" dirty="0">
+                <a:solidFill>
+                  <a:srgbClr val="000000"/>
+                </a:solidFill>
+                <a:effectLst/>
+                <a:latin typeface="var(--stk-f_family)"/>
+              </a:rPr>
+              <a:t>Последний элемент, </a:t>
+            </a:r>
+            <a:r>
+              <a:rPr lang="en" b="0" i="0" u="none" strike="noStrike" dirty="0">
+                <a:solidFill>
+                  <a:srgbClr val="000000"/>
+                </a:solidFill>
+                <a:effectLst/>
+                <a:latin typeface="var(--stk-f_family)"/>
+              </a:rPr>
+              <a:t>gains, — </a:t>
+            </a:r>
+            <a:r>
+              <a:rPr lang="ru-RU" b="0" i="0" u="none" strike="noStrike" dirty="0">
+                <a:solidFill>
+                  <a:srgbClr val="000000"/>
+                </a:solidFill>
+                <a:effectLst/>
+                <a:latin typeface="var(--stk-f_family)"/>
+              </a:rPr>
+              <a:t>это то, чего клиент хотел бы достигнуть. Ему бы хотелось комфортно и недорого добираться до работы.</a:t>
+            </a:r>
+          </a:p>
+          <a:p>
+            <a:pPr algn="l" fontAlgn="base" latinLnBrk="0"/>
+            <a:r>
+              <a:rPr lang="ru-RU" b="0" i="0" u="none" strike="noStrike" dirty="0">
+                <a:solidFill>
+                  <a:srgbClr val="000000"/>
+                </a:solidFill>
+                <a:effectLst/>
+                <a:latin typeface="var(--stk-f_family)"/>
+              </a:rPr>
+              <a:t>Заполнив правую диаграмму, мы идём в левую часть и, как к </a:t>
+            </a:r>
+            <a:r>
+              <a:rPr lang="ru-RU" b="0" i="0" u="none" strike="noStrike" dirty="0" err="1">
+                <a:solidFill>
+                  <a:srgbClr val="000000"/>
+                </a:solidFill>
+                <a:effectLst/>
+                <a:latin typeface="var(--stk-f_family)"/>
+              </a:rPr>
+              <a:t>пазлу</a:t>
+            </a:r>
+            <a:r>
+              <a:rPr lang="ru-RU" b="0" i="0" u="none" strike="noStrike" dirty="0">
+                <a:solidFill>
+                  <a:srgbClr val="000000"/>
+                </a:solidFill>
+                <a:effectLst/>
+                <a:latin typeface="var(--stk-f_family)"/>
+              </a:rPr>
+              <a:t>, добавляем недостающие элементы. Мы придумываем решения к болям и желаниям ЦА, описанным нами ранее. Эти элементы: </a:t>
+            </a:r>
+            <a:r>
+              <a:rPr lang="en" b="0" i="0" u="none" strike="noStrike" dirty="0">
+                <a:solidFill>
+                  <a:srgbClr val="000000"/>
+                </a:solidFill>
+                <a:effectLst/>
+                <a:latin typeface="var(--stk-f_family)"/>
+              </a:rPr>
+              <a:t>pain relievers (</a:t>
+            </a:r>
+            <a:r>
+              <a:rPr lang="ru-RU" b="0" i="0" u="none" strike="noStrike" dirty="0">
+                <a:solidFill>
+                  <a:srgbClr val="000000"/>
+                </a:solidFill>
+                <a:effectLst/>
+                <a:latin typeface="var(--stk-f_family)"/>
+              </a:rPr>
+              <a:t>избавители от боли), </a:t>
+            </a:r>
+            <a:r>
+              <a:rPr lang="en" b="0" i="0" u="none" strike="noStrike" dirty="0">
+                <a:solidFill>
+                  <a:srgbClr val="000000"/>
+                </a:solidFill>
+                <a:effectLst/>
+                <a:latin typeface="var(--stk-f_family)"/>
+              </a:rPr>
+              <a:t>gain creators (</a:t>
+            </a:r>
+            <a:r>
+              <a:rPr lang="ru-RU" b="0" i="0" u="none" strike="noStrike" dirty="0">
+                <a:solidFill>
+                  <a:srgbClr val="000000"/>
+                </a:solidFill>
+                <a:effectLst/>
+                <a:latin typeface="var(--stk-f_family)"/>
+              </a:rPr>
+              <a:t>создатели ценности) и </a:t>
+            </a:r>
+            <a:r>
+              <a:rPr lang="en" b="0" i="0" u="none" strike="noStrike" dirty="0">
+                <a:solidFill>
+                  <a:srgbClr val="000000"/>
+                </a:solidFill>
+                <a:effectLst/>
+                <a:latin typeface="var(--stk-f_family)"/>
+              </a:rPr>
+              <a:t>products and services (</a:t>
+            </a:r>
+            <a:r>
+              <a:rPr lang="ru-RU" b="0" i="0" u="none" strike="noStrike" dirty="0">
+                <a:solidFill>
+                  <a:srgbClr val="000000"/>
+                </a:solidFill>
+                <a:effectLst/>
+                <a:latin typeface="var(--stk-f_family)"/>
+              </a:rPr>
+              <a:t>наши продукты и услуги).</a:t>
+            </a:r>
+          </a:p>
+          <a:p>
+            <a:pPr algn="l" fontAlgn="base" latinLnBrk="0"/>
+            <a:r>
+              <a:rPr lang="ru-RU" b="0" i="0" u="none" strike="noStrike" dirty="0">
+                <a:solidFill>
+                  <a:srgbClr val="000000"/>
+                </a:solidFill>
+                <a:effectLst/>
+                <a:latin typeface="var(--stk-f_family)"/>
+              </a:rPr>
+              <a:t>В нашем примере продуктом будет </a:t>
+            </a:r>
+            <a:r>
+              <a:rPr lang="ru-RU" b="0" i="0" u="none" strike="noStrike" dirty="0" err="1">
+                <a:solidFill>
+                  <a:srgbClr val="000000"/>
+                </a:solidFill>
+                <a:effectLst/>
+                <a:latin typeface="var(--stk-f_family)"/>
+              </a:rPr>
+              <a:t>электросамокат</a:t>
+            </a:r>
+            <a:r>
+              <a:rPr lang="ru-RU" b="0" i="0" u="none" strike="noStrike" dirty="0">
+                <a:solidFill>
+                  <a:srgbClr val="000000"/>
+                </a:solidFill>
+                <a:effectLst/>
+                <a:latin typeface="var(--stk-f_family)"/>
+              </a:rPr>
+              <a:t>. Он позволяет добраться до работы недорого, комфортно и не меняя свежий воздух на душное метро.</a:t>
+            </a:r>
+          </a:p>
+          <a:p>
+            <a:pPr algn="l" fontAlgn="base" latinLnBrk="0"/>
+            <a:r>
+              <a:rPr lang="ru-RU" b="0" i="0" u="none" strike="noStrike" dirty="0">
+                <a:solidFill>
+                  <a:srgbClr val="000000"/>
+                </a:solidFill>
+                <a:effectLst/>
+                <a:latin typeface="var(--stk-f_family)"/>
+              </a:rPr>
+              <a:t>Следуйте принципу: продукт может быть или лекарством, или витаминами. Лекарства избавляют от болезни и боли сейчас, витамины защищают от проблем в будущем.</a:t>
+            </a:r>
+          </a:p>
+          <a:p>
             <a:endParaRPr lang="ru-RU" dirty="0"/>
           </a:p>
         </p:txBody>
@@ -1348,6 +1633,72 @@
 </p:notes>
 </file>
 
+<file path=ppt/notesSlides/notesSlide15.xml><?xml version="1.0" encoding="utf-8"?>
+<p:notes xmlns:a="http://schemas.openxmlformats.org/drawingml/2006/main" xmlns:r="http://schemas.openxmlformats.org/officeDocument/2006/relationships" xmlns:p="http://schemas.openxmlformats.org/presentationml/2006/main">
+  <p:cSld>
+    <p:spTree>
+      <p:nvGrpSpPr>
+        <p:cNvPr id="1" name=""/>
+        <p:cNvGrpSpPr/>
+        <p:nvPr/>
+      </p:nvGrpSpPr>
+      <p:grpSpPr>
+        <a:xfrm>
+          <a:off x="0" y="0"/>
+          <a:ext cx="0" cy="0"/>
+          <a:chOff x="0" y="0"/>
+          <a:chExt cx="0" cy="0"/>
+        </a:xfrm>
+      </p:grpSpPr>
+      <p:sp>
+        <p:nvSpPr>
+          <p:cNvPr id="2" name="Образ слайда 1"/>
+          <p:cNvSpPr>
+            <a:spLocks noGrp="1" noRot="1" noChangeAspect="1"/>
+          </p:cNvSpPr>
+          <p:nvPr>
+            <p:ph type="sldImg"/>
+          </p:nvPr>
+        </p:nvSpPr>
+        <p:spPr>
+          <a:xfrm>
+            <a:off x="285750" y="685800"/>
+            <a:ext cx="6286500" cy="3429000"/>
+          </a:xfrm>
+        </p:spPr>
+      </p:sp>
+      <p:sp>
+        <p:nvSpPr>
+          <p:cNvPr id="3" name="Заметки 2"/>
+          <p:cNvSpPr>
+            <a:spLocks noGrp="1"/>
+          </p:cNvSpPr>
+          <p:nvPr>
+            <p:ph type="body" idx="1"/>
+          </p:nvPr>
+        </p:nvSpPr>
+        <p:spPr/>
+        <p:txBody>
+          <a:bodyPr/>
+          <a:lstStyle/>
+          <a:p>
+            <a:endParaRPr lang="ru-RU"/>
+          </a:p>
+        </p:txBody>
+      </p:sp>
+    </p:spTree>
+    <p:extLst>
+      <p:ext uri="{BB962C8B-B14F-4D97-AF65-F5344CB8AC3E}">
+        <p14:creationId xmlns:p14="http://schemas.microsoft.com/office/powerpoint/2010/main" val="2302495860"/>
+      </p:ext>
+    </p:extLst>
+  </p:cSld>
+  <p:clrMapOvr>
+    <a:masterClrMapping/>
+  </p:clrMapOvr>
+</p:notes>
+</file>
+
 <file path=ppt/notesSlides/notesSlide2.xml><?xml version="1.0" encoding="utf-8"?>
 <p:notes xmlns:a="http://schemas.openxmlformats.org/drawingml/2006/main" xmlns:r="http://schemas.openxmlformats.org/officeDocument/2006/relationships" xmlns:p="http://schemas.openxmlformats.org/presentationml/2006/main">
   <p:cSld>
@@ -2438,7 +2789,7 @@
           </a:ln>
           <a:extLst>
             <a:ext uri="{C572A759-6A51-4108-AA02-DFA0A04FC94B}">
-              <ma14:wrappingTextBoxFlag xmlns="" xmlns:ma14="http://schemas.microsoft.com/office/mac/drawingml/2011/main" val="1"/>
+              <ma14:wrappingTextBoxFlag xmlns:ma14="http://schemas.microsoft.com/office/mac/drawingml/2011/main" xmlns="" val="1"/>
             </a:ext>
           </a:extLst>
         </p:spPr>
@@ -2588,7 +2939,7 @@
           </a:ln>
           <a:extLst>
             <a:ext uri="{C572A759-6A51-4108-AA02-DFA0A04FC94B}">
-              <ma14:wrappingTextBoxFlag xmlns="" xmlns:ma14="http://schemas.microsoft.com/office/mac/drawingml/2011/main" val="1"/>
+              <ma14:wrappingTextBoxFlag xmlns:ma14="http://schemas.microsoft.com/office/mac/drawingml/2011/main" xmlns="" val="1"/>
             </a:ext>
           </a:extLst>
         </p:spPr>
@@ -2717,7 +3068,7 @@
           </a:ln>
           <a:extLst>
             <a:ext uri="{C572A759-6A51-4108-AA02-DFA0A04FC94B}">
-              <ma14:wrappingTextBoxFlag xmlns="" xmlns:ma14="http://schemas.microsoft.com/office/mac/drawingml/2011/main" val="1"/>
+              <ma14:wrappingTextBoxFlag xmlns:ma14="http://schemas.microsoft.com/office/mac/drawingml/2011/main" xmlns="" val="1"/>
             </a:ext>
           </a:extLst>
         </p:spPr>
@@ -2830,7 +3181,7 @@
           </a:ln>
           <a:extLst>
             <a:ext uri="{C572A759-6A51-4108-AA02-DFA0A04FC94B}">
-              <ma14:wrappingTextBoxFlag xmlns="" xmlns:ma14="http://schemas.microsoft.com/office/mac/drawingml/2011/main" val="1"/>
+              <ma14:wrappingTextBoxFlag xmlns:ma14="http://schemas.microsoft.com/office/mac/drawingml/2011/main" xmlns="" val="1"/>
             </a:ext>
           </a:extLst>
         </p:spPr>
@@ -2980,7 +3331,7 @@
           </a:ln>
           <a:extLst>
             <a:ext uri="{C572A759-6A51-4108-AA02-DFA0A04FC94B}">
-              <ma14:wrappingTextBoxFlag xmlns="" xmlns:ma14="http://schemas.microsoft.com/office/mac/drawingml/2011/main" val="1"/>
+              <ma14:wrappingTextBoxFlag xmlns:ma14="http://schemas.microsoft.com/office/mac/drawingml/2011/main" xmlns="" val="1"/>
             </a:ext>
           </a:extLst>
         </p:spPr>
@@ -3130,7 +3481,7 @@
           </a:ln>
           <a:extLst>
             <a:ext uri="{C572A759-6A51-4108-AA02-DFA0A04FC94B}">
-              <ma14:wrappingTextBoxFlag xmlns="" xmlns:ma14="http://schemas.microsoft.com/office/mac/drawingml/2011/main" val="1"/>
+              <ma14:wrappingTextBoxFlag xmlns:ma14="http://schemas.microsoft.com/office/mac/drawingml/2011/main" xmlns="" val="1"/>
             </a:ext>
           </a:extLst>
         </p:spPr>
@@ -3280,7 +3631,7 @@
           </a:ln>
           <a:extLst>
             <a:ext uri="{C572A759-6A51-4108-AA02-DFA0A04FC94B}">
-              <ma14:wrappingTextBoxFlag xmlns="" xmlns:ma14="http://schemas.microsoft.com/office/mac/drawingml/2011/main" val="1"/>
+              <ma14:wrappingTextBoxFlag xmlns:ma14="http://schemas.microsoft.com/office/mac/drawingml/2011/main" xmlns="" val="1"/>
             </a:ext>
           </a:extLst>
         </p:spPr>
@@ -4324,7 +4675,7 @@
           </a:prstGeom>
           <a:extLst>
             <a:ext uri="{C572A759-6A51-4108-AA02-DFA0A04FC94B}">
-              <ma14:wrappingTextBoxFlag xmlns="" xmlns:ma14="http://schemas.microsoft.com/office/mac/drawingml/2011/main" val="1"/>
+              <ma14:wrappingTextBoxFlag xmlns:ma14="http://schemas.microsoft.com/office/mac/drawingml/2011/main" xmlns="" val="1"/>
             </a:ext>
           </a:extLst>
         </p:spPr>
@@ -4435,7 +4786,7 @@
           </a:ln>
           <a:extLst>
             <a:ext uri="{C572A759-6A51-4108-AA02-DFA0A04FC94B}">
-              <ma14:wrappingTextBoxFlag xmlns="" xmlns:ma14="http://schemas.microsoft.com/office/mac/drawingml/2011/main" val="1"/>
+              <ma14:wrappingTextBoxFlag xmlns:ma14="http://schemas.microsoft.com/office/mac/drawingml/2011/main" xmlns="" val="1"/>
             </a:ext>
           </a:extLst>
         </p:spPr>
@@ -4745,7 +5096,7 @@
           </a:ln>
           <a:extLst>
             <a:ext uri="{C572A759-6A51-4108-AA02-DFA0A04FC94B}">
-              <ma14:wrappingTextBoxFlag xmlns="" xmlns:ma14="http://schemas.microsoft.com/office/mac/drawingml/2011/main" val="1"/>
+              <ma14:wrappingTextBoxFlag xmlns:ma14="http://schemas.microsoft.com/office/mac/drawingml/2011/main" xmlns="" val="1"/>
             </a:ext>
           </a:extLst>
         </p:spPr>
@@ -5096,7 +5447,7 @@
           </a:ln>
           <a:extLst>
             <a:ext uri="{C572A759-6A51-4108-AA02-DFA0A04FC94B}">
-              <ma14:wrappingTextBoxFlag xmlns="" xmlns:ma14="http://schemas.microsoft.com/office/mac/drawingml/2011/main" val="1"/>
+              <ma14:wrappingTextBoxFlag xmlns:ma14="http://schemas.microsoft.com/office/mac/drawingml/2011/main" xmlns="" val="1"/>
             </a:ext>
           </a:extLst>
         </p:spPr>
@@ -5565,7 +5916,7 @@
           </a:ln>
           <a:extLst>
             <a:ext uri="{C572A759-6A51-4108-AA02-DFA0A04FC94B}">
-              <ma14:wrappingTextBoxFlag xmlns="" xmlns:ma14="http://schemas.microsoft.com/office/mac/drawingml/2011/main" val="1"/>
+              <ma14:wrappingTextBoxFlag xmlns:ma14="http://schemas.microsoft.com/office/mac/drawingml/2011/main" xmlns="" val="1"/>
             </a:ext>
           </a:extLst>
         </p:spPr>
@@ -5802,7 +6153,7 @@
           </a:prstGeom>
           <a:extLst>
             <a:ext uri="{C572A759-6A51-4108-AA02-DFA0A04FC94B}">
-              <ma14:wrappingTextBoxFlag xmlns="" xmlns:ma14="http://schemas.microsoft.com/office/mac/drawingml/2011/main" val="1"/>
+              <ma14:wrappingTextBoxFlag xmlns:ma14="http://schemas.microsoft.com/office/mac/drawingml/2011/main" xmlns="" val="1"/>
             </a:ext>
           </a:extLst>
         </p:spPr>
@@ -5842,7 +6193,7 @@
           </a:ln>
           <a:extLst>
             <a:ext uri="{C572A759-6A51-4108-AA02-DFA0A04FC94B}">
-              <ma14:wrappingTextBoxFlag xmlns="" xmlns:ma14="http://schemas.microsoft.com/office/mac/drawingml/2011/main" val="1"/>
+              <ma14:wrappingTextBoxFlag xmlns:ma14="http://schemas.microsoft.com/office/mac/drawingml/2011/main" xmlns="" val="1"/>
             </a:ext>
           </a:extLst>
         </p:spPr>
@@ -6162,7 +6513,7 @@
           </a:prstGeom>
           <a:extLst>
             <a:ext uri="{C572A759-6A51-4108-AA02-DFA0A04FC94B}">
-              <ma14:wrappingTextBoxFlag xmlns="" xmlns:ma14="http://schemas.microsoft.com/office/mac/drawingml/2011/main" val="1"/>
+              <ma14:wrappingTextBoxFlag xmlns:ma14="http://schemas.microsoft.com/office/mac/drawingml/2011/main" xmlns="" val="1"/>
             </a:ext>
           </a:extLst>
         </p:spPr>
@@ -6172,6 +6523,534 @@
           <a:p>
             <a:fld id="{86CB4B4D-7CA3-9044-876B-883B54F8677D}" type="slidenum">
               <a:t>14</a:t>
+            </a:fld>
+            <a:endParaRPr/>
+          </a:p>
+        </p:txBody>
+      </p:sp>
+      <p:sp>
+        <p:nvSpPr>
+          <p:cNvPr id="704" name="Shape 704"/>
+          <p:cNvSpPr/>
+          <p:nvPr/>
+        </p:nvSpPr>
+        <p:spPr>
+          <a:xfrm>
+            <a:off x="1616079" y="2439053"/>
+            <a:ext cx="16038876" cy="2231380"/>
+          </a:xfrm>
+          <a:prstGeom prst="rect">
+            <a:avLst/>
+          </a:prstGeom>
+          <a:ln w="12700">
+            <a:miter lim="400000"/>
+          </a:ln>
+          <a:extLst>
+            <a:ext uri="{C572A759-6A51-4108-AA02-DFA0A04FC94B}">
+              <ma14:wrappingTextBoxFlag xmlns:ma14="http://schemas.microsoft.com/office/mac/drawingml/2011/main" xmlns="" val="1"/>
+            </a:ext>
+          </a:extLst>
+        </p:spPr>
+        <p:txBody>
+          <a:bodyPr wrap="square" lIns="0" tIns="0" rIns="0" bIns="0">
+            <a:spAutoFit/>
+          </a:bodyPr>
+          <a:lstStyle/>
+          <a:p>
+            <a:pPr algn="l" fontAlgn="base" latinLnBrk="0"/>
+            <a:r>
+              <a:rPr lang="ru-RU" b="1" i="0" u="none" strike="noStrike" dirty="0">
+                <a:solidFill>
+                  <a:schemeClr val="bg1"/>
+                </a:solidFill>
+                <a:effectLst/>
+                <a:latin typeface="var(--stk-f_family)"/>
+              </a:rPr>
+              <a:t>Как оценивать бизнес-модель?</a:t>
+            </a:r>
+          </a:p>
+          <a:p>
+            <a:pPr algn="l" fontAlgn="base" latinLnBrk="0"/>
+            <a:endParaRPr lang="ru-RU" b="1" dirty="0">
+              <a:solidFill>
+                <a:schemeClr val="bg1"/>
+              </a:solidFill>
+              <a:latin typeface="var(--stk-f_family)"/>
+            </a:endParaRPr>
+          </a:p>
+          <a:p>
+            <a:pPr algn="l" fontAlgn="base" latinLnBrk="0"/>
+            <a:endParaRPr lang="ru-RU" b="1" i="0" u="none" strike="noStrike" dirty="0">
+              <a:solidFill>
+                <a:schemeClr val="bg1"/>
+              </a:solidFill>
+              <a:effectLst/>
+              <a:latin typeface="var(--stk-f_family)"/>
+            </a:endParaRPr>
+          </a:p>
+          <a:p>
+            <a:pPr algn="l" fontAlgn="base" latinLnBrk="0"/>
+            <a:r>
+              <a:rPr lang="ru-RU" b="0" i="0" u="none" strike="noStrike" dirty="0">
+                <a:solidFill>
+                  <a:schemeClr val="bg1"/>
+                </a:solidFill>
+                <a:effectLst/>
+                <a:latin typeface="var(--stk-f_family)"/>
+              </a:rPr>
+              <a:t>Вы составили бизнес-модель, заполнили несколько вариантов </a:t>
+            </a:r>
+            <a:r>
+              <a:rPr lang="en" b="0" i="0" u="none" strike="noStrike" dirty="0">
+                <a:solidFill>
+                  <a:schemeClr val="bg1"/>
+                </a:solidFill>
+                <a:effectLst/>
+                <a:latin typeface="var(--stk-f_family)"/>
+              </a:rPr>
+              <a:t>Business Model Canvas. </a:t>
+            </a:r>
+            <a:r>
+              <a:rPr lang="ru-RU" b="0" i="0" u="none" strike="noStrike" dirty="0">
+                <a:solidFill>
+                  <a:schemeClr val="bg1"/>
+                </a:solidFill>
+                <a:effectLst/>
+                <a:latin typeface="var(--stk-f_family)"/>
+              </a:rPr>
+              <a:t>Теперь нужно оценить, насколько они сильные и жизнеспособные. Для этого есть семь вопросов.</a:t>
+            </a:r>
+          </a:p>
+        </p:txBody>
+      </p:sp>
+    </p:spTree>
+    <p:extLst>
+      <p:ext uri="{BB962C8B-B14F-4D97-AF65-F5344CB8AC3E}">
+        <p14:creationId xmlns:p14="http://schemas.microsoft.com/office/powerpoint/2010/main" val="3562253664"/>
+      </p:ext>
+    </p:extLst>
+  </p:cSld>
+  <p:clrMapOvr>
+    <a:masterClrMapping/>
+  </p:clrMapOvr>
+  <p:transition spd="slow">
+    <p:cover/>
+  </p:transition>
+</p:sld>
+</file>
+
+<file path=ppt/slides/slide15.xml><?xml version="1.0" encoding="utf-8"?>
+<p:sld xmlns:a="http://schemas.openxmlformats.org/drawingml/2006/main" xmlns:r="http://schemas.openxmlformats.org/officeDocument/2006/relationships" xmlns:p="http://schemas.openxmlformats.org/presentationml/2006/main">
+  <p:cSld>
+    <p:spTree>
+      <p:nvGrpSpPr>
+        <p:cNvPr id="1" name=""/>
+        <p:cNvGrpSpPr/>
+        <p:nvPr/>
+      </p:nvGrpSpPr>
+      <p:grpSpPr>
+        <a:xfrm>
+          <a:off x="0" y="0"/>
+          <a:ext cx="0" cy="0"/>
+          <a:chOff x="0" y="0"/>
+          <a:chExt cx="0" cy="0"/>
+        </a:xfrm>
+      </p:grpSpPr>
+      <p:sp>
+        <p:nvSpPr>
+          <p:cNvPr id="2" name="TextBox 1">
+            <a:extLst>
+              <a:ext uri="{FF2B5EF4-FFF2-40B4-BE49-F238E27FC236}">
+                <a16:creationId xmlns:a16="http://schemas.microsoft.com/office/drawing/2014/main" id="{13E04118-C93B-AB31-0DA8-399D6DDEC1A6}"/>
+              </a:ext>
+            </a:extLst>
+          </p:cNvPr>
+          <p:cNvSpPr txBox="1"/>
+          <p:nvPr/>
+        </p:nvSpPr>
+        <p:spPr>
+          <a:xfrm>
+            <a:off x="1805353" y="531198"/>
+            <a:ext cx="17256370" cy="9910403"/>
+          </a:xfrm>
+          <a:prstGeom prst="rect">
+            <a:avLst/>
+          </a:prstGeom>
+          <a:noFill/>
+          <a:ln w="12700" cap="flat">
+            <a:noFill/>
+            <a:miter lim="400000"/>
+          </a:ln>
+          <a:effectLst/>
+          <a:sp3d/>
+        </p:spPr>
+        <p:style>
+          <a:lnRef idx="0">
+            <a:scrgbClr r="0" g="0" b="0"/>
+          </a:lnRef>
+          <a:fillRef idx="0">
+            <a:scrgbClr r="0" g="0" b="0"/>
+          </a:fillRef>
+          <a:effectRef idx="0">
+            <a:scrgbClr r="0" g="0" b="0"/>
+          </a:effectRef>
+          <a:fontRef idx="none"/>
+        </p:style>
+        <p:txBody>
+          <a:bodyPr rot="0" spcFirstLastPara="1" vertOverflow="overflow" horzOverflow="overflow" vert="horz" wrap="square" lIns="45719" tIns="45719" rIns="45719" bIns="45719" numCol="1" spcCol="38100" rtlCol="0" anchor="t">
+            <a:spAutoFit/>
+          </a:bodyPr>
+          <a:lstStyle/>
+          <a:p>
+            <a:pPr algn="l" fontAlgn="base" latinLnBrk="0"/>
+            <a:r>
+              <a:rPr lang="ru-RU" b="1" i="0" u="none" strike="noStrike" dirty="0">
+                <a:solidFill>
+                  <a:schemeClr val="bg1"/>
+                </a:solidFill>
+                <a:effectLst/>
+                <a:latin typeface="var(--stk-f--b_family)"/>
+              </a:rPr>
+              <a:t>Стоимость переключения</a:t>
+            </a:r>
+            <a:endParaRPr lang="ru-RU" b="0" i="0" u="none" strike="noStrike" dirty="0">
+              <a:solidFill>
+                <a:schemeClr val="bg1"/>
+              </a:solidFill>
+              <a:effectLst/>
+              <a:latin typeface="var(--stk-f_family)"/>
+            </a:endParaRPr>
+          </a:p>
+          <a:p>
+            <a:pPr algn="l" fontAlgn="base" latinLnBrk="0"/>
+            <a:r>
+              <a:rPr lang="ru-RU" b="0" i="0" u="none" strike="noStrike" dirty="0">
+                <a:solidFill>
+                  <a:schemeClr val="bg1"/>
+                </a:solidFill>
+                <a:effectLst/>
+                <a:latin typeface="var(--stk-f_family)"/>
+              </a:rPr>
+              <a:t>Насколько сложно потребителям «уйти» к другой компании?</a:t>
+            </a:r>
+          </a:p>
+          <a:p>
+            <a:pPr algn="l" fontAlgn="base" latinLnBrk="0"/>
+            <a:endParaRPr lang="ru-RU" b="0" i="0" u="none" strike="noStrike" dirty="0">
+              <a:solidFill>
+                <a:schemeClr val="bg1"/>
+              </a:solidFill>
+              <a:effectLst/>
+              <a:latin typeface="var(--stk-f_family)"/>
+            </a:endParaRPr>
+          </a:p>
+          <a:p>
+            <a:pPr algn="l" fontAlgn="base" latinLnBrk="0"/>
+            <a:r>
+              <a:rPr lang="ru-RU" b="1" i="0" u="none" strike="noStrike" dirty="0">
+                <a:solidFill>
+                  <a:schemeClr val="bg1"/>
+                </a:solidFill>
+                <a:effectLst/>
+                <a:latin typeface="var(--stk-f--b_family)"/>
+              </a:rPr>
+              <a:t>Регулярный доход</a:t>
+            </a:r>
+            <a:endParaRPr lang="ru-RU" b="0" i="0" u="none" strike="noStrike" dirty="0">
+              <a:solidFill>
+                <a:schemeClr val="bg1"/>
+              </a:solidFill>
+              <a:effectLst/>
+              <a:latin typeface="var(--stk-f_family)"/>
+            </a:endParaRPr>
+          </a:p>
+          <a:p>
+            <a:pPr algn="l" fontAlgn="base" latinLnBrk="0"/>
+            <a:r>
+              <a:rPr lang="ru-RU" b="0" i="0" u="none" strike="noStrike" dirty="0">
+                <a:solidFill>
+                  <a:schemeClr val="bg1"/>
+                </a:solidFill>
+                <a:effectLst/>
+                <a:latin typeface="var(--stk-f_family)"/>
+              </a:rPr>
+              <a:t>Требует ли каждая продажа новых усилий или после первой сделки есть гарантия последующих доходов?</a:t>
+            </a:r>
+          </a:p>
+          <a:p>
+            <a:pPr algn="l" fontAlgn="base" latinLnBrk="0"/>
+            <a:endParaRPr lang="ru-RU" b="0" i="0" u="none" strike="noStrike" dirty="0">
+              <a:solidFill>
+                <a:schemeClr val="bg1"/>
+              </a:solidFill>
+              <a:effectLst/>
+              <a:latin typeface="var(--stk-f_family)"/>
+            </a:endParaRPr>
+          </a:p>
+          <a:p>
+            <a:pPr algn="l" fontAlgn="base" latinLnBrk="0"/>
+            <a:r>
+              <a:rPr lang="ru-RU" b="1" i="0" u="none" strike="noStrike" dirty="0">
+                <a:solidFill>
+                  <a:schemeClr val="bg1"/>
+                </a:solidFill>
+                <a:effectLst/>
+                <a:latin typeface="var(--stk-f--b_family)"/>
+              </a:rPr>
+              <a:t>Доходы и издержки</a:t>
+            </a:r>
+            <a:endParaRPr lang="ru-RU" b="0" i="0" u="none" strike="noStrike" dirty="0">
+              <a:solidFill>
+                <a:schemeClr val="bg1"/>
+              </a:solidFill>
+              <a:effectLst/>
+              <a:latin typeface="var(--stk-f_family)"/>
+            </a:endParaRPr>
+          </a:p>
+          <a:p>
+            <a:pPr algn="l" fontAlgn="base" latinLnBrk="0"/>
+            <a:r>
+              <a:rPr lang="ru-RU" b="0" i="0" u="none" strike="noStrike" dirty="0">
+                <a:solidFill>
+                  <a:schemeClr val="bg1"/>
+                </a:solidFill>
+                <a:effectLst/>
+                <a:latin typeface="var(--stk-f_family)"/>
+              </a:rPr>
+              <a:t>Вы получаете доход до или после того, как возникают издержки?</a:t>
+            </a:r>
+          </a:p>
+          <a:p>
+            <a:pPr algn="l" fontAlgn="base" latinLnBrk="0"/>
+            <a:endParaRPr lang="ru-RU" b="0" i="0" u="none" strike="noStrike" dirty="0">
+              <a:solidFill>
+                <a:schemeClr val="bg1"/>
+              </a:solidFill>
+              <a:effectLst/>
+              <a:latin typeface="var(--stk-f_family)"/>
+            </a:endParaRPr>
+          </a:p>
+          <a:p>
+            <a:pPr algn="l" fontAlgn="base" latinLnBrk="0"/>
+            <a:r>
+              <a:rPr lang="ru-RU" b="1" i="0" u="none" strike="noStrike" dirty="0">
+                <a:solidFill>
+                  <a:schemeClr val="bg1"/>
+                </a:solidFill>
+                <a:effectLst/>
+                <a:latin typeface="var(--stk-f--b_family)"/>
+              </a:rPr>
+              <a:t>Революционная структура издержек</a:t>
+            </a:r>
+            <a:endParaRPr lang="ru-RU" b="0" i="0" u="none" strike="noStrike" dirty="0">
+              <a:solidFill>
+                <a:schemeClr val="bg1"/>
+              </a:solidFill>
+              <a:effectLst/>
+              <a:latin typeface="var(--stk-f_family)"/>
+            </a:endParaRPr>
+          </a:p>
+          <a:p>
+            <a:pPr algn="l" fontAlgn="base" latinLnBrk="0"/>
+            <a:r>
+              <a:rPr lang="ru-RU" b="0" i="0" u="none" strike="noStrike" dirty="0">
+                <a:solidFill>
+                  <a:schemeClr val="bg1"/>
+                </a:solidFill>
+                <a:effectLst/>
+                <a:latin typeface="var(--stk-f_family)"/>
+              </a:rPr>
+              <a:t>Ваша модель издержек лучше, чем у конкурентов?</a:t>
+            </a:r>
+          </a:p>
+          <a:p>
+            <a:pPr algn="l" fontAlgn="base" latinLnBrk="0"/>
+            <a:endParaRPr lang="ru-RU" b="0" i="0" u="none" strike="noStrike" dirty="0">
+              <a:solidFill>
+                <a:schemeClr val="bg1"/>
+              </a:solidFill>
+              <a:effectLst/>
+              <a:latin typeface="var(--stk-f_family)"/>
+            </a:endParaRPr>
+          </a:p>
+          <a:p>
+            <a:pPr algn="l" fontAlgn="base" latinLnBrk="0"/>
+            <a:r>
+              <a:rPr lang="ru-RU" b="1" i="0" u="none" strike="noStrike" dirty="0">
+                <a:solidFill>
+                  <a:schemeClr val="bg1"/>
+                </a:solidFill>
+                <a:effectLst/>
+                <a:latin typeface="var(--stk-f--b_family)"/>
+              </a:rPr>
+              <a:t>Перекладывание работы на другие стороны</a:t>
+            </a:r>
+            <a:endParaRPr lang="ru-RU" b="0" i="0" u="none" strike="noStrike" dirty="0">
+              <a:solidFill>
+                <a:schemeClr val="bg1"/>
+              </a:solidFill>
+              <a:effectLst/>
+              <a:latin typeface="var(--stk-f_family)"/>
+            </a:endParaRPr>
+          </a:p>
+          <a:p>
+            <a:pPr algn="l" fontAlgn="base" latinLnBrk="0"/>
+            <a:r>
+              <a:rPr lang="ru-RU" b="0" i="0" u="none" strike="noStrike" dirty="0">
+                <a:solidFill>
+                  <a:schemeClr val="bg1"/>
+                </a:solidFill>
+                <a:effectLst/>
+                <a:latin typeface="var(--stk-f_family)"/>
+              </a:rPr>
+              <a:t>Позволяет ли ваша бизнес-модель потребителям и третьим сторонам бесплатно создавать ценность для вашей компании?</a:t>
+            </a:r>
+          </a:p>
+          <a:p>
+            <a:pPr algn="l" fontAlgn="base" latinLnBrk="0"/>
+            <a:endParaRPr lang="ru-RU" b="0" i="0" u="none" strike="noStrike" dirty="0">
+              <a:solidFill>
+                <a:schemeClr val="bg1"/>
+              </a:solidFill>
+              <a:effectLst/>
+              <a:latin typeface="var(--stk-f_family)"/>
+            </a:endParaRPr>
+          </a:p>
+          <a:p>
+            <a:pPr algn="l" fontAlgn="base" latinLnBrk="0"/>
+            <a:r>
+              <a:rPr lang="ru-RU" b="1" i="0" u="none" strike="noStrike" dirty="0">
+                <a:solidFill>
+                  <a:schemeClr val="bg1"/>
+                </a:solidFill>
+                <a:effectLst/>
+                <a:latin typeface="var(--stk-f--b_family)"/>
+              </a:rPr>
+              <a:t>Масштабируемость</a:t>
+            </a:r>
+            <a:endParaRPr lang="ru-RU" b="0" i="0" u="none" strike="noStrike" dirty="0">
+              <a:solidFill>
+                <a:schemeClr val="bg1"/>
+              </a:solidFill>
+              <a:effectLst/>
+              <a:latin typeface="var(--stk-f_family)"/>
+            </a:endParaRPr>
+          </a:p>
+          <a:p>
+            <a:pPr algn="l" fontAlgn="base" latinLnBrk="0"/>
+            <a:r>
+              <a:rPr lang="ru-RU" b="0" i="0" u="none" strike="noStrike" dirty="0">
+                <a:solidFill>
+                  <a:schemeClr val="bg1"/>
+                </a:solidFill>
+                <a:effectLst/>
+                <a:latin typeface="var(--stk-f_family)"/>
+              </a:rPr>
+              <a:t>Можете ли вы расти, не сталкиваясь с препятствиями — например, связанными с инфраструктурой, поддержкой потребителей, наймом персонала?</a:t>
+            </a:r>
+          </a:p>
+          <a:p>
+            <a:pPr algn="l" fontAlgn="base" latinLnBrk="0"/>
+            <a:endParaRPr lang="ru-RU" b="0" i="0" u="none" strike="noStrike" dirty="0">
+              <a:solidFill>
+                <a:schemeClr val="bg1"/>
+              </a:solidFill>
+              <a:effectLst/>
+              <a:latin typeface="var(--stk-f_family)"/>
+            </a:endParaRPr>
+          </a:p>
+          <a:p>
+            <a:pPr algn="l" fontAlgn="base" latinLnBrk="0"/>
+            <a:r>
+              <a:rPr lang="ru-RU" b="1" i="0" u="none" strike="noStrike" dirty="0">
+                <a:solidFill>
+                  <a:schemeClr val="bg1"/>
+                </a:solidFill>
+                <a:effectLst/>
+                <a:latin typeface="var(--stk-f--b_family)"/>
+              </a:rPr>
+              <a:t>Защищённость от конкуренции</a:t>
+            </a:r>
+            <a:endParaRPr lang="ru-RU" b="0" i="0" u="none" strike="noStrike" dirty="0">
+              <a:solidFill>
+                <a:schemeClr val="bg1"/>
+              </a:solidFill>
+              <a:effectLst/>
+              <a:latin typeface="var(--stk-f_family)"/>
+            </a:endParaRPr>
+          </a:p>
+          <a:p>
+            <a:pPr algn="l" fontAlgn="base" latinLnBrk="0"/>
+            <a:r>
+              <a:rPr lang="ru-RU" b="0" i="0" u="none" strike="noStrike" dirty="0">
+                <a:solidFill>
+                  <a:schemeClr val="bg1"/>
+                </a:solidFill>
+                <a:effectLst/>
+                <a:latin typeface="var(--stk-f_family)"/>
+              </a:rPr>
+              <a:t>Легко ли скопировать ваш бизнес?</a:t>
+            </a:r>
+          </a:p>
+        </p:txBody>
+      </p:sp>
+    </p:spTree>
+    <p:extLst>
+      <p:ext uri="{BB962C8B-B14F-4D97-AF65-F5344CB8AC3E}">
+        <p14:creationId xmlns:p14="http://schemas.microsoft.com/office/powerpoint/2010/main" val="2850079458"/>
+      </p:ext>
+    </p:extLst>
+  </p:cSld>
+  <p:clrMapOvr>
+    <a:masterClrMapping/>
+  </p:clrMapOvr>
+  <p:transition spd="med"/>
+</p:sld>
+</file>
+
+<file path=ppt/slides/slide16.xml><?xml version="1.0" encoding="utf-8"?>
+<p:sld xmlns:a="http://schemas.openxmlformats.org/drawingml/2006/main" xmlns:r="http://schemas.openxmlformats.org/officeDocument/2006/relationships" xmlns:p="http://schemas.openxmlformats.org/presentationml/2006/main">
+  <p:cSld>
+    <p:spTree>
+      <p:nvGrpSpPr>
+        <p:cNvPr id="1" name=""/>
+        <p:cNvGrpSpPr/>
+        <p:nvPr/>
+      </p:nvGrpSpPr>
+      <p:grpSpPr>
+        <a:xfrm>
+          <a:off x="0" y="0"/>
+          <a:ext cx="0" cy="0"/>
+          <a:chOff x="0" y="0"/>
+          <a:chExt cx="0" cy="0"/>
+        </a:xfrm>
+      </p:grpSpPr>
+      <p:sp>
+        <p:nvSpPr>
+          <p:cNvPr id="703" name="Shape 703"/>
+          <p:cNvSpPr>
+            <a:spLocks noGrp="1"/>
+          </p:cNvSpPr>
+          <p:nvPr>
+            <p:ph type="sldNum" sz="quarter" idx="2"/>
+          </p:nvPr>
+        </p:nvSpPr>
+        <p:spPr>
+          <a:prstGeom prst="rect">
+            <a:avLst/>
+          </a:prstGeom>
+          <a:extLst>
+            <a:ext uri="{C572A759-6A51-4108-AA02-DFA0A04FC94B}">
+              <ma14:wrappingTextBoxFlag xmlns:ma14="http://schemas.microsoft.com/office/mac/drawingml/2011/main" xmlns="" val="1"/>
+            </a:ext>
+          </a:extLst>
+        </p:spPr>
+        <p:txBody>
+          <a:bodyPr/>
+          <a:lstStyle/>
+          <a:p>
+            <a:fld id="{86CB4B4D-7CA3-9044-876B-883B54F8677D}" type="slidenum">
+              <a:t>16</a:t>
             </a:fld>
             <a:endParaRPr/>
           </a:p>
@@ -6196,7 +7075,7 @@
           </a:ln>
           <a:extLst>
             <a:ext uri="{C572A759-6A51-4108-AA02-DFA0A04FC94B}">
-              <ma14:wrappingTextBoxFlag xmlns="" xmlns:ma14="http://schemas.microsoft.com/office/mac/drawingml/2011/main" val="1"/>
+              <ma14:wrappingTextBoxFlag xmlns:ma14="http://schemas.microsoft.com/office/mac/drawingml/2011/main" xmlns="" val="1"/>
             </a:ext>
           </a:extLst>
         </p:spPr>
@@ -6228,7 +7107,7 @@
     </p:spTree>
     <p:extLst>
       <p:ext uri="{BB962C8B-B14F-4D97-AF65-F5344CB8AC3E}">
-        <p14:creationId xmlns:p14="http://schemas.microsoft.com/office/powerpoint/2010/main" val="3562253664"/>
+        <p14:creationId xmlns:p14="http://schemas.microsoft.com/office/powerpoint/2010/main" val="283726004"/>
       </p:ext>
     </p:extLst>
   </p:cSld>
@@ -6274,7 +7153,7 @@
           </a:prstGeom>
           <a:extLst>
             <a:ext uri="{C572A759-6A51-4108-AA02-DFA0A04FC94B}">
-              <ma14:wrappingTextBoxFlag xmlns="" xmlns:ma14="http://schemas.microsoft.com/office/mac/drawingml/2011/main" val="1"/>
+              <ma14:wrappingTextBoxFlag xmlns:ma14="http://schemas.microsoft.com/office/mac/drawingml/2011/main" xmlns="" val="1"/>
             </a:ext>
           </a:extLst>
         </p:spPr>
@@ -6308,7 +7187,7 @@
           </a:ln>
           <a:extLst>
             <a:ext uri="{C572A759-6A51-4108-AA02-DFA0A04FC94B}">
-              <ma14:wrappingTextBoxFlag xmlns="" xmlns:ma14="http://schemas.microsoft.com/office/mac/drawingml/2011/main" val="1"/>
+              <ma14:wrappingTextBoxFlag xmlns:ma14="http://schemas.microsoft.com/office/mac/drawingml/2011/main" xmlns="" val="1"/>
             </a:ext>
           </a:extLst>
         </p:spPr>
@@ -6361,7 +7240,7 @@
           </a:ln>
           <a:extLst>
             <a:ext uri="{C572A759-6A51-4108-AA02-DFA0A04FC94B}">
-              <ma14:wrappingTextBoxFlag xmlns="" xmlns:ma14="http://schemas.microsoft.com/office/mac/drawingml/2011/main" val="1"/>
+              <ma14:wrappingTextBoxFlag xmlns:ma14="http://schemas.microsoft.com/office/mac/drawingml/2011/main" xmlns="" val="1"/>
             </a:ext>
           </a:extLst>
         </p:spPr>
@@ -6415,7 +7294,7 @@
           </a:ln>
           <a:extLst>
             <a:ext uri="{C572A759-6A51-4108-AA02-DFA0A04FC94B}">
-              <ma14:wrappingTextBoxFlag xmlns="" xmlns:ma14="http://schemas.microsoft.com/office/mac/drawingml/2011/main" val="1"/>
+              <ma14:wrappingTextBoxFlag xmlns:ma14="http://schemas.microsoft.com/office/mac/drawingml/2011/main" xmlns="" val="1"/>
             </a:ext>
           </a:extLst>
         </p:spPr>
@@ -6469,7 +7348,7 @@
           </a:ln>
           <a:extLst>
             <a:ext uri="{C572A759-6A51-4108-AA02-DFA0A04FC94B}">
-              <ma14:wrappingTextBoxFlag xmlns="" xmlns:ma14="http://schemas.microsoft.com/office/mac/drawingml/2011/main" val="1"/>
+              <ma14:wrappingTextBoxFlag xmlns:ma14="http://schemas.microsoft.com/office/mac/drawingml/2011/main" xmlns="" val="1"/>
             </a:ext>
           </a:extLst>
         </p:spPr>
@@ -6556,7 +7435,7 @@
           </a:ln>
           <a:extLst>
             <a:ext uri="{C572A759-6A51-4108-AA02-DFA0A04FC94B}">
-              <ma14:wrappingTextBoxFlag xmlns="" xmlns:ma14="http://schemas.microsoft.com/office/mac/drawingml/2011/main" val="1"/>
+              <ma14:wrappingTextBoxFlag xmlns:ma14="http://schemas.microsoft.com/office/mac/drawingml/2011/main" xmlns="" val="1"/>
             </a:ext>
           </a:extLst>
         </p:spPr>
@@ -7090,7 +7969,7 @@
           </a:ln>
           <a:extLst>
             <a:ext uri="{C572A759-6A51-4108-AA02-DFA0A04FC94B}">
-              <ma14:wrappingTextBoxFlag xmlns="" xmlns:ma14="http://schemas.microsoft.com/office/mac/drawingml/2011/main" val="1"/>
+              <ma14:wrappingTextBoxFlag xmlns:ma14="http://schemas.microsoft.com/office/mac/drawingml/2011/main" xmlns="" val="1"/>
             </a:ext>
           </a:extLst>
         </p:spPr>
@@ -7727,7 +8606,7 @@
           </a:ln>
           <a:extLst>
             <a:ext uri="{C572A759-6A51-4108-AA02-DFA0A04FC94B}">
-              <ma14:wrappingTextBoxFlag xmlns="" xmlns:ma14="http://schemas.microsoft.com/office/mac/drawingml/2011/main" val="1"/>
+              <ma14:wrappingTextBoxFlag xmlns:ma14="http://schemas.microsoft.com/office/mac/drawingml/2011/main" xmlns="" val="1"/>
             </a:ext>
           </a:extLst>
         </p:spPr>
@@ -8247,7 +9126,7 @@
           </a:ln>
           <a:extLst>
             <a:ext uri="{C572A759-6A51-4108-AA02-DFA0A04FC94B}">
-              <ma14:wrappingTextBoxFlag xmlns="" xmlns:ma14="http://schemas.microsoft.com/office/mac/drawingml/2011/main" val="1"/>
+              <ma14:wrappingTextBoxFlag xmlns:ma14="http://schemas.microsoft.com/office/mac/drawingml/2011/main" xmlns="" val="1"/>
             </a:ext>
           </a:extLst>
         </p:spPr>
@@ -8779,7 +9658,7 @@
           </a:ln>
           <a:extLst>
             <a:ext uri="{C572A759-6A51-4108-AA02-DFA0A04FC94B}">
-              <ma14:wrappingTextBoxFlag xmlns="" xmlns:ma14="http://schemas.microsoft.com/office/mac/drawingml/2011/main" val="1"/>
+              <ma14:wrappingTextBoxFlag xmlns:ma14="http://schemas.microsoft.com/office/mac/drawingml/2011/main" xmlns="" val="1"/>
             </a:ext>
           </a:extLst>
         </p:spPr>
@@ -9338,7 +10217,7 @@
           </a:ln>
           <a:extLst>
             <a:ext uri="{C572A759-6A51-4108-AA02-DFA0A04FC94B}">
-              <ma14:wrappingTextBoxFlag xmlns="" xmlns:ma14="http://schemas.microsoft.com/office/mac/drawingml/2011/main" val="1"/>
+              <ma14:wrappingTextBoxFlag xmlns:ma14="http://schemas.microsoft.com/office/mac/drawingml/2011/main" xmlns="" val="1"/>
             </a:ext>
           </a:extLst>
         </p:spPr>
@@ -9511,7 +10390,7 @@
           </a:ln>
           <a:extLst>
             <a:ext uri="{C572A759-6A51-4108-AA02-DFA0A04FC94B}">
-              <ma14:wrappingTextBoxFlag xmlns="" xmlns:ma14="http://schemas.microsoft.com/office/mac/drawingml/2011/main" val="1"/>
+              <ma14:wrappingTextBoxFlag xmlns:ma14="http://schemas.microsoft.com/office/mac/drawingml/2011/main" xmlns="" val="1"/>
             </a:ext>
           </a:extLst>
         </p:spPr>
